--- a/Presentations/29- Clean Code - Design Patterns - SMC Parser.pptx
+++ b/Presentations/29- Clean Code - Design Patterns - SMC Parser.pptx
@@ -5,24 +5,26 @@
     <p:sldMasterId id="2147483648" r:id="rId4"/>
   </p:sldMasterIdLst>
   <p:notesMasterIdLst>
-    <p:notesMasterId r:id="rId12"/>
+    <p:notesMasterId r:id="rId14"/>
   </p:notesMasterIdLst>
   <p:handoutMasterIdLst>
-    <p:handoutMasterId r:id="rId13"/>
+    <p:handoutMasterId r:id="rId15"/>
   </p:handoutMasterIdLst>
   <p:sldIdLst>
     <p:sldId id="449" r:id="rId5"/>
     <p:sldId id="451" r:id="rId6"/>
     <p:sldId id="463" r:id="rId7"/>
     <p:sldId id="452" r:id="rId8"/>
-    <p:sldId id="464" r:id="rId9"/>
-    <p:sldId id="465" r:id="rId10"/>
-    <p:sldId id="422" r:id="rId11"/>
+    <p:sldId id="465" r:id="rId9"/>
+    <p:sldId id="466" r:id="rId10"/>
+    <p:sldId id="467" r:id="rId11"/>
+    <p:sldId id="468" r:id="rId12"/>
+    <p:sldId id="422" r:id="rId13"/>
   </p:sldIdLst>
   <p:sldSz cx="12192000" cy="6858000"/>
   <p:notesSz cx="6858000" cy="9144000"/>
   <p:custDataLst>
-    <p:tags r:id="rId14"/>
+    <p:tags r:id="rId16"/>
   </p:custDataLst>
   <p:defaultTextStyle>
     <a:defPPr>
@@ -920,7 +922,7 @@
             <a:fld id="{78ADB214-F42C-4297-A187-8792AE2D2F13}" type="slidenum">
               <a:rPr lang="en-US" smtClean="0"/>
               <a:pPr/>
-              <a:t>7</a:t>
+              <a:t>9</a:t>
             </a:fld>
             <a:endParaRPr lang="en-US" dirty="0"/>
           </a:p>
@@ -9314,7 +9316,7 @@
           <a:p>
             <a:r>
               <a:rPr lang="en-US" dirty="0"/>
-              <a:t>29 – Clean Code – Design Patterns – SMC Parser</a:t>
+              <a:t>29 – Clean Code – Design Patterns – SMC Parser and Builder Pattern</a:t>
             </a:r>
           </a:p>
         </p:txBody>
@@ -10527,7 +10529,7 @@
           <p:cNvPr id="2" name="Title 1">
             <a:extLst>
               <a:ext uri="{FF2B5EF4-FFF2-40B4-BE49-F238E27FC236}">
-                <a16:creationId xmlns:a16="http://schemas.microsoft.com/office/drawing/2014/main" id="{71228B3B-9DEA-24FC-A1DE-03256E192C4D}"/>
+                <a16:creationId xmlns:a16="http://schemas.microsoft.com/office/drawing/2014/main" id="{9C7158B1-47AA-A9C8-1504-9D99C058D179}"/>
               </a:ext>
             </a:extLst>
           </p:cNvPr>
@@ -10545,17 +10547,17 @@
           <a:p>
             <a:r>
               <a:rPr lang="en-US" dirty="0"/>
-              <a:t>The BNF of the FSM leads to the definition of data structures</a:t>
+              <a:t>Lexical Analysis – Parsing our structure</a:t>
             </a:r>
           </a:p>
         </p:txBody>
       </p:sp>
       <p:sp>
         <p:nvSpPr>
-          <p:cNvPr id="11" name="TextBox 10">
+          <p:cNvPr id="5" name="TextBox 4">
             <a:extLst>
               <a:ext uri="{FF2B5EF4-FFF2-40B4-BE49-F238E27FC236}">
-                <a16:creationId xmlns:a16="http://schemas.microsoft.com/office/drawing/2014/main" id="{E849DA94-59D5-BFF0-3A1A-D277163CA8E7}"/>
+                <a16:creationId xmlns:a16="http://schemas.microsoft.com/office/drawing/2014/main" id="{038B0F67-04D5-7837-690C-05F67BF8E2F7}"/>
               </a:ext>
             </a:extLst>
           </p:cNvPr>
@@ -10564,2618 +10566,7 @@
         </p:nvSpPr>
         <p:spPr>
           <a:xfrm>
-            <a:off x="6096000" y="1700808"/>
-            <a:ext cx="4464496" cy="3970318"/>
-          </a:xfrm>
-          <a:prstGeom prst="rect">
-            <a:avLst/>
-          </a:prstGeom>
-          <a:solidFill>
-            <a:schemeClr val="bg1">
-              <a:lumMod val="95000"/>
-            </a:schemeClr>
-          </a:solidFill>
-          <a:ln>
-            <a:solidFill>
-              <a:schemeClr val="bg1">
-                <a:lumMod val="95000"/>
-              </a:schemeClr>
-            </a:solidFill>
-          </a:ln>
-        </p:spPr>
-        <p:txBody>
-          <a:bodyPr wrap="square">
-            <a:spAutoFit/>
-          </a:bodyPr>
-          <a:lstStyle/>
-          <a:p>
-            <a:r>
-              <a:rPr lang="en-GB" sz="1200" dirty="0">
-                <a:solidFill>
-                  <a:srgbClr val="B294BB"/>
-                </a:solidFill>
-                <a:effectLst/>
-                <a:latin typeface="Menlo" panose="020B0609030804020204" pitchFamily="49" charset="0"/>
-              </a:rPr>
-              <a:t>public static class </a:t>
-            </a:r>
-            <a:r>
-              <a:rPr lang="en-GB" sz="1200" dirty="0">
-                <a:solidFill>
-                  <a:srgbClr val="F0C674"/>
-                </a:solidFill>
-                <a:effectLst/>
-                <a:latin typeface="Menlo" panose="020B0609030804020204" pitchFamily="49" charset="0"/>
-              </a:rPr>
-              <a:t>Transition </a:t>
-            </a:r>
-            <a:r>
-              <a:rPr lang="en-GB" sz="1200" dirty="0">
-                <a:solidFill>
-                  <a:srgbClr val="0E7F8E"/>
-                </a:solidFill>
-                <a:effectLst/>
-                <a:latin typeface="Menlo" panose="020B0609030804020204" pitchFamily="49" charset="0"/>
-              </a:rPr>
-              <a:t>{</a:t>
-            </a:r>
-            <a:br>
-              <a:rPr lang="en-GB" sz="1200" dirty="0">
-                <a:solidFill>
-                  <a:srgbClr val="0E7F8E"/>
-                </a:solidFill>
-                <a:effectLst/>
-                <a:latin typeface="Menlo" panose="020B0609030804020204" pitchFamily="49" charset="0"/>
-              </a:rPr>
-            </a:br>
-            <a:r>
-              <a:rPr lang="en-GB" sz="1200" dirty="0">
-                <a:solidFill>
-                  <a:srgbClr val="0E7F8E"/>
-                </a:solidFill>
-                <a:effectLst/>
-                <a:latin typeface="Menlo" panose="020B0609030804020204" pitchFamily="49" charset="0"/>
-              </a:rPr>
-              <a:t>  </a:t>
-            </a:r>
-            <a:r>
-              <a:rPr lang="en-GB" sz="1200" dirty="0">
-                <a:solidFill>
-                  <a:srgbClr val="B294BB"/>
-                </a:solidFill>
-                <a:effectLst/>
-                <a:latin typeface="Menlo" panose="020B0609030804020204" pitchFamily="49" charset="0"/>
-              </a:rPr>
-              <a:t>public </a:t>
-            </a:r>
-            <a:r>
-              <a:rPr lang="en-GB" sz="1200" dirty="0">
-                <a:solidFill>
-                  <a:srgbClr val="F0C674"/>
-                </a:solidFill>
-                <a:effectLst/>
-                <a:latin typeface="Menlo" panose="020B0609030804020204" pitchFamily="49" charset="0"/>
-              </a:rPr>
-              <a:t>State </a:t>
-            </a:r>
-            <a:r>
-              <a:rPr lang="en-GB" sz="1200" dirty="0" err="1">
-                <a:solidFill>
-                  <a:srgbClr val="DE935F"/>
-                </a:solidFill>
-                <a:effectLst/>
-                <a:latin typeface="Menlo" panose="020B0609030804020204" pitchFamily="49" charset="0"/>
-              </a:rPr>
-              <a:t>currentState</a:t>
-            </a:r>
-            <a:r>
-              <a:rPr lang="en-GB" sz="1200" dirty="0">
-                <a:solidFill>
-                  <a:srgbClr val="CED1CF"/>
-                </a:solidFill>
-                <a:effectLst/>
-                <a:latin typeface="Menlo" panose="020B0609030804020204" pitchFamily="49" charset="0"/>
-              </a:rPr>
-              <a:t>;</a:t>
-            </a:r>
-            <a:br>
-              <a:rPr lang="en-GB" sz="1200" dirty="0">
-                <a:solidFill>
-                  <a:srgbClr val="CED1CF"/>
-                </a:solidFill>
-                <a:effectLst/>
-                <a:latin typeface="Menlo" panose="020B0609030804020204" pitchFamily="49" charset="0"/>
-              </a:rPr>
-            </a:br>
-            <a:r>
-              <a:rPr lang="en-GB" sz="1200" dirty="0">
-                <a:solidFill>
-                  <a:srgbClr val="CED1CF"/>
-                </a:solidFill>
-                <a:effectLst/>
-                <a:latin typeface="Menlo" panose="020B0609030804020204" pitchFamily="49" charset="0"/>
-              </a:rPr>
-              <a:t>  </a:t>
-            </a:r>
-            <a:r>
-              <a:rPr lang="en-GB" sz="1200" dirty="0">
-                <a:solidFill>
-                  <a:srgbClr val="B294BB"/>
-                </a:solidFill>
-                <a:effectLst/>
-                <a:latin typeface="Menlo" panose="020B0609030804020204" pitchFamily="49" charset="0"/>
-              </a:rPr>
-              <a:t>public </a:t>
-            </a:r>
-            <a:r>
-              <a:rPr lang="en-GB" sz="1200" dirty="0">
-                <a:solidFill>
-                  <a:srgbClr val="F0C674"/>
-                </a:solidFill>
-                <a:effectLst/>
-                <a:latin typeface="Menlo" panose="020B0609030804020204" pitchFamily="49" charset="0"/>
-              </a:rPr>
-              <a:t>Event </a:t>
-            </a:r>
-            <a:r>
-              <a:rPr lang="en-GB" sz="1200" dirty="0">
-                <a:solidFill>
-                  <a:srgbClr val="DE935F"/>
-                </a:solidFill>
-                <a:effectLst/>
-                <a:latin typeface="Menlo" panose="020B0609030804020204" pitchFamily="49" charset="0"/>
-              </a:rPr>
-              <a:t>event</a:t>
-            </a:r>
-            <a:r>
-              <a:rPr lang="en-GB" sz="1200" dirty="0">
-                <a:solidFill>
-                  <a:srgbClr val="CED1CF"/>
-                </a:solidFill>
-                <a:effectLst/>
-                <a:latin typeface="Menlo" panose="020B0609030804020204" pitchFamily="49" charset="0"/>
-              </a:rPr>
-              <a:t>;</a:t>
-            </a:r>
-            <a:br>
-              <a:rPr lang="en-GB" sz="1200" dirty="0">
-                <a:solidFill>
-                  <a:srgbClr val="CED1CF"/>
-                </a:solidFill>
-                <a:effectLst/>
-                <a:latin typeface="Menlo" panose="020B0609030804020204" pitchFamily="49" charset="0"/>
-              </a:rPr>
-            </a:br>
-            <a:r>
-              <a:rPr lang="en-GB" sz="1200" dirty="0">
-                <a:solidFill>
-                  <a:srgbClr val="CED1CF"/>
-                </a:solidFill>
-                <a:effectLst/>
-                <a:latin typeface="Menlo" panose="020B0609030804020204" pitchFamily="49" charset="0"/>
-              </a:rPr>
-              <a:t>  </a:t>
-            </a:r>
-            <a:r>
-              <a:rPr lang="en-GB" sz="1200" dirty="0">
-                <a:solidFill>
-                  <a:srgbClr val="B294BB"/>
-                </a:solidFill>
-                <a:effectLst/>
-                <a:latin typeface="Menlo" panose="020B0609030804020204" pitchFamily="49" charset="0"/>
-              </a:rPr>
-              <a:t>public </a:t>
-            </a:r>
-            <a:r>
-              <a:rPr lang="en-GB" sz="1200" dirty="0">
-                <a:solidFill>
-                  <a:srgbClr val="F0C674"/>
-                </a:solidFill>
-                <a:effectLst/>
-                <a:latin typeface="Menlo" panose="020B0609030804020204" pitchFamily="49" charset="0"/>
-              </a:rPr>
-              <a:t>State </a:t>
-            </a:r>
-            <a:r>
-              <a:rPr lang="en-GB" sz="1200" dirty="0" err="1">
-                <a:solidFill>
-                  <a:srgbClr val="DE935F"/>
-                </a:solidFill>
-                <a:effectLst/>
-                <a:latin typeface="Menlo" panose="020B0609030804020204" pitchFamily="49" charset="0"/>
-              </a:rPr>
-              <a:t>nextState</a:t>
-            </a:r>
-            <a:r>
-              <a:rPr lang="en-GB" sz="1200" dirty="0">
-                <a:solidFill>
-                  <a:srgbClr val="CED1CF"/>
-                </a:solidFill>
-                <a:effectLst/>
-                <a:latin typeface="Menlo" panose="020B0609030804020204" pitchFamily="49" charset="0"/>
-              </a:rPr>
-              <a:t>;</a:t>
-            </a:r>
-            <a:br>
-              <a:rPr lang="en-GB" sz="1200" dirty="0">
-                <a:solidFill>
-                  <a:srgbClr val="CED1CF"/>
-                </a:solidFill>
-                <a:effectLst/>
-                <a:latin typeface="Menlo" panose="020B0609030804020204" pitchFamily="49" charset="0"/>
-              </a:rPr>
-            </a:br>
-            <a:r>
-              <a:rPr lang="en-GB" sz="1200" dirty="0">
-                <a:solidFill>
-                  <a:srgbClr val="CED1CF"/>
-                </a:solidFill>
-                <a:effectLst/>
-                <a:latin typeface="Menlo" panose="020B0609030804020204" pitchFamily="49" charset="0"/>
-              </a:rPr>
-              <a:t>  </a:t>
-            </a:r>
-            <a:r>
-              <a:rPr lang="en-GB" sz="1200" dirty="0">
-                <a:solidFill>
-                  <a:srgbClr val="B294BB"/>
-                </a:solidFill>
-                <a:effectLst/>
-                <a:latin typeface="Menlo" panose="020B0609030804020204" pitchFamily="49" charset="0"/>
-              </a:rPr>
-              <a:t>public </a:t>
-            </a:r>
-            <a:r>
-              <a:rPr lang="en-GB" sz="1200" dirty="0">
-                <a:solidFill>
-                  <a:srgbClr val="CA3E6B"/>
-                </a:solidFill>
-                <a:effectLst/>
-                <a:latin typeface="Menlo" panose="020B0609030804020204" pitchFamily="49" charset="0"/>
-              </a:rPr>
-              <a:t>List</a:t>
-            </a:r>
-            <a:r>
-              <a:rPr lang="en-GB" sz="1200" dirty="0">
-                <a:solidFill>
-                  <a:srgbClr val="CED1CF"/>
-                </a:solidFill>
-                <a:effectLst/>
-                <a:latin typeface="Menlo" panose="020B0609030804020204" pitchFamily="49" charset="0"/>
-              </a:rPr>
-              <a:t>&lt;</a:t>
-            </a:r>
-            <a:r>
-              <a:rPr lang="en-GB" sz="1200" dirty="0">
-                <a:solidFill>
-                  <a:srgbClr val="F0C674"/>
-                </a:solidFill>
-                <a:effectLst/>
-                <a:latin typeface="Menlo" panose="020B0609030804020204" pitchFamily="49" charset="0"/>
-              </a:rPr>
-              <a:t>Action</a:t>
-            </a:r>
-            <a:r>
-              <a:rPr lang="en-GB" sz="1200" dirty="0">
-                <a:solidFill>
-                  <a:srgbClr val="CED1CF"/>
-                </a:solidFill>
-                <a:effectLst/>
-                <a:latin typeface="Menlo" panose="020B0609030804020204" pitchFamily="49" charset="0"/>
-              </a:rPr>
-              <a:t>&gt; </a:t>
-            </a:r>
-            <a:r>
-              <a:rPr lang="en-GB" sz="1200" dirty="0">
-                <a:solidFill>
-                  <a:srgbClr val="DE935F"/>
-                </a:solidFill>
-                <a:effectLst/>
-                <a:latin typeface="Menlo" panose="020B0609030804020204" pitchFamily="49" charset="0"/>
-              </a:rPr>
-              <a:t>actions </a:t>
-            </a:r>
-            <a:r>
-              <a:rPr lang="en-GB" sz="1200" dirty="0">
-                <a:solidFill>
-                  <a:srgbClr val="CED1CF"/>
-                </a:solidFill>
-                <a:effectLst/>
-                <a:latin typeface="Menlo" panose="020B0609030804020204" pitchFamily="49" charset="0"/>
-              </a:rPr>
-              <a:t>= </a:t>
-            </a:r>
-            <a:r>
-              <a:rPr lang="en-GB" sz="1200" dirty="0">
-                <a:solidFill>
-                  <a:srgbClr val="B294BB"/>
-                </a:solidFill>
-                <a:effectLst/>
-                <a:latin typeface="Menlo" panose="020B0609030804020204" pitchFamily="49" charset="0"/>
-              </a:rPr>
-              <a:t>new </a:t>
-            </a:r>
-            <a:r>
-              <a:rPr lang="en-GB" sz="1200" dirty="0">
-                <a:solidFill>
-                  <a:srgbClr val="C5C8C6"/>
-                </a:solidFill>
-                <a:effectLst/>
-                <a:latin typeface="Menlo" panose="020B0609030804020204" pitchFamily="49" charset="0"/>
-              </a:rPr>
-              <a:t>ArrayList</a:t>
-            </a:r>
-            <a:r>
-              <a:rPr lang="en-GB" sz="1200" dirty="0">
-                <a:solidFill>
-                  <a:srgbClr val="CED1CF"/>
-                </a:solidFill>
-                <a:effectLst/>
-                <a:latin typeface="Menlo" panose="020B0609030804020204" pitchFamily="49" charset="0"/>
-              </a:rPr>
-              <a:t>&lt;</a:t>
-            </a:r>
-            <a:r>
-              <a:rPr lang="en-GB" sz="1200" dirty="0">
-                <a:solidFill>
-                  <a:srgbClr val="F0C674"/>
-                </a:solidFill>
-                <a:effectLst/>
-                <a:latin typeface="Menlo" panose="020B0609030804020204" pitchFamily="49" charset="0"/>
-              </a:rPr>
-              <a:t>Action</a:t>
-            </a:r>
-            <a:r>
-              <a:rPr lang="en-GB" sz="1200" dirty="0">
-                <a:solidFill>
-                  <a:srgbClr val="CED1CF"/>
-                </a:solidFill>
-                <a:effectLst/>
-                <a:latin typeface="Menlo" panose="020B0609030804020204" pitchFamily="49" charset="0"/>
-              </a:rPr>
-              <a:t>&gt;</a:t>
-            </a:r>
-            <a:r>
-              <a:rPr lang="en-GB" sz="1200" dirty="0">
-                <a:solidFill>
-                  <a:srgbClr val="C5C8C6"/>
-                </a:solidFill>
-                <a:effectLst/>
-                <a:latin typeface="Menlo" panose="020B0609030804020204" pitchFamily="49" charset="0"/>
-              </a:rPr>
-              <a:t>()</a:t>
-            </a:r>
-            <a:r>
-              <a:rPr lang="en-GB" sz="1200" dirty="0">
-                <a:solidFill>
-                  <a:srgbClr val="CED1CF"/>
-                </a:solidFill>
-                <a:effectLst/>
-                <a:latin typeface="Menlo" panose="020B0609030804020204" pitchFamily="49" charset="0"/>
-              </a:rPr>
-              <a:t>;</a:t>
-            </a:r>
-            <a:br>
-              <a:rPr lang="en-GB" sz="1200" dirty="0">
-                <a:solidFill>
-                  <a:srgbClr val="CED1CF"/>
-                </a:solidFill>
-                <a:effectLst/>
-                <a:latin typeface="Menlo" panose="020B0609030804020204" pitchFamily="49" charset="0"/>
-              </a:rPr>
-            </a:br>
-            <a:r>
-              <a:rPr lang="en-GB" sz="1200" dirty="0">
-                <a:solidFill>
-                  <a:srgbClr val="0E7F8E"/>
-                </a:solidFill>
-                <a:effectLst/>
-                <a:latin typeface="Menlo" panose="020B0609030804020204" pitchFamily="49" charset="0"/>
-              </a:rPr>
-              <a:t>}</a:t>
-            </a:r>
-            <a:br>
-              <a:rPr lang="en-GB" sz="1200" dirty="0">
-                <a:solidFill>
-                  <a:srgbClr val="0E7F8E"/>
-                </a:solidFill>
-                <a:effectLst/>
-                <a:latin typeface="Menlo" panose="020B0609030804020204" pitchFamily="49" charset="0"/>
-              </a:rPr>
-            </a:br>
-            <a:br>
-              <a:rPr lang="en-GB" sz="1200" dirty="0">
-                <a:solidFill>
-                  <a:srgbClr val="0E7F8E"/>
-                </a:solidFill>
-                <a:effectLst/>
-                <a:latin typeface="Menlo" panose="020B0609030804020204" pitchFamily="49" charset="0"/>
-              </a:rPr>
-            </a:br>
-            <a:r>
-              <a:rPr lang="en-GB" sz="1200" dirty="0">
-                <a:solidFill>
-                  <a:srgbClr val="B294BB"/>
-                </a:solidFill>
-                <a:effectLst/>
-                <a:latin typeface="Menlo" panose="020B0609030804020204" pitchFamily="49" charset="0"/>
-              </a:rPr>
-              <a:t>public static class </a:t>
-            </a:r>
-            <a:r>
-              <a:rPr lang="en-GB" sz="1200" dirty="0">
-                <a:solidFill>
-                  <a:srgbClr val="F0C674"/>
-                </a:solidFill>
-                <a:effectLst/>
-                <a:latin typeface="Menlo" panose="020B0609030804020204" pitchFamily="49" charset="0"/>
-              </a:rPr>
-              <a:t>State </a:t>
-            </a:r>
-            <a:r>
-              <a:rPr lang="en-GB" sz="1200" dirty="0">
-                <a:solidFill>
-                  <a:srgbClr val="0E7F8E"/>
-                </a:solidFill>
-                <a:effectLst/>
-                <a:latin typeface="Menlo" panose="020B0609030804020204" pitchFamily="49" charset="0"/>
-              </a:rPr>
-              <a:t>{</a:t>
-            </a:r>
-            <a:br>
-              <a:rPr lang="en-GB" sz="1200" dirty="0">
-                <a:solidFill>
-                  <a:srgbClr val="0E7F8E"/>
-                </a:solidFill>
-                <a:effectLst/>
-                <a:latin typeface="Menlo" panose="020B0609030804020204" pitchFamily="49" charset="0"/>
-              </a:rPr>
-            </a:br>
-            <a:r>
-              <a:rPr lang="en-GB" sz="1200" dirty="0">
-                <a:solidFill>
-                  <a:srgbClr val="0E7F8E"/>
-                </a:solidFill>
-                <a:effectLst/>
-                <a:latin typeface="Menlo" panose="020B0609030804020204" pitchFamily="49" charset="0"/>
-              </a:rPr>
-              <a:t>  </a:t>
-            </a:r>
-            <a:r>
-              <a:rPr lang="en-GB" sz="1200" dirty="0">
-                <a:solidFill>
-                  <a:srgbClr val="B294BB"/>
-                </a:solidFill>
-                <a:effectLst/>
-                <a:latin typeface="Menlo" panose="020B0609030804020204" pitchFamily="49" charset="0"/>
-              </a:rPr>
-              <a:t>public </a:t>
-            </a:r>
-            <a:r>
-              <a:rPr lang="en-GB" sz="1200" dirty="0">
-                <a:solidFill>
-                  <a:srgbClr val="F0C674"/>
-                </a:solidFill>
-                <a:effectLst/>
-                <a:latin typeface="Menlo" panose="020B0609030804020204" pitchFamily="49" charset="0"/>
-              </a:rPr>
-              <a:t>String </a:t>
-            </a:r>
-            <a:r>
-              <a:rPr lang="en-GB" sz="1200" dirty="0">
-                <a:solidFill>
-                  <a:srgbClr val="DE935F"/>
-                </a:solidFill>
-                <a:effectLst/>
-                <a:latin typeface="Menlo" panose="020B0609030804020204" pitchFamily="49" charset="0"/>
-              </a:rPr>
-              <a:t>state</a:t>
-            </a:r>
-            <a:r>
-              <a:rPr lang="en-GB" sz="1200" dirty="0">
-                <a:solidFill>
-                  <a:srgbClr val="CED1CF"/>
-                </a:solidFill>
-                <a:effectLst/>
-                <a:latin typeface="Menlo" panose="020B0609030804020204" pitchFamily="49" charset="0"/>
-              </a:rPr>
-              <a:t>;</a:t>
-            </a:r>
-            <a:br>
-              <a:rPr lang="en-GB" sz="1200" dirty="0">
-                <a:solidFill>
-                  <a:srgbClr val="CED1CF"/>
-                </a:solidFill>
-                <a:effectLst/>
-                <a:latin typeface="Menlo" panose="020B0609030804020204" pitchFamily="49" charset="0"/>
-              </a:rPr>
-            </a:br>
-            <a:r>
-              <a:rPr lang="en-GB" sz="1200" dirty="0">
-                <a:solidFill>
-                  <a:srgbClr val="CED1CF"/>
-                </a:solidFill>
-                <a:effectLst/>
-                <a:latin typeface="Menlo" panose="020B0609030804020204" pitchFamily="49" charset="0"/>
-              </a:rPr>
-              <a:t>  </a:t>
-            </a:r>
-            <a:r>
-              <a:rPr lang="en-GB" sz="1200" dirty="0">
-                <a:solidFill>
-                  <a:srgbClr val="B294BB"/>
-                </a:solidFill>
-                <a:effectLst/>
-                <a:latin typeface="Menlo" panose="020B0609030804020204" pitchFamily="49" charset="0"/>
-              </a:rPr>
-              <a:t>public </a:t>
-            </a:r>
-            <a:r>
-              <a:rPr lang="en-GB" sz="1200" dirty="0">
-                <a:solidFill>
-                  <a:srgbClr val="C5C8C6"/>
-                </a:solidFill>
-                <a:effectLst/>
-                <a:latin typeface="Menlo" panose="020B0609030804020204" pitchFamily="49" charset="0"/>
-              </a:rPr>
-              <a:t>State(</a:t>
-            </a:r>
-            <a:r>
-              <a:rPr lang="en-GB" sz="1200" dirty="0">
-                <a:solidFill>
-                  <a:srgbClr val="F0C674"/>
-                </a:solidFill>
-                <a:effectLst/>
-                <a:latin typeface="Menlo" panose="020B0609030804020204" pitchFamily="49" charset="0"/>
-              </a:rPr>
-              <a:t>String </a:t>
-            </a:r>
-            <a:r>
-              <a:rPr lang="en-GB" sz="1200" dirty="0">
-                <a:solidFill>
-                  <a:srgbClr val="DE935F"/>
-                </a:solidFill>
-                <a:effectLst/>
-                <a:latin typeface="Menlo" panose="020B0609030804020204" pitchFamily="49" charset="0"/>
-              </a:rPr>
-              <a:t>state</a:t>
-            </a:r>
-            <a:r>
-              <a:rPr lang="en-GB" sz="1200" dirty="0">
-                <a:solidFill>
-                  <a:srgbClr val="C5C8C6"/>
-                </a:solidFill>
-                <a:effectLst/>
-                <a:latin typeface="Menlo" panose="020B0609030804020204" pitchFamily="49" charset="0"/>
-              </a:rPr>
-              <a:t>) </a:t>
-            </a:r>
-            <a:r>
-              <a:rPr lang="en-GB" sz="1200" dirty="0">
-                <a:solidFill>
-                  <a:srgbClr val="8C01BF"/>
-                </a:solidFill>
-                <a:effectLst/>
-                <a:latin typeface="Menlo" panose="020B0609030804020204" pitchFamily="49" charset="0"/>
-              </a:rPr>
-              <a:t>{</a:t>
-            </a:r>
-            <a:br>
-              <a:rPr lang="en-GB" sz="1200" dirty="0">
-                <a:solidFill>
-                  <a:srgbClr val="8C01BF"/>
-                </a:solidFill>
-                <a:effectLst/>
-                <a:latin typeface="Menlo" panose="020B0609030804020204" pitchFamily="49" charset="0"/>
-              </a:rPr>
-            </a:br>
-            <a:r>
-              <a:rPr lang="en-GB" sz="1200" dirty="0">
-                <a:solidFill>
-                  <a:srgbClr val="8C01BF"/>
-                </a:solidFill>
-                <a:effectLst/>
-                <a:latin typeface="Menlo" panose="020B0609030804020204" pitchFamily="49" charset="0"/>
-              </a:rPr>
-              <a:t>    </a:t>
-            </a:r>
-            <a:r>
-              <a:rPr lang="en-GB" sz="1200" dirty="0" err="1">
-                <a:solidFill>
-                  <a:srgbClr val="B294BB"/>
-                </a:solidFill>
-                <a:effectLst/>
-                <a:latin typeface="Menlo" panose="020B0609030804020204" pitchFamily="49" charset="0"/>
-              </a:rPr>
-              <a:t>this</a:t>
-            </a:r>
-            <a:r>
-              <a:rPr lang="en-GB" sz="1200" dirty="0" err="1">
-                <a:solidFill>
-                  <a:srgbClr val="CED1CF"/>
-                </a:solidFill>
-                <a:effectLst/>
-                <a:latin typeface="Menlo" panose="020B0609030804020204" pitchFamily="49" charset="0"/>
-              </a:rPr>
-              <a:t>.</a:t>
-            </a:r>
-            <a:r>
-              <a:rPr lang="en-GB" sz="1200" dirty="0" err="1">
-                <a:solidFill>
-                  <a:srgbClr val="DE935F"/>
-                </a:solidFill>
-                <a:effectLst/>
-                <a:latin typeface="Menlo" panose="020B0609030804020204" pitchFamily="49" charset="0"/>
-              </a:rPr>
-              <a:t>state</a:t>
-            </a:r>
-            <a:r>
-              <a:rPr lang="en-GB" sz="1200" dirty="0">
-                <a:solidFill>
-                  <a:srgbClr val="DE935F"/>
-                </a:solidFill>
-                <a:effectLst/>
-                <a:latin typeface="Menlo" panose="020B0609030804020204" pitchFamily="49" charset="0"/>
-              </a:rPr>
-              <a:t> </a:t>
-            </a:r>
-            <a:r>
-              <a:rPr lang="en-GB" sz="1200" dirty="0">
-                <a:solidFill>
-                  <a:srgbClr val="CED1CF"/>
-                </a:solidFill>
-                <a:effectLst/>
-                <a:latin typeface="Menlo" panose="020B0609030804020204" pitchFamily="49" charset="0"/>
-              </a:rPr>
-              <a:t>= </a:t>
-            </a:r>
-            <a:r>
-              <a:rPr lang="en-GB" sz="1200" dirty="0">
-                <a:solidFill>
-                  <a:srgbClr val="DE935F"/>
-                </a:solidFill>
-                <a:effectLst/>
-                <a:latin typeface="Menlo" panose="020B0609030804020204" pitchFamily="49" charset="0"/>
-              </a:rPr>
-              <a:t>state</a:t>
-            </a:r>
-            <a:r>
-              <a:rPr lang="en-GB" sz="1200" dirty="0">
-                <a:solidFill>
-                  <a:srgbClr val="CED1CF"/>
-                </a:solidFill>
-                <a:effectLst/>
-                <a:latin typeface="Menlo" panose="020B0609030804020204" pitchFamily="49" charset="0"/>
-              </a:rPr>
-              <a:t>;</a:t>
-            </a:r>
-            <a:br>
-              <a:rPr lang="en-GB" sz="1200" dirty="0">
-                <a:solidFill>
-                  <a:srgbClr val="CED1CF"/>
-                </a:solidFill>
-                <a:effectLst/>
-                <a:latin typeface="Menlo" panose="020B0609030804020204" pitchFamily="49" charset="0"/>
-              </a:rPr>
-            </a:br>
-            <a:r>
-              <a:rPr lang="en-GB" sz="1200" dirty="0">
-                <a:solidFill>
-                  <a:srgbClr val="CED1CF"/>
-                </a:solidFill>
-                <a:effectLst/>
-                <a:latin typeface="Menlo" panose="020B0609030804020204" pitchFamily="49" charset="0"/>
-              </a:rPr>
-              <a:t>  </a:t>
-            </a:r>
-            <a:r>
-              <a:rPr lang="en-GB" sz="1200" dirty="0">
-                <a:solidFill>
-                  <a:srgbClr val="8C01BF"/>
-                </a:solidFill>
-                <a:effectLst/>
-                <a:latin typeface="Menlo" panose="020B0609030804020204" pitchFamily="49" charset="0"/>
-              </a:rPr>
-              <a:t>}</a:t>
-            </a:r>
-            <a:br>
-              <a:rPr lang="en-GB" sz="1200" dirty="0">
-                <a:solidFill>
-                  <a:srgbClr val="8C01BF"/>
-                </a:solidFill>
-                <a:effectLst/>
-                <a:latin typeface="Menlo" panose="020B0609030804020204" pitchFamily="49" charset="0"/>
-              </a:rPr>
-            </a:br>
-            <a:r>
-              <a:rPr lang="en-GB" sz="1200" dirty="0">
-                <a:solidFill>
-                  <a:srgbClr val="0E7F8E"/>
-                </a:solidFill>
-                <a:effectLst/>
-                <a:latin typeface="Menlo" panose="020B0609030804020204" pitchFamily="49" charset="0"/>
-              </a:rPr>
-              <a:t>}</a:t>
-            </a:r>
-            <a:br>
-              <a:rPr lang="en-GB" sz="1200" dirty="0">
-                <a:solidFill>
-                  <a:srgbClr val="0E7F8E"/>
-                </a:solidFill>
-                <a:effectLst/>
-                <a:latin typeface="Menlo" panose="020B0609030804020204" pitchFamily="49" charset="0"/>
-              </a:rPr>
-            </a:br>
-            <a:br>
-              <a:rPr lang="en-GB" sz="1200" dirty="0">
-                <a:solidFill>
-                  <a:srgbClr val="0E7F8E"/>
-                </a:solidFill>
-                <a:effectLst/>
-                <a:latin typeface="Menlo" panose="020B0609030804020204" pitchFamily="49" charset="0"/>
-              </a:rPr>
-            </a:br>
-            <a:r>
-              <a:rPr lang="en-GB" sz="1200" dirty="0">
-                <a:solidFill>
-                  <a:srgbClr val="B294BB"/>
-                </a:solidFill>
-                <a:effectLst/>
-                <a:latin typeface="Menlo" panose="020B0609030804020204" pitchFamily="49" charset="0"/>
-              </a:rPr>
-              <a:t>public static class </a:t>
-            </a:r>
-            <a:r>
-              <a:rPr lang="en-GB" sz="1200" dirty="0">
-                <a:solidFill>
-                  <a:srgbClr val="F0C674"/>
-                </a:solidFill>
-                <a:effectLst/>
-                <a:latin typeface="Menlo" panose="020B0609030804020204" pitchFamily="49" charset="0"/>
-              </a:rPr>
-              <a:t>Event </a:t>
-            </a:r>
-            <a:r>
-              <a:rPr lang="en-GB" sz="1200" dirty="0">
-                <a:solidFill>
-                  <a:srgbClr val="0E7F8E"/>
-                </a:solidFill>
-                <a:effectLst/>
-                <a:latin typeface="Menlo" panose="020B0609030804020204" pitchFamily="49" charset="0"/>
-              </a:rPr>
-              <a:t>{</a:t>
-            </a:r>
-            <a:br>
-              <a:rPr lang="en-GB" sz="1200" dirty="0">
-                <a:solidFill>
-                  <a:srgbClr val="0E7F8E"/>
-                </a:solidFill>
-                <a:effectLst/>
-                <a:latin typeface="Menlo" panose="020B0609030804020204" pitchFamily="49" charset="0"/>
-              </a:rPr>
-            </a:br>
-            <a:r>
-              <a:rPr lang="en-GB" sz="1200" dirty="0">
-                <a:solidFill>
-                  <a:srgbClr val="0E7F8E"/>
-                </a:solidFill>
-                <a:effectLst/>
-                <a:latin typeface="Menlo" panose="020B0609030804020204" pitchFamily="49" charset="0"/>
-              </a:rPr>
-              <a:t>  </a:t>
-            </a:r>
-            <a:r>
-              <a:rPr lang="en-GB" sz="1200" dirty="0">
-                <a:solidFill>
-                  <a:srgbClr val="B294BB"/>
-                </a:solidFill>
-                <a:effectLst/>
-                <a:latin typeface="Menlo" panose="020B0609030804020204" pitchFamily="49" charset="0"/>
-              </a:rPr>
-              <a:t>public </a:t>
-            </a:r>
-            <a:r>
-              <a:rPr lang="en-GB" sz="1200" dirty="0">
-                <a:solidFill>
-                  <a:srgbClr val="F0C674"/>
-                </a:solidFill>
-                <a:effectLst/>
-                <a:latin typeface="Menlo" panose="020B0609030804020204" pitchFamily="49" charset="0"/>
-              </a:rPr>
-              <a:t>String </a:t>
-            </a:r>
-            <a:r>
-              <a:rPr lang="en-GB" sz="1200" dirty="0">
-                <a:solidFill>
-                  <a:srgbClr val="DE935F"/>
-                </a:solidFill>
-                <a:effectLst/>
-                <a:latin typeface="Menlo" panose="020B0609030804020204" pitchFamily="49" charset="0"/>
-              </a:rPr>
-              <a:t>event</a:t>
-            </a:r>
-            <a:r>
-              <a:rPr lang="en-GB" sz="1200" dirty="0">
-                <a:solidFill>
-                  <a:srgbClr val="CED1CF"/>
-                </a:solidFill>
-                <a:effectLst/>
-                <a:latin typeface="Menlo" panose="020B0609030804020204" pitchFamily="49" charset="0"/>
-              </a:rPr>
-              <a:t>;</a:t>
-            </a:r>
-            <a:br>
-              <a:rPr lang="en-GB" sz="1200" dirty="0">
-                <a:solidFill>
-                  <a:srgbClr val="CED1CF"/>
-                </a:solidFill>
-                <a:effectLst/>
-                <a:latin typeface="Menlo" panose="020B0609030804020204" pitchFamily="49" charset="0"/>
-              </a:rPr>
-            </a:br>
-            <a:r>
-              <a:rPr lang="en-GB" sz="1200" dirty="0">
-                <a:solidFill>
-                  <a:srgbClr val="CED1CF"/>
-                </a:solidFill>
-                <a:effectLst/>
-                <a:latin typeface="Menlo" panose="020B0609030804020204" pitchFamily="49" charset="0"/>
-              </a:rPr>
-              <a:t>  </a:t>
-            </a:r>
-            <a:r>
-              <a:rPr lang="en-GB" sz="1200" dirty="0">
-                <a:solidFill>
-                  <a:srgbClr val="B294BB"/>
-                </a:solidFill>
-                <a:effectLst/>
-                <a:latin typeface="Menlo" panose="020B0609030804020204" pitchFamily="49" charset="0"/>
-              </a:rPr>
-              <a:t>public </a:t>
-            </a:r>
-            <a:r>
-              <a:rPr lang="en-GB" sz="1200" dirty="0">
-                <a:solidFill>
-                  <a:srgbClr val="C5C8C6"/>
-                </a:solidFill>
-                <a:effectLst/>
-                <a:latin typeface="Menlo" panose="020B0609030804020204" pitchFamily="49" charset="0"/>
-              </a:rPr>
-              <a:t>Event(</a:t>
-            </a:r>
-            <a:r>
-              <a:rPr lang="en-GB" sz="1200" dirty="0">
-                <a:solidFill>
-                  <a:srgbClr val="F0C674"/>
-                </a:solidFill>
-                <a:effectLst/>
-                <a:latin typeface="Menlo" panose="020B0609030804020204" pitchFamily="49" charset="0"/>
-              </a:rPr>
-              <a:t>String </a:t>
-            </a:r>
-            <a:r>
-              <a:rPr lang="en-GB" sz="1200" dirty="0">
-                <a:solidFill>
-                  <a:srgbClr val="DE935F"/>
-                </a:solidFill>
-                <a:effectLst/>
-                <a:latin typeface="Menlo" panose="020B0609030804020204" pitchFamily="49" charset="0"/>
-              </a:rPr>
-              <a:t>event</a:t>
-            </a:r>
-            <a:r>
-              <a:rPr lang="en-GB" sz="1200" dirty="0">
-                <a:solidFill>
-                  <a:srgbClr val="C5C8C6"/>
-                </a:solidFill>
-                <a:effectLst/>
-                <a:latin typeface="Menlo" panose="020B0609030804020204" pitchFamily="49" charset="0"/>
-              </a:rPr>
-              <a:t>) </a:t>
-            </a:r>
-            <a:r>
-              <a:rPr lang="en-GB" sz="1200" dirty="0">
-                <a:solidFill>
-                  <a:srgbClr val="8C01BF"/>
-                </a:solidFill>
-                <a:effectLst/>
-                <a:latin typeface="Menlo" panose="020B0609030804020204" pitchFamily="49" charset="0"/>
-              </a:rPr>
-              <a:t>{</a:t>
-            </a:r>
-            <a:br>
-              <a:rPr lang="en-GB" sz="1200" dirty="0">
-                <a:solidFill>
-                  <a:srgbClr val="8C01BF"/>
-                </a:solidFill>
-                <a:effectLst/>
-                <a:latin typeface="Menlo" panose="020B0609030804020204" pitchFamily="49" charset="0"/>
-              </a:rPr>
-            </a:br>
-            <a:r>
-              <a:rPr lang="en-GB" sz="1200" dirty="0">
-                <a:solidFill>
-                  <a:srgbClr val="8C01BF"/>
-                </a:solidFill>
-                <a:effectLst/>
-                <a:latin typeface="Menlo" panose="020B0609030804020204" pitchFamily="49" charset="0"/>
-              </a:rPr>
-              <a:t>    </a:t>
-            </a:r>
-            <a:r>
-              <a:rPr lang="en-GB" sz="1200" dirty="0" err="1">
-                <a:solidFill>
-                  <a:srgbClr val="B294BB"/>
-                </a:solidFill>
-                <a:effectLst/>
-                <a:latin typeface="Menlo" panose="020B0609030804020204" pitchFamily="49" charset="0"/>
-              </a:rPr>
-              <a:t>this</a:t>
-            </a:r>
-            <a:r>
-              <a:rPr lang="en-GB" sz="1200" dirty="0" err="1">
-                <a:solidFill>
-                  <a:srgbClr val="CED1CF"/>
-                </a:solidFill>
-                <a:effectLst/>
-                <a:latin typeface="Menlo" panose="020B0609030804020204" pitchFamily="49" charset="0"/>
-              </a:rPr>
-              <a:t>.</a:t>
-            </a:r>
-            <a:r>
-              <a:rPr lang="en-GB" sz="1200" dirty="0" err="1">
-                <a:solidFill>
-                  <a:srgbClr val="DE935F"/>
-                </a:solidFill>
-                <a:effectLst/>
-                <a:latin typeface="Menlo" panose="020B0609030804020204" pitchFamily="49" charset="0"/>
-              </a:rPr>
-              <a:t>event</a:t>
-            </a:r>
-            <a:r>
-              <a:rPr lang="en-GB" sz="1200" dirty="0">
-                <a:solidFill>
-                  <a:srgbClr val="DE935F"/>
-                </a:solidFill>
-                <a:effectLst/>
-                <a:latin typeface="Menlo" panose="020B0609030804020204" pitchFamily="49" charset="0"/>
-              </a:rPr>
-              <a:t> </a:t>
-            </a:r>
-            <a:r>
-              <a:rPr lang="en-GB" sz="1200" dirty="0">
-                <a:solidFill>
-                  <a:srgbClr val="CED1CF"/>
-                </a:solidFill>
-                <a:effectLst/>
-                <a:latin typeface="Menlo" panose="020B0609030804020204" pitchFamily="49" charset="0"/>
-              </a:rPr>
-              <a:t>= </a:t>
-            </a:r>
-            <a:r>
-              <a:rPr lang="en-GB" sz="1200" dirty="0">
-                <a:solidFill>
-                  <a:srgbClr val="DE935F"/>
-                </a:solidFill>
-                <a:effectLst/>
-                <a:latin typeface="Menlo" panose="020B0609030804020204" pitchFamily="49" charset="0"/>
-              </a:rPr>
-              <a:t>event</a:t>
-            </a:r>
-            <a:r>
-              <a:rPr lang="en-GB" sz="1200" dirty="0">
-                <a:solidFill>
-                  <a:srgbClr val="CED1CF"/>
-                </a:solidFill>
-                <a:effectLst/>
-                <a:latin typeface="Menlo" panose="020B0609030804020204" pitchFamily="49" charset="0"/>
-              </a:rPr>
-              <a:t>;</a:t>
-            </a:r>
-            <a:br>
-              <a:rPr lang="en-GB" sz="1200" dirty="0">
-                <a:solidFill>
-                  <a:srgbClr val="CED1CF"/>
-                </a:solidFill>
-                <a:effectLst/>
-                <a:latin typeface="Menlo" panose="020B0609030804020204" pitchFamily="49" charset="0"/>
-              </a:rPr>
-            </a:br>
-            <a:r>
-              <a:rPr lang="en-GB" sz="1200" dirty="0">
-                <a:solidFill>
-                  <a:srgbClr val="CED1CF"/>
-                </a:solidFill>
-                <a:effectLst/>
-                <a:latin typeface="Menlo" panose="020B0609030804020204" pitchFamily="49" charset="0"/>
-              </a:rPr>
-              <a:t>  </a:t>
-            </a:r>
-            <a:r>
-              <a:rPr lang="en-GB" sz="1200" dirty="0">
-                <a:solidFill>
-                  <a:srgbClr val="8C01BF"/>
-                </a:solidFill>
-                <a:effectLst/>
-                <a:latin typeface="Menlo" panose="020B0609030804020204" pitchFamily="49" charset="0"/>
-              </a:rPr>
-              <a:t>}</a:t>
-            </a:r>
-            <a:br>
-              <a:rPr lang="en-GB" sz="1200" dirty="0">
-                <a:solidFill>
-                  <a:srgbClr val="8C01BF"/>
-                </a:solidFill>
-                <a:effectLst/>
-                <a:latin typeface="Menlo" panose="020B0609030804020204" pitchFamily="49" charset="0"/>
-              </a:rPr>
-            </a:br>
-            <a:r>
-              <a:rPr lang="en-GB" sz="1200" dirty="0">
-                <a:solidFill>
-                  <a:srgbClr val="0E7F8E"/>
-                </a:solidFill>
-                <a:effectLst/>
-                <a:latin typeface="Menlo" panose="020B0609030804020204" pitchFamily="49" charset="0"/>
-              </a:rPr>
-              <a:t>}</a:t>
-            </a:r>
-            <a:endParaRPr lang="en-GB" sz="1200" dirty="0">
-              <a:solidFill>
-                <a:srgbClr val="C5C8C6"/>
-              </a:solidFill>
-              <a:effectLst/>
-              <a:latin typeface="Menlo" panose="020B0609030804020204" pitchFamily="49" charset="0"/>
-            </a:endParaRPr>
-          </a:p>
-        </p:txBody>
-      </p:sp>
-      <p:sp>
-        <p:nvSpPr>
-          <p:cNvPr id="12" name="TextBox 11">
-            <a:extLst>
-              <a:ext uri="{FF2B5EF4-FFF2-40B4-BE49-F238E27FC236}">
-                <a16:creationId xmlns:a16="http://schemas.microsoft.com/office/drawing/2014/main" id="{07495266-92BD-71E6-6830-AF9DA818A3AE}"/>
-              </a:ext>
-            </a:extLst>
-          </p:cNvPr>
-          <p:cNvSpPr txBox="1"/>
-          <p:nvPr/>
-        </p:nvSpPr>
-        <p:spPr>
-          <a:xfrm>
-            <a:off x="2927648" y="1186934"/>
-            <a:ext cx="5522666" cy="369332"/>
-          </a:xfrm>
-          <a:prstGeom prst="rect">
-            <a:avLst/>
-          </a:prstGeom>
-          <a:solidFill>
-            <a:srgbClr val="FFFF00"/>
-          </a:solidFill>
-        </p:spPr>
-        <p:txBody>
-          <a:bodyPr wrap="none" rtlCol="0">
-            <a:spAutoFit/>
-          </a:bodyPr>
-          <a:lstStyle/>
-          <a:p>
-            <a:pPr algn="l">
-              <a:lnSpc>
-                <a:spcPct val="90000"/>
-              </a:lnSpc>
-              <a:spcBef>
-                <a:spcPts val="1200"/>
-              </a:spcBef>
-            </a:pPr>
-            <a:r>
-              <a:rPr lang="en-US" sz="2000" dirty="0">
-                <a:solidFill>
-                  <a:schemeClr val="tx2"/>
-                </a:solidFill>
-              </a:rPr>
-              <a:t>Data structures don’t care about “{“ or spellings</a:t>
-            </a:r>
-          </a:p>
-        </p:txBody>
-      </p:sp>
-      <p:sp>
-        <p:nvSpPr>
-          <p:cNvPr id="14" name="TextBox 13">
-            <a:extLst>
-              <a:ext uri="{FF2B5EF4-FFF2-40B4-BE49-F238E27FC236}">
-                <a16:creationId xmlns:a16="http://schemas.microsoft.com/office/drawing/2014/main" id="{0CFEE3A6-18B9-8AF7-7B6B-6DF9B214A449}"/>
-              </a:ext>
-            </a:extLst>
-          </p:cNvPr>
-          <p:cNvSpPr txBox="1"/>
-          <p:nvPr/>
-        </p:nvSpPr>
-        <p:spPr>
-          <a:xfrm>
-            <a:off x="335280" y="1556266"/>
-            <a:ext cx="5256664" cy="4154984"/>
-          </a:xfrm>
-          <a:prstGeom prst="rect">
-            <a:avLst/>
-          </a:prstGeom>
-          <a:solidFill>
-            <a:schemeClr val="bg1">
-              <a:lumMod val="95000"/>
-            </a:schemeClr>
-          </a:solidFill>
-        </p:spPr>
-        <p:txBody>
-          <a:bodyPr wrap="square">
-            <a:spAutoFit/>
-          </a:bodyPr>
-          <a:lstStyle/>
-          <a:p>
-            <a:r>
-              <a:rPr lang="en-GB" sz="1200" dirty="0">
-                <a:solidFill>
-                  <a:srgbClr val="B294BB"/>
-                </a:solidFill>
-                <a:effectLst/>
-                <a:latin typeface="Menlo" panose="020B0609030804020204" pitchFamily="49" charset="0"/>
-              </a:rPr>
-              <a:t>public class </a:t>
-            </a:r>
-            <a:r>
-              <a:rPr lang="en-GB" sz="1200" dirty="0" err="1">
-                <a:solidFill>
-                  <a:srgbClr val="F0C674"/>
-                </a:solidFill>
-                <a:effectLst/>
-                <a:latin typeface="Menlo" panose="020B0609030804020204" pitchFamily="49" charset="0"/>
-              </a:rPr>
-              <a:t>FsmSyntax</a:t>
-            </a:r>
-            <a:r>
-              <a:rPr lang="en-GB" sz="1200" dirty="0">
-                <a:solidFill>
-                  <a:srgbClr val="F0C674"/>
-                </a:solidFill>
-                <a:effectLst/>
-                <a:latin typeface="Menlo" panose="020B0609030804020204" pitchFamily="49" charset="0"/>
-              </a:rPr>
-              <a:t> </a:t>
-            </a:r>
-            <a:r>
-              <a:rPr lang="en-GB" sz="1200" dirty="0">
-                <a:solidFill>
-                  <a:srgbClr val="C5C8C6"/>
-                </a:solidFill>
-                <a:effectLst/>
-                <a:latin typeface="Menlo" panose="020B0609030804020204" pitchFamily="49" charset="0"/>
-              </a:rPr>
-              <a:t>{</a:t>
-            </a:r>
-            <a:br>
-              <a:rPr lang="en-GB" sz="1200" dirty="0">
-                <a:solidFill>
-                  <a:srgbClr val="C5C8C6"/>
-                </a:solidFill>
-                <a:effectLst/>
-                <a:latin typeface="Menlo" panose="020B0609030804020204" pitchFamily="49" charset="0"/>
-              </a:rPr>
-            </a:br>
-            <a:r>
-              <a:rPr lang="en-GB" sz="1200" dirty="0">
-                <a:solidFill>
-                  <a:srgbClr val="C5C8C6"/>
-                </a:solidFill>
-                <a:effectLst/>
-                <a:latin typeface="Menlo" panose="020B0609030804020204" pitchFamily="49" charset="0"/>
-              </a:rPr>
-              <a:t>  </a:t>
-            </a:r>
-            <a:r>
-              <a:rPr lang="en-GB" sz="1200" dirty="0">
-                <a:solidFill>
-                  <a:srgbClr val="B294BB"/>
-                </a:solidFill>
-                <a:effectLst/>
-                <a:latin typeface="Menlo" panose="020B0609030804020204" pitchFamily="49" charset="0"/>
-              </a:rPr>
-              <a:t>public </a:t>
-            </a:r>
-            <a:r>
-              <a:rPr lang="en-GB" sz="1200" dirty="0">
-                <a:solidFill>
-                  <a:srgbClr val="CA3E6B"/>
-                </a:solidFill>
-                <a:effectLst/>
-                <a:latin typeface="Menlo" panose="020B0609030804020204" pitchFamily="49" charset="0"/>
-              </a:rPr>
-              <a:t>List</a:t>
-            </a:r>
-            <a:r>
-              <a:rPr lang="en-GB" sz="1200" dirty="0">
-                <a:solidFill>
-                  <a:srgbClr val="CED1CF"/>
-                </a:solidFill>
-                <a:effectLst/>
-                <a:latin typeface="Menlo" panose="020B0609030804020204" pitchFamily="49" charset="0"/>
-              </a:rPr>
-              <a:t>&lt;</a:t>
-            </a:r>
-            <a:r>
-              <a:rPr lang="en-GB" sz="1200" dirty="0">
-                <a:solidFill>
-                  <a:srgbClr val="F0C674"/>
-                </a:solidFill>
-                <a:effectLst/>
-                <a:latin typeface="Menlo" panose="020B0609030804020204" pitchFamily="49" charset="0"/>
-              </a:rPr>
-              <a:t>Header</a:t>
-            </a:r>
-            <a:r>
-              <a:rPr lang="en-GB" sz="1200" dirty="0">
-                <a:solidFill>
-                  <a:srgbClr val="CED1CF"/>
-                </a:solidFill>
-                <a:effectLst/>
-                <a:latin typeface="Menlo" panose="020B0609030804020204" pitchFamily="49" charset="0"/>
-              </a:rPr>
-              <a:t>&gt; </a:t>
-            </a:r>
-            <a:r>
-              <a:rPr lang="en-GB" sz="1200" dirty="0">
-                <a:solidFill>
-                  <a:srgbClr val="DE935F"/>
-                </a:solidFill>
-                <a:effectLst/>
-                <a:latin typeface="Menlo" panose="020B0609030804020204" pitchFamily="49" charset="0"/>
-              </a:rPr>
-              <a:t>headers </a:t>
-            </a:r>
-            <a:r>
-              <a:rPr lang="en-GB" sz="1200" dirty="0">
-                <a:solidFill>
-                  <a:srgbClr val="CED1CF"/>
-                </a:solidFill>
-                <a:effectLst/>
-                <a:latin typeface="Menlo" panose="020B0609030804020204" pitchFamily="49" charset="0"/>
-              </a:rPr>
-              <a:t>= </a:t>
-            </a:r>
-            <a:r>
-              <a:rPr lang="en-GB" sz="1200" dirty="0">
-                <a:solidFill>
-                  <a:srgbClr val="B294BB"/>
-                </a:solidFill>
-                <a:effectLst/>
-                <a:latin typeface="Menlo" panose="020B0609030804020204" pitchFamily="49" charset="0"/>
-              </a:rPr>
-              <a:t>new </a:t>
-            </a:r>
-            <a:r>
-              <a:rPr lang="en-GB" sz="1200" dirty="0">
-                <a:solidFill>
-                  <a:srgbClr val="C5C8C6"/>
-                </a:solidFill>
-                <a:effectLst/>
-                <a:latin typeface="Menlo" panose="020B0609030804020204" pitchFamily="49" charset="0"/>
-              </a:rPr>
-              <a:t>ArrayList</a:t>
-            </a:r>
-            <a:r>
-              <a:rPr lang="en-GB" sz="1200" dirty="0">
-                <a:solidFill>
-                  <a:srgbClr val="CED1CF"/>
-                </a:solidFill>
-                <a:effectLst/>
-                <a:latin typeface="Menlo" panose="020B0609030804020204" pitchFamily="49" charset="0"/>
-              </a:rPr>
-              <a:t>&lt;&gt;</a:t>
-            </a:r>
-            <a:r>
-              <a:rPr lang="en-GB" sz="1200" dirty="0">
-                <a:solidFill>
-                  <a:srgbClr val="C5C8C6"/>
-                </a:solidFill>
-                <a:effectLst/>
-                <a:latin typeface="Menlo" panose="020B0609030804020204" pitchFamily="49" charset="0"/>
-              </a:rPr>
-              <a:t>()</a:t>
-            </a:r>
-            <a:r>
-              <a:rPr lang="en-GB" sz="1200" dirty="0">
-                <a:solidFill>
-                  <a:srgbClr val="CED1CF"/>
-                </a:solidFill>
-                <a:effectLst/>
-                <a:latin typeface="Menlo" panose="020B0609030804020204" pitchFamily="49" charset="0"/>
-              </a:rPr>
-              <a:t>;</a:t>
-            </a:r>
-            <a:br>
-              <a:rPr lang="en-GB" sz="1200" dirty="0">
-                <a:solidFill>
-                  <a:srgbClr val="CED1CF"/>
-                </a:solidFill>
-                <a:effectLst/>
-                <a:latin typeface="Menlo" panose="020B0609030804020204" pitchFamily="49" charset="0"/>
-              </a:rPr>
-            </a:br>
-            <a:r>
-              <a:rPr lang="en-GB" sz="1200" dirty="0">
-                <a:solidFill>
-                  <a:srgbClr val="CED1CF"/>
-                </a:solidFill>
-                <a:effectLst/>
-                <a:latin typeface="Menlo" panose="020B0609030804020204" pitchFamily="49" charset="0"/>
-              </a:rPr>
-              <a:t>  </a:t>
-            </a:r>
-            <a:r>
-              <a:rPr lang="en-GB" sz="1200" dirty="0">
-                <a:solidFill>
-                  <a:srgbClr val="B294BB"/>
-                </a:solidFill>
-                <a:effectLst/>
-                <a:latin typeface="Menlo" panose="020B0609030804020204" pitchFamily="49" charset="0"/>
-              </a:rPr>
-              <a:t>public </a:t>
-            </a:r>
-            <a:r>
-              <a:rPr lang="en-GB" sz="1200" dirty="0">
-                <a:solidFill>
-                  <a:srgbClr val="CA3E6B"/>
-                </a:solidFill>
-                <a:effectLst/>
-                <a:latin typeface="Menlo" panose="020B0609030804020204" pitchFamily="49" charset="0"/>
-              </a:rPr>
-              <a:t>List</a:t>
-            </a:r>
-            <a:r>
-              <a:rPr lang="en-GB" sz="1200" dirty="0">
-                <a:solidFill>
-                  <a:srgbClr val="CED1CF"/>
-                </a:solidFill>
-                <a:effectLst/>
-                <a:latin typeface="Menlo" panose="020B0609030804020204" pitchFamily="49" charset="0"/>
-              </a:rPr>
-              <a:t>&lt;</a:t>
-            </a:r>
-            <a:r>
-              <a:rPr lang="en-GB" sz="1200" dirty="0">
-                <a:solidFill>
-                  <a:srgbClr val="F0C674"/>
-                </a:solidFill>
-                <a:effectLst/>
-                <a:latin typeface="Menlo" panose="020B0609030804020204" pitchFamily="49" charset="0"/>
-              </a:rPr>
-              <a:t>Transition</a:t>
-            </a:r>
-            <a:r>
-              <a:rPr lang="en-GB" sz="1200" dirty="0">
-                <a:solidFill>
-                  <a:srgbClr val="CED1CF"/>
-                </a:solidFill>
-                <a:effectLst/>
-                <a:latin typeface="Menlo" panose="020B0609030804020204" pitchFamily="49" charset="0"/>
-              </a:rPr>
-              <a:t>&gt; </a:t>
-            </a:r>
-            <a:r>
-              <a:rPr lang="en-GB" sz="1200" dirty="0">
-                <a:solidFill>
-                  <a:srgbClr val="DE935F"/>
-                </a:solidFill>
-                <a:effectLst/>
-                <a:latin typeface="Menlo" panose="020B0609030804020204" pitchFamily="49" charset="0"/>
-              </a:rPr>
-              <a:t>logic </a:t>
-            </a:r>
-            <a:r>
-              <a:rPr lang="en-GB" sz="1200" dirty="0">
-                <a:solidFill>
-                  <a:srgbClr val="CED1CF"/>
-                </a:solidFill>
-                <a:effectLst/>
-                <a:latin typeface="Menlo" panose="020B0609030804020204" pitchFamily="49" charset="0"/>
-              </a:rPr>
-              <a:t>= </a:t>
-            </a:r>
-            <a:r>
-              <a:rPr lang="en-GB" sz="1200" dirty="0">
-                <a:solidFill>
-                  <a:srgbClr val="B294BB"/>
-                </a:solidFill>
-                <a:effectLst/>
-                <a:latin typeface="Menlo" panose="020B0609030804020204" pitchFamily="49" charset="0"/>
-              </a:rPr>
-              <a:t>new </a:t>
-            </a:r>
-            <a:r>
-              <a:rPr lang="en-GB" sz="1200" dirty="0">
-                <a:solidFill>
-                  <a:srgbClr val="C5C8C6"/>
-                </a:solidFill>
-                <a:effectLst/>
-                <a:latin typeface="Menlo" panose="020B0609030804020204" pitchFamily="49" charset="0"/>
-              </a:rPr>
-              <a:t>ArrayList</a:t>
-            </a:r>
-            <a:r>
-              <a:rPr lang="en-GB" sz="1200" dirty="0">
-                <a:solidFill>
-                  <a:srgbClr val="CED1CF"/>
-                </a:solidFill>
-                <a:effectLst/>
-                <a:latin typeface="Menlo" panose="020B0609030804020204" pitchFamily="49" charset="0"/>
-              </a:rPr>
-              <a:t>&lt;&gt;</a:t>
-            </a:r>
-            <a:r>
-              <a:rPr lang="en-GB" sz="1200" dirty="0">
-                <a:solidFill>
-                  <a:srgbClr val="C5C8C6"/>
-                </a:solidFill>
-                <a:effectLst/>
-                <a:latin typeface="Menlo" panose="020B0609030804020204" pitchFamily="49" charset="0"/>
-              </a:rPr>
-              <a:t>()</a:t>
-            </a:r>
-            <a:r>
-              <a:rPr lang="en-GB" sz="1200" dirty="0">
-                <a:solidFill>
-                  <a:srgbClr val="CED1CF"/>
-                </a:solidFill>
-                <a:effectLst/>
-                <a:latin typeface="Menlo" panose="020B0609030804020204" pitchFamily="49" charset="0"/>
-              </a:rPr>
-              <a:t>;</a:t>
-            </a:r>
-            <a:br>
-              <a:rPr lang="en-GB" sz="1200" dirty="0">
-                <a:solidFill>
-                  <a:srgbClr val="CED1CF"/>
-                </a:solidFill>
-                <a:effectLst/>
-                <a:latin typeface="Menlo" panose="020B0609030804020204" pitchFamily="49" charset="0"/>
-              </a:rPr>
-            </a:br>
-            <a:r>
-              <a:rPr lang="en-GB" sz="1200" dirty="0">
-                <a:solidFill>
-                  <a:srgbClr val="CED1CF"/>
-                </a:solidFill>
-                <a:effectLst/>
-                <a:latin typeface="Menlo" panose="020B0609030804020204" pitchFamily="49" charset="0"/>
-              </a:rPr>
-              <a:t>  </a:t>
-            </a:r>
-            <a:r>
-              <a:rPr lang="en-GB" sz="1200" dirty="0">
-                <a:solidFill>
-                  <a:srgbClr val="B294BB"/>
-                </a:solidFill>
-                <a:effectLst/>
-                <a:latin typeface="Menlo" panose="020B0609030804020204" pitchFamily="49" charset="0"/>
-              </a:rPr>
-              <a:t>public </a:t>
-            </a:r>
-            <a:r>
-              <a:rPr lang="en-GB" sz="1200" dirty="0">
-                <a:solidFill>
-                  <a:srgbClr val="CA3E6B"/>
-                </a:solidFill>
-                <a:effectLst/>
-                <a:latin typeface="Menlo" panose="020B0609030804020204" pitchFamily="49" charset="0"/>
-              </a:rPr>
-              <a:t>List</a:t>
-            </a:r>
-            <a:r>
-              <a:rPr lang="en-GB" sz="1200" dirty="0">
-                <a:solidFill>
-                  <a:srgbClr val="CED1CF"/>
-                </a:solidFill>
-                <a:effectLst/>
-                <a:latin typeface="Menlo" panose="020B0609030804020204" pitchFamily="49" charset="0"/>
-              </a:rPr>
-              <a:t>&lt;</a:t>
-            </a:r>
-            <a:r>
-              <a:rPr lang="en-GB" sz="1200" dirty="0" err="1">
-                <a:solidFill>
-                  <a:srgbClr val="F0C674"/>
-                </a:solidFill>
-                <a:effectLst/>
-                <a:latin typeface="Menlo" panose="020B0609030804020204" pitchFamily="49" charset="0"/>
-              </a:rPr>
-              <a:t>SyntaxError</a:t>
-            </a:r>
-            <a:r>
-              <a:rPr lang="en-GB" sz="1200" dirty="0">
-                <a:solidFill>
-                  <a:srgbClr val="CED1CF"/>
-                </a:solidFill>
-                <a:effectLst/>
-                <a:latin typeface="Menlo" panose="020B0609030804020204" pitchFamily="49" charset="0"/>
-              </a:rPr>
-              <a:t>&gt; </a:t>
-            </a:r>
-            <a:r>
-              <a:rPr lang="en-GB" sz="1200" dirty="0">
-                <a:solidFill>
-                  <a:srgbClr val="DE935F"/>
-                </a:solidFill>
-                <a:effectLst/>
-                <a:latin typeface="Menlo" panose="020B0609030804020204" pitchFamily="49" charset="0"/>
-              </a:rPr>
-              <a:t>errors </a:t>
-            </a:r>
-            <a:r>
-              <a:rPr lang="en-GB" sz="1200" dirty="0">
-                <a:solidFill>
-                  <a:srgbClr val="CED1CF"/>
-                </a:solidFill>
-                <a:effectLst/>
-                <a:latin typeface="Menlo" panose="020B0609030804020204" pitchFamily="49" charset="0"/>
-              </a:rPr>
-              <a:t>= </a:t>
-            </a:r>
-            <a:r>
-              <a:rPr lang="en-GB" sz="1200" dirty="0">
-                <a:solidFill>
-                  <a:srgbClr val="B294BB"/>
-                </a:solidFill>
-                <a:effectLst/>
-                <a:latin typeface="Menlo" panose="020B0609030804020204" pitchFamily="49" charset="0"/>
-              </a:rPr>
-              <a:t>new </a:t>
-            </a:r>
-            <a:r>
-              <a:rPr lang="en-GB" sz="1200" dirty="0">
-                <a:solidFill>
-                  <a:srgbClr val="C5C8C6"/>
-                </a:solidFill>
-                <a:effectLst/>
-                <a:latin typeface="Menlo" panose="020B0609030804020204" pitchFamily="49" charset="0"/>
-              </a:rPr>
-              <a:t>ArrayList</a:t>
-            </a:r>
-            <a:r>
-              <a:rPr lang="en-GB" sz="1200" dirty="0">
-                <a:solidFill>
-                  <a:srgbClr val="CED1CF"/>
-                </a:solidFill>
-                <a:effectLst/>
-                <a:latin typeface="Menlo" panose="020B0609030804020204" pitchFamily="49" charset="0"/>
-              </a:rPr>
-              <a:t>&lt;&gt;</a:t>
-            </a:r>
-            <a:r>
-              <a:rPr lang="en-GB" sz="1200" dirty="0">
-                <a:solidFill>
-                  <a:srgbClr val="C5C8C6"/>
-                </a:solidFill>
-                <a:effectLst/>
-                <a:latin typeface="Menlo" panose="020B0609030804020204" pitchFamily="49" charset="0"/>
-              </a:rPr>
-              <a:t>()</a:t>
-            </a:r>
-            <a:r>
-              <a:rPr lang="en-GB" sz="1200" dirty="0">
-                <a:solidFill>
-                  <a:srgbClr val="CED1CF"/>
-                </a:solidFill>
-                <a:effectLst/>
-                <a:latin typeface="Menlo" panose="020B0609030804020204" pitchFamily="49" charset="0"/>
-              </a:rPr>
-              <a:t>;</a:t>
-            </a:r>
-            <a:br>
-              <a:rPr lang="en-GB" sz="1200" dirty="0">
-                <a:solidFill>
-                  <a:srgbClr val="CED1CF"/>
-                </a:solidFill>
-                <a:effectLst/>
-                <a:latin typeface="Menlo" panose="020B0609030804020204" pitchFamily="49" charset="0"/>
-              </a:rPr>
-            </a:br>
-            <a:r>
-              <a:rPr lang="en-GB" sz="1200" dirty="0">
-                <a:solidFill>
-                  <a:srgbClr val="CED1CF"/>
-                </a:solidFill>
-                <a:effectLst/>
-                <a:latin typeface="Menlo" panose="020B0609030804020204" pitchFamily="49" charset="0"/>
-              </a:rPr>
-              <a:t>  </a:t>
-            </a:r>
-            <a:r>
-              <a:rPr lang="en-GB" sz="1200" dirty="0">
-                <a:solidFill>
-                  <a:srgbClr val="B294BB"/>
-                </a:solidFill>
-                <a:effectLst/>
-                <a:latin typeface="Menlo" panose="020B0609030804020204" pitchFamily="49" charset="0"/>
-              </a:rPr>
-              <a:t>public boolean </a:t>
-            </a:r>
-            <a:r>
-              <a:rPr lang="en-GB" sz="1200" dirty="0">
-                <a:solidFill>
-                  <a:srgbClr val="DE935F"/>
-                </a:solidFill>
-                <a:effectLst/>
-                <a:latin typeface="Menlo" panose="020B0609030804020204" pitchFamily="49" charset="0"/>
-              </a:rPr>
-              <a:t>done </a:t>
-            </a:r>
-            <a:r>
-              <a:rPr lang="en-GB" sz="1200" dirty="0">
-                <a:solidFill>
-                  <a:srgbClr val="CED1CF"/>
-                </a:solidFill>
-                <a:effectLst/>
-                <a:latin typeface="Menlo" panose="020B0609030804020204" pitchFamily="49" charset="0"/>
-              </a:rPr>
-              <a:t>= </a:t>
-            </a:r>
-            <a:r>
-              <a:rPr lang="en-GB" sz="1200" dirty="0">
-                <a:solidFill>
-                  <a:srgbClr val="B294BB"/>
-                </a:solidFill>
-                <a:effectLst/>
-                <a:latin typeface="Menlo" panose="020B0609030804020204" pitchFamily="49" charset="0"/>
-              </a:rPr>
-              <a:t>false</a:t>
-            </a:r>
-            <a:r>
-              <a:rPr lang="en-GB" sz="1200" dirty="0">
-                <a:solidFill>
-                  <a:srgbClr val="CED1CF"/>
-                </a:solidFill>
-                <a:effectLst/>
-                <a:latin typeface="Menlo" panose="020B0609030804020204" pitchFamily="49" charset="0"/>
-              </a:rPr>
-              <a:t>;</a:t>
-            </a:r>
-            <a:br>
-              <a:rPr lang="en-GB" sz="1200" dirty="0">
-                <a:solidFill>
-                  <a:srgbClr val="CED1CF"/>
-                </a:solidFill>
-                <a:effectLst/>
-                <a:latin typeface="Menlo" panose="020B0609030804020204" pitchFamily="49" charset="0"/>
-              </a:rPr>
-            </a:br>
-            <a:br>
-              <a:rPr lang="en-GB" sz="1200" dirty="0">
-                <a:solidFill>
-                  <a:srgbClr val="CED1CF"/>
-                </a:solidFill>
-                <a:effectLst/>
-                <a:latin typeface="Menlo" panose="020B0609030804020204" pitchFamily="49" charset="0"/>
-              </a:rPr>
-            </a:br>
-            <a:r>
-              <a:rPr lang="en-GB" sz="1200" dirty="0">
-                <a:solidFill>
-                  <a:srgbClr val="CED1CF"/>
-                </a:solidFill>
-                <a:effectLst/>
-                <a:latin typeface="Menlo" panose="020B0609030804020204" pitchFamily="49" charset="0"/>
-              </a:rPr>
-              <a:t>  </a:t>
-            </a:r>
-            <a:r>
-              <a:rPr lang="en-GB" sz="1200" dirty="0">
-                <a:solidFill>
-                  <a:srgbClr val="B294BB"/>
-                </a:solidFill>
-                <a:effectLst/>
-                <a:latin typeface="Menlo" panose="020B0609030804020204" pitchFamily="49" charset="0"/>
-              </a:rPr>
-              <a:t>public static class </a:t>
-            </a:r>
-            <a:r>
-              <a:rPr lang="en-GB" sz="1200" dirty="0">
-                <a:solidFill>
-                  <a:srgbClr val="F0C674"/>
-                </a:solidFill>
-                <a:effectLst/>
-                <a:latin typeface="Menlo" panose="020B0609030804020204" pitchFamily="49" charset="0"/>
-              </a:rPr>
-              <a:t>Header </a:t>
-            </a:r>
-            <a:r>
-              <a:rPr lang="en-GB" sz="1200" dirty="0">
-                <a:solidFill>
-                  <a:srgbClr val="0E7F8E"/>
-                </a:solidFill>
-                <a:effectLst/>
-                <a:latin typeface="Menlo" panose="020B0609030804020204" pitchFamily="49" charset="0"/>
-              </a:rPr>
-              <a:t>{</a:t>
-            </a:r>
-            <a:br>
-              <a:rPr lang="en-GB" sz="1200" dirty="0">
-                <a:solidFill>
-                  <a:srgbClr val="0E7F8E"/>
-                </a:solidFill>
-                <a:effectLst/>
-                <a:latin typeface="Menlo" panose="020B0609030804020204" pitchFamily="49" charset="0"/>
-              </a:rPr>
-            </a:br>
-            <a:r>
-              <a:rPr lang="en-GB" sz="1200" dirty="0">
-                <a:solidFill>
-                  <a:srgbClr val="0E7F8E"/>
-                </a:solidFill>
-                <a:effectLst/>
-                <a:latin typeface="Menlo" panose="020B0609030804020204" pitchFamily="49" charset="0"/>
-              </a:rPr>
-              <a:t>    </a:t>
-            </a:r>
-            <a:r>
-              <a:rPr lang="en-GB" sz="1200" dirty="0">
-                <a:solidFill>
-                  <a:srgbClr val="B294BB"/>
-                </a:solidFill>
-                <a:effectLst/>
-                <a:latin typeface="Menlo" panose="020B0609030804020204" pitchFamily="49" charset="0"/>
-              </a:rPr>
-              <a:t>public </a:t>
-            </a:r>
-            <a:r>
-              <a:rPr lang="en-GB" sz="1200" dirty="0">
-                <a:solidFill>
-                  <a:srgbClr val="F0C674"/>
-                </a:solidFill>
-                <a:effectLst/>
-                <a:latin typeface="Menlo" panose="020B0609030804020204" pitchFamily="49" charset="0"/>
-              </a:rPr>
-              <a:t>String </a:t>
-            </a:r>
-            <a:r>
-              <a:rPr lang="en-GB" sz="1200" dirty="0">
-                <a:solidFill>
-                  <a:srgbClr val="DE935F"/>
-                </a:solidFill>
-                <a:effectLst/>
-                <a:latin typeface="Menlo" panose="020B0609030804020204" pitchFamily="49" charset="0"/>
-              </a:rPr>
-              <a:t>name</a:t>
-            </a:r>
-            <a:r>
-              <a:rPr lang="en-GB" sz="1200" dirty="0">
-                <a:solidFill>
-                  <a:srgbClr val="CED1CF"/>
-                </a:solidFill>
-                <a:effectLst/>
-                <a:latin typeface="Menlo" panose="020B0609030804020204" pitchFamily="49" charset="0"/>
-              </a:rPr>
-              <a:t>;</a:t>
-            </a:r>
-            <a:br>
-              <a:rPr lang="en-GB" sz="1200" dirty="0">
-                <a:solidFill>
-                  <a:srgbClr val="CED1CF"/>
-                </a:solidFill>
-                <a:effectLst/>
-                <a:latin typeface="Menlo" panose="020B0609030804020204" pitchFamily="49" charset="0"/>
-              </a:rPr>
-            </a:br>
-            <a:r>
-              <a:rPr lang="en-GB" sz="1200" dirty="0">
-                <a:solidFill>
-                  <a:srgbClr val="CED1CF"/>
-                </a:solidFill>
-                <a:effectLst/>
-                <a:latin typeface="Menlo" panose="020B0609030804020204" pitchFamily="49" charset="0"/>
-              </a:rPr>
-              <a:t>    </a:t>
-            </a:r>
-            <a:r>
-              <a:rPr lang="en-GB" sz="1200" dirty="0">
-                <a:solidFill>
-                  <a:srgbClr val="B294BB"/>
-                </a:solidFill>
-                <a:effectLst/>
-                <a:latin typeface="Menlo" panose="020B0609030804020204" pitchFamily="49" charset="0"/>
-              </a:rPr>
-              <a:t>public </a:t>
-            </a:r>
-            <a:r>
-              <a:rPr lang="en-GB" sz="1200" dirty="0">
-                <a:solidFill>
-                  <a:srgbClr val="F0C674"/>
-                </a:solidFill>
-                <a:effectLst/>
-                <a:latin typeface="Menlo" panose="020B0609030804020204" pitchFamily="49" charset="0"/>
-              </a:rPr>
-              <a:t>String </a:t>
-            </a:r>
-            <a:r>
-              <a:rPr lang="en-GB" sz="1200" dirty="0">
-                <a:solidFill>
-                  <a:srgbClr val="DE935F"/>
-                </a:solidFill>
-                <a:effectLst/>
-                <a:latin typeface="Menlo" panose="020B0609030804020204" pitchFamily="49" charset="0"/>
-              </a:rPr>
-              <a:t>value</a:t>
-            </a:r>
-            <a:r>
-              <a:rPr lang="en-GB" sz="1200" dirty="0">
-                <a:solidFill>
-                  <a:srgbClr val="CED1CF"/>
-                </a:solidFill>
-                <a:effectLst/>
-                <a:latin typeface="Menlo" panose="020B0609030804020204" pitchFamily="49" charset="0"/>
-              </a:rPr>
-              <a:t>;</a:t>
-            </a:r>
-            <a:br>
-              <a:rPr lang="en-GB" sz="1200" dirty="0">
-                <a:solidFill>
-                  <a:srgbClr val="CED1CF"/>
-                </a:solidFill>
-                <a:effectLst/>
-                <a:latin typeface="Menlo" panose="020B0609030804020204" pitchFamily="49" charset="0"/>
-              </a:rPr>
-            </a:br>
-            <a:br>
-              <a:rPr lang="en-GB" sz="1200" dirty="0">
-                <a:solidFill>
-                  <a:srgbClr val="CED1CF"/>
-                </a:solidFill>
-                <a:effectLst/>
-                <a:latin typeface="Menlo" panose="020B0609030804020204" pitchFamily="49" charset="0"/>
-              </a:rPr>
-            </a:br>
-            <a:r>
-              <a:rPr lang="en-GB" sz="1200" dirty="0">
-                <a:solidFill>
-                  <a:srgbClr val="CED1CF"/>
-                </a:solidFill>
-                <a:effectLst/>
-                <a:latin typeface="Menlo" panose="020B0609030804020204" pitchFamily="49" charset="0"/>
-              </a:rPr>
-              <a:t>    </a:t>
-            </a:r>
-            <a:r>
-              <a:rPr lang="en-GB" sz="1200" dirty="0">
-                <a:solidFill>
-                  <a:srgbClr val="B294BB"/>
-                </a:solidFill>
-                <a:effectLst/>
-                <a:latin typeface="Menlo" panose="020B0609030804020204" pitchFamily="49" charset="0"/>
-              </a:rPr>
-              <a:t>public static </a:t>
-            </a:r>
-            <a:r>
-              <a:rPr lang="en-GB" sz="1200" dirty="0">
-                <a:solidFill>
-                  <a:srgbClr val="F0C674"/>
-                </a:solidFill>
-                <a:effectLst/>
-                <a:latin typeface="Menlo" panose="020B0609030804020204" pitchFamily="49" charset="0"/>
-              </a:rPr>
-              <a:t>Header </a:t>
-            </a:r>
-            <a:r>
-              <a:rPr lang="en-GB" sz="1200" dirty="0" err="1">
-                <a:solidFill>
-                  <a:srgbClr val="81A2BE"/>
-                </a:solidFill>
-                <a:effectLst/>
-                <a:latin typeface="Menlo" panose="020B0609030804020204" pitchFamily="49" charset="0"/>
-              </a:rPr>
-              <a:t>NullHeader</a:t>
-            </a:r>
-            <a:r>
-              <a:rPr lang="en-GB" sz="1200" dirty="0">
-                <a:solidFill>
-                  <a:srgbClr val="C5C8C6"/>
-                </a:solidFill>
-                <a:effectLst/>
-                <a:latin typeface="Menlo" panose="020B0609030804020204" pitchFamily="49" charset="0"/>
-              </a:rPr>
-              <a:t>() </a:t>
-            </a:r>
-            <a:r>
-              <a:rPr lang="en-GB" sz="1200" dirty="0">
-                <a:solidFill>
-                  <a:srgbClr val="8C01BF"/>
-                </a:solidFill>
-                <a:effectLst/>
-                <a:latin typeface="Menlo" panose="020B0609030804020204" pitchFamily="49" charset="0"/>
-              </a:rPr>
-              <a:t>{</a:t>
-            </a:r>
-            <a:br>
-              <a:rPr lang="en-GB" sz="1200" dirty="0">
-                <a:solidFill>
-                  <a:srgbClr val="8C01BF"/>
-                </a:solidFill>
-                <a:effectLst/>
-                <a:latin typeface="Menlo" panose="020B0609030804020204" pitchFamily="49" charset="0"/>
-              </a:rPr>
-            </a:br>
-            <a:r>
-              <a:rPr lang="en-GB" sz="1200" dirty="0">
-                <a:solidFill>
-                  <a:srgbClr val="8C01BF"/>
-                </a:solidFill>
-                <a:effectLst/>
-                <a:latin typeface="Menlo" panose="020B0609030804020204" pitchFamily="49" charset="0"/>
-              </a:rPr>
-              <a:t>      </a:t>
-            </a:r>
-            <a:r>
-              <a:rPr lang="en-GB" sz="1200" dirty="0">
-                <a:solidFill>
-                  <a:srgbClr val="F0C674"/>
-                </a:solidFill>
-                <a:effectLst/>
-                <a:latin typeface="Menlo" panose="020B0609030804020204" pitchFamily="49" charset="0"/>
-              </a:rPr>
-              <a:t>Header </a:t>
-            </a:r>
-            <a:r>
-              <a:rPr lang="en-GB" sz="1200" dirty="0">
-                <a:solidFill>
-                  <a:srgbClr val="C5C8C6"/>
-                </a:solidFill>
-                <a:effectLst/>
-                <a:latin typeface="Menlo" panose="020B0609030804020204" pitchFamily="49" charset="0"/>
-              </a:rPr>
-              <a:t>header </a:t>
-            </a:r>
-            <a:r>
-              <a:rPr lang="en-GB" sz="1200" dirty="0">
-                <a:solidFill>
-                  <a:srgbClr val="CED1CF"/>
-                </a:solidFill>
-                <a:effectLst/>
-                <a:latin typeface="Menlo" panose="020B0609030804020204" pitchFamily="49" charset="0"/>
-              </a:rPr>
-              <a:t>= </a:t>
-            </a:r>
-            <a:r>
-              <a:rPr lang="en-GB" sz="1200" dirty="0">
-                <a:solidFill>
-                  <a:srgbClr val="B294BB"/>
-                </a:solidFill>
-                <a:effectLst/>
-                <a:latin typeface="Menlo" panose="020B0609030804020204" pitchFamily="49" charset="0"/>
-              </a:rPr>
-              <a:t>new </a:t>
-            </a:r>
-            <a:r>
-              <a:rPr lang="en-GB" sz="1200" dirty="0">
-                <a:solidFill>
-                  <a:srgbClr val="C5C8C6"/>
-                </a:solidFill>
-                <a:effectLst/>
-                <a:latin typeface="Menlo" panose="020B0609030804020204" pitchFamily="49" charset="0"/>
-              </a:rPr>
-              <a:t>Header(</a:t>
-            </a:r>
-            <a:r>
-              <a:rPr lang="en-GB" sz="1200" dirty="0">
-                <a:solidFill>
-                  <a:srgbClr val="B294BB"/>
-                </a:solidFill>
-                <a:effectLst/>
-                <a:latin typeface="Menlo" panose="020B0609030804020204" pitchFamily="49" charset="0"/>
-              </a:rPr>
-              <a:t>null</a:t>
-            </a:r>
-            <a:r>
-              <a:rPr lang="en-GB" sz="1200" dirty="0">
-                <a:solidFill>
-                  <a:srgbClr val="CED1CF"/>
-                </a:solidFill>
-                <a:effectLst/>
-                <a:latin typeface="Menlo" panose="020B0609030804020204" pitchFamily="49" charset="0"/>
-              </a:rPr>
-              <a:t>, </a:t>
-            </a:r>
-            <a:r>
-              <a:rPr lang="en-GB" sz="1200" dirty="0">
-                <a:solidFill>
-                  <a:srgbClr val="B294BB"/>
-                </a:solidFill>
-                <a:effectLst/>
-                <a:latin typeface="Menlo" panose="020B0609030804020204" pitchFamily="49" charset="0"/>
-              </a:rPr>
-              <a:t>null</a:t>
-            </a:r>
-            <a:r>
-              <a:rPr lang="en-GB" sz="1200" dirty="0">
-                <a:solidFill>
-                  <a:srgbClr val="C5C8C6"/>
-                </a:solidFill>
-                <a:effectLst/>
-                <a:latin typeface="Menlo" panose="020B0609030804020204" pitchFamily="49" charset="0"/>
-              </a:rPr>
-              <a:t>)</a:t>
-            </a:r>
-            <a:r>
-              <a:rPr lang="en-GB" sz="1200" dirty="0">
-                <a:solidFill>
-                  <a:srgbClr val="CED1CF"/>
-                </a:solidFill>
-                <a:effectLst/>
-                <a:latin typeface="Menlo" panose="020B0609030804020204" pitchFamily="49" charset="0"/>
-              </a:rPr>
-              <a:t>;</a:t>
-            </a:r>
-            <a:br>
-              <a:rPr lang="en-GB" sz="1200" dirty="0">
-                <a:solidFill>
-                  <a:srgbClr val="CED1CF"/>
-                </a:solidFill>
-                <a:effectLst/>
-                <a:latin typeface="Menlo" panose="020B0609030804020204" pitchFamily="49" charset="0"/>
-              </a:rPr>
-            </a:br>
-            <a:r>
-              <a:rPr lang="en-GB" sz="1200" dirty="0">
-                <a:solidFill>
-                  <a:srgbClr val="CED1CF"/>
-                </a:solidFill>
-                <a:effectLst/>
-                <a:latin typeface="Menlo" panose="020B0609030804020204" pitchFamily="49" charset="0"/>
-              </a:rPr>
-              <a:t>      </a:t>
-            </a:r>
-            <a:r>
-              <a:rPr lang="en-GB" sz="1200" dirty="0">
-                <a:solidFill>
-                  <a:srgbClr val="B294BB"/>
-                </a:solidFill>
-                <a:effectLst/>
-                <a:latin typeface="Menlo" panose="020B0609030804020204" pitchFamily="49" charset="0"/>
-              </a:rPr>
-              <a:t>return </a:t>
-            </a:r>
-            <a:r>
-              <a:rPr lang="en-GB" sz="1200" dirty="0">
-                <a:solidFill>
-                  <a:srgbClr val="C5C8C6"/>
-                </a:solidFill>
-                <a:effectLst/>
-                <a:latin typeface="Menlo" panose="020B0609030804020204" pitchFamily="49" charset="0"/>
-              </a:rPr>
-              <a:t>header</a:t>
-            </a:r>
-            <a:r>
-              <a:rPr lang="en-GB" sz="1200" dirty="0">
-                <a:solidFill>
-                  <a:srgbClr val="CED1CF"/>
-                </a:solidFill>
-                <a:effectLst/>
-                <a:latin typeface="Menlo" panose="020B0609030804020204" pitchFamily="49" charset="0"/>
-              </a:rPr>
-              <a:t>;</a:t>
-            </a:r>
-            <a:br>
-              <a:rPr lang="en-GB" sz="1200" dirty="0">
-                <a:solidFill>
-                  <a:srgbClr val="CED1CF"/>
-                </a:solidFill>
-                <a:effectLst/>
-                <a:latin typeface="Menlo" panose="020B0609030804020204" pitchFamily="49" charset="0"/>
-              </a:rPr>
-            </a:br>
-            <a:r>
-              <a:rPr lang="en-GB" sz="1200" dirty="0">
-                <a:solidFill>
-                  <a:srgbClr val="CED1CF"/>
-                </a:solidFill>
-                <a:effectLst/>
-                <a:latin typeface="Menlo" panose="020B0609030804020204" pitchFamily="49" charset="0"/>
-              </a:rPr>
-              <a:t>    </a:t>
-            </a:r>
-            <a:r>
-              <a:rPr lang="en-GB" sz="1200" dirty="0">
-                <a:solidFill>
-                  <a:srgbClr val="8C01BF"/>
-                </a:solidFill>
-                <a:effectLst/>
-                <a:latin typeface="Menlo" panose="020B0609030804020204" pitchFamily="49" charset="0"/>
-              </a:rPr>
-              <a:t>}</a:t>
-            </a:r>
-            <a:br>
-              <a:rPr lang="en-GB" sz="1200" dirty="0">
-                <a:solidFill>
-                  <a:srgbClr val="8C01BF"/>
-                </a:solidFill>
-                <a:effectLst/>
-                <a:latin typeface="Menlo" panose="020B0609030804020204" pitchFamily="49" charset="0"/>
-              </a:rPr>
-            </a:br>
-            <a:br>
-              <a:rPr lang="en-GB" sz="1200" dirty="0">
-                <a:solidFill>
-                  <a:srgbClr val="8C01BF"/>
-                </a:solidFill>
-                <a:effectLst/>
-                <a:latin typeface="Menlo" panose="020B0609030804020204" pitchFamily="49" charset="0"/>
-              </a:rPr>
-            </a:br>
-            <a:r>
-              <a:rPr lang="en-GB" sz="1200" dirty="0">
-                <a:solidFill>
-                  <a:srgbClr val="8C01BF"/>
-                </a:solidFill>
-                <a:effectLst/>
-                <a:latin typeface="Menlo" panose="020B0609030804020204" pitchFamily="49" charset="0"/>
-              </a:rPr>
-              <a:t>    </a:t>
-            </a:r>
-            <a:r>
-              <a:rPr lang="en-GB" sz="1200" dirty="0">
-                <a:solidFill>
-                  <a:srgbClr val="B294BB"/>
-                </a:solidFill>
-                <a:effectLst/>
-                <a:latin typeface="Menlo" panose="020B0609030804020204" pitchFamily="49" charset="0"/>
-              </a:rPr>
-              <a:t>public </a:t>
-            </a:r>
-            <a:r>
-              <a:rPr lang="en-GB" sz="1200" dirty="0">
-                <a:solidFill>
-                  <a:srgbClr val="C5C8C6"/>
-                </a:solidFill>
-                <a:effectLst/>
-                <a:latin typeface="Menlo" panose="020B0609030804020204" pitchFamily="49" charset="0"/>
-              </a:rPr>
-              <a:t>Header() </a:t>
-            </a:r>
-            <a:r>
-              <a:rPr lang="en-GB" sz="1200" dirty="0">
-                <a:solidFill>
-                  <a:srgbClr val="8C01BF"/>
-                </a:solidFill>
-                <a:effectLst/>
-                <a:latin typeface="Menlo" panose="020B0609030804020204" pitchFamily="49" charset="0"/>
-              </a:rPr>
-              <a:t>{</a:t>
-            </a:r>
-            <a:br>
-              <a:rPr lang="en-GB" sz="1200" dirty="0">
-                <a:solidFill>
-                  <a:srgbClr val="8C01BF"/>
-                </a:solidFill>
-                <a:effectLst/>
-                <a:latin typeface="Menlo" panose="020B0609030804020204" pitchFamily="49" charset="0"/>
-              </a:rPr>
-            </a:br>
-            <a:r>
-              <a:rPr lang="en-GB" sz="1200" dirty="0">
-                <a:solidFill>
-                  <a:srgbClr val="8C01BF"/>
-                </a:solidFill>
-                <a:effectLst/>
-                <a:latin typeface="Menlo" panose="020B0609030804020204" pitchFamily="49" charset="0"/>
-              </a:rPr>
-              <a:t>    }</a:t>
-            </a:r>
-            <a:br>
-              <a:rPr lang="en-GB" sz="1200" dirty="0">
-                <a:solidFill>
-                  <a:srgbClr val="8C01BF"/>
-                </a:solidFill>
-                <a:effectLst/>
-                <a:latin typeface="Menlo" panose="020B0609030804020204" pitchFamily="49" charset="0"/>
-              </a:rPr>
-            </a:br>
-            <a:br>
-              <a:rPr lang="en-GB" sz="1200" dirty="0">
-                <a:solidFill>
-                  <a:srgbClr val="8C01BF"/>
-                </a:solidFill>
-                <a:effectLst/>
-                <a:latin typeface="Menlo" panose="020B0609030804020204" pitchFamily="49" charset="0"/>
-              </a:rPr>
-            </a:br>
-            <a:r>
-              <a:rPr lang="en-GB" sz="1200" dirty="0">
-                <a:solidFill>
-                  <a:srgbClr val="8C01BF"/>
-                </a:solidFill>
-                <a:effectLst/>
-                <a:latin typeface="Menlo" panose="020B0609030804020204" pitchFamily="49" charset="0"/>
-              </a:rPr>
-              <a:t>    </a:t>
-            </a:r>
-            <a:r>
-              <a:rPr lang="en-GB" sz="1200" dirty="0">
-                <a:solidFill>
-                  <a:srgbClr val="B294BB"/>
-                </a:solidFill>
-                <a:effectLst/>
-                <a:latin typeface="Menlo" panose="020B0609030804020204" pitchFamily="49" charset="0"/>
-              </a:rPr>
-              <a:t>public </a:t>
-            </a:r>
-            <a:r>
-              <a:rPr lang="en-GB" sz="1200" dirty="0">
-                <a:solidFill>
-                  <a:srgbClr val="C5C8C6"/>
-                </a:solidFill>
-                <a:effectLst/>
-                <a:latin typeface="Menlo" panose="020B0609030804020204" pitchFamily="49" charset="0"/>
-              </a:rPr>
-              <a:t>Header(</a:t>
-            </a:r>
-            <a:r>
-              <a:rPr lang="en-GB" sz="1200" dirty="0">
-                <a:solidFill>
-                  <a:srgbClr val="F0C674"/>
-                </a:solidFill>
-                <a:effectLst/>
-                <a:latin typeface="Menlo" panose="020B0609030804020204" pitchFamily="49" charset="0"/>
-              </a:rPr>
-              <a:t>String </a:t>
-            </a:r>
-            <a:r>
-              <a:rPr lang="en-GB" sz="1200" dirty="0">
-                <a:solidFill>
-                  <a:srgbClr val="DE935F"/>
-                </a:solidFill>
-                <a:effectLst/>
-                <a:latin typeface="Menlo" panose="020B0609030804020204" pitchFamily="49" charset="0"/>
-              </a:rPr>
-              <a:t>name</a:t>
-            </a:r>
-            <a:r>
-              <a:rPr lang="en-GB" sz="1200" dirty="0">
-                <a:solidFill>
-                  <a:srgbClr val="CED1CF"/>
-                </a:solidFill>
-                <a:effectLst/>
-                <a:latin typeface="Menlo" panose="020B0609030804020204" pitchFamily="49" charset="0"/>
-              </a:rPr>
-              <a:t>, </a:t>
-            </a:r>
-            <a:r>
-              <a:rPr lang="en-GB" sz="1200" dirty="0">
-                <a:solidFill>
-                  <a:srgbClr val="F0C674"/>
-                </a:solidFill>
-                <a:effectLst/>
-                <a:latin typeface="Menlo" panose="020B0609030804020204" pitchFamily="49" charset="0"/>
-              </a:rPr>
-              <a:t>String </a:t>
-            </a:r>
-            <a:r>
-              <a:rPr lang="en-GB" sz="1200" dirty="0">
-                <a:solidFill>
-                  <a:srgbClr val="DE935F"/>
-                </a:solidFill>
-                <a:effectLst/>
-                <a:latin typeface="Menlo" panose="020B0609030804020204" pitchFamily="49" charset="0"/>
-              </a:rPr>
-              <a:t>value</a:t>
-            </a:r>
-            <a:r>
-              <a:rPr lang="en-GB" sz="1200" dirty="0">
-                <a:solidFill>
-                  <a:srgbClr val="C5C8C6"/>
-                </a:solidFill>
-                <a:effectLst/>
-                <a:latin typeface="Menlo" panose="020B0609030804020204" pitchFamily="49" charset="0"/>
-              </a:rPr>
-              <a:t>) </a:t>
-            </a:r>
-            <a:r>
-              <a:rPr lang="en-GB" sz="1200" dirty="0">
-                <a:solidFill>
-                  <a:srgbClr val="8C01BF"/>
-                </a:solidFill>
-                <a:effectLst/>
-                <a:latin typeface="Menlo" panose="020B0609030804020204" pitchFamily="49" charset="0"/>
-              </a:rPr>
-              <a:t>{</a:t>
-            </a:r>
-            <a:br>
-              <a:rPr lang="en-GB" sz="1200" dirty="0">
-                <a:solidFill>
-                  <a:srgbClr val="8C01BF"/>
-                </a:solidFill>
-                <a:effectLst/>
-                <a:latin typeface="Menlo" panose="020B0609030804020204" pitchFamily="49" charset="0"/>
-              </a:rPr>
-            </a:br>
-            <a:r>
-              <a:rPr lang="en-GB" sz="1200" dirty="0">
-                <a:solidFill>
-                  <a:srgbClr val="8C01BF"/>
-                </a:solidFill>
-                <a:effectLst/>
-                <a:latin typeface="Menlo" panose="020B0609030804020204" pitchFamily="49" charset="0"/>
-              </a:rPr>
-              <a:t>      </a:t>
-            </a:r>
-            <a:r>
-              <a:rPr lang="en-GB" sz="1200" dirty="0" err="1">
-                <a:solidFill>
-                  <a:srgbClr val="B294BB"/>
-                </a:solidFill>
-                <a:effectLst/>
-                <a:latin typeface="Menlo" panose="020B0609030804020204" pitchFamily="49" charset="0"/>
-              </a:rPr>
-              <a:t>this</a:t>
-            </a:r>
-            <a:r>
-              <a:rPr lang="en-GB" sz="1200" dirty="0" err="1">
-                <a:solidFill>
-                  <a:srgbClr val="CED1CF"/>
-                </a:solidFill>
-                <a:effectLst/>
-                <a:latin typeface="Menlo" panose="020B0609030804020204" pitchFamily="49" charset="0"/>
-              </a:rPr>
-              <a:t>.</a:t>
-            </a:r>
-            <a:r>
-              <a:rPr lang="en-GB" sz="1200" dirty="0" err="1">
-                <a:solidFill>
-                  <a:srgbClr val="DE935F"/>
-                </a:solidFill>
-                <a:effectLst/>
-                <a:latin typeface="Menlo" panose="020B0609030804020204" pitchFamily="49" charset="0"/>
-              </a:rPr>
-              <a:t>name</a:t>
-            </a:r>
-            <a:r>
-              <a:rPr lang="en-GB" sz="1200" dirty="0">
-                <a:solidFill>
-                  <a:srgbClr val="DE935F"/>
-                </a:solidFill>
-                <a:effectLst/>
-                <a:latin typeface="Menlo" panose="020B0609030804020204" pitchFamily="49" charset="0"/>
-              </a:rPr>
-              <a:t> </a:t>
-            </a:r>
-            <a:r>
-              <a:rPr lang="en-GB" sz="1200" dirty="0">
-                <a:solidFill>
-                  <a:srgbClr val="CED1CF"/>
-                </a:solidFill>
-                <a:effectLst/>
-                <a:latin typeface="Menlo" panose="020B0609030804020204" pitchFamily="49" charset="0"/>
-              </a:rPr>
-              <a:t>= </a:t>
-            </a:r>
-            <a:r>
-              <a:rPr lang="en-GB" sz="1200" dirty="0">
-                <a:solidFill>
-                  <a:srgbClr val="DE935F"/>
-                </a:solidFill>
-                <a:effectLst/>
-                <a:latin typeface="Menlo" panose="020B0609030804020204" pitchFamily="49" charset="0"/>
-              </a:rPr>
-              <a:t>name</a:t>
-            </a:r>
-            <a:r>
-              <a:rPr lang="en-GB" sz="1200" dirty="0">
-                <a:solidFill>
-                  <a:srgbClr val="CED1CF"/>
-                </a:solidFill>
-                <a:effectLst/>
-                <a:latin typeface="Menlo" panose="020B0609030804020204" pitchFamily="49" charset="0"/>
-              </a:rPr>
-              <a:t>;</a:t>
-            </a:r>
-            <a:br>
-              <a:rPr lang="en-GB" sz="1200" dirty="0">
-                <a:solidFill>
-                  <a:srgbClr val="CED1CF"/>
-                </a:solidFill>
-                <a:effectLst/>
-                <a:latin typeface="Menlo" panose="020B0609030804020204" pitchFamily="49" charset="0"/>
-              </a:rPr>
-            </a:br>
-            <a:r>
-              <a:rPr lang="en-GB" sz="1200" dirty="0">
-                <a:solidFill>
-                  <a:srgbClr val="CED1CF"/>
-                </a:solidFill>
-                <a:effectLst/>
-                <a:latin typeface="Menlo" panose="020B0609030804020204" pitchFamily="49" charset="0"/>
-              </a:rPr>
-              <a:t>      </a:t>
-            </a:r>
-            <a:r>
-              <a:rPr lang="en-GB" sz="1200" dirty="0" err="1">
-                <a:solidFill>
-                  <a:srgbClr val="B294BB"/>
-                </a:solidFill>
-                <a:effectLst/>
-                <a:latin typeface="Menlo" panose="020B0609030804020204" pitchFamily="49" charset="0"/>
-              </a:rPr>
-              <a:t>this</a:t>
-            </a:r>
-            <a:r>
-              <a:rPr lang="en-GB" sz="1200" dirty="0" err="1">
-                <a:solidFill>
-                  <a:srgbClr val="CED1CF"/>
-                </a:solidFill>
-                <a:effectLst/>
-                <a:latin typeface="Menlo" panose="020B0609030804020204" pitchFamily="49" charset="0"/>
-              </a:rPr>
-              <a:t>.</a:t>
-            </a:r>
-            <a:r>
-              <a:rPr lang="en-GB" sz="1200" dirty="0" err="1">
-                <a:solidFill>
-                  <a:srgbClr val="DE935F"/>
-                </a:solidFill>
-                <a:effectLst/>
-                <a:latin typeface="Menlo" panose="020B0609030804020204" pitchFamily="49" charset="0"/>
-              </a:rPr>
-              <a:t>value</a:t>
-            </a:r>
-            <a:r>
-              <a:rPr lang="en-GB" sz="1200" dirty="0">
-                <a:solidFill>
-                  <a:srgbClr val="DE935F"/>
-                </a:solidFill>
-                <a:effectLst/>
-                <a:latin typeface="Menlo" panose="020B0609030804020204" pitchFamily="49" charset="0"/>
-              </a:rPr>
-              <a:t> </a:t>
-            </a:r>
-            <a:r>
-              <a:rPr lang="en-GB" sz="1200" dirty="0">
-                <a:solidFill>
-                  <a:srgbClr val="CED1CF"/>
-                </a:solidFill>
-                <a:effectLst/>
-                <a:latin typeface="Menlo" panose="020B0609030804020204" pitchFamily="49" charset="0"/>
-              </a:rPr>
-              <a:t>= </a:t>
-            </a:r>
-            <a:r>
-              <a:rPr lang="en-GB" sz="1200" dirty="0">
-                <a:solidFill>
-                  <a:srgbClr val="DE935F"/>
-                </a:solidFill>
-                <a:effectLst/>
-                <a:latin typeface="Menlo" panose="020B0609030804020204" pitchFamily="49" charset="0"/>
-              </a:rPr>
-              <a:t>value</a:t>
-            </a:r>
-            <a:r>
-              <a:rPr lang="en-GB" sz="1200" dirty="0">
-                <a:solidFill>
-                  <a:srgbClr val="CED1CF"/>
-                </a:solidFill>
-                <a:effectLst/>
-                <a:latin typeface="Menlo" panose="020B0609030804020204" pitchFamily="49" charset="0"/>
-              </a:rPr>
-              <a:t>;</a:t>
-            </a:r>
-            <a:br>
-              <a:rPr lang="en-GB" sz="1200" dirty="0">
-                <a:solidFill>
-                  <a:srgbClr val="CED1CF"/>
-                </a:solidFill>
-                <a:effectLst/>
-                <a:latin typeface="Menlo" panose="020B0609030804020204" pitchFamily="49" charset="0"/>
-              </a:rPr>
-            </a:br>
-            <a:r>
-              <a:rPr lang="en-GB" sz="1200" dirty="0">
-                <a:solidFill>
-                  <a:srgbClr val="CED1CF"/>
-                </a:solidFill>
-                <a:effectLst/>
-                <a:latin typeface="Menlo" panose="020B0609030804020204" pitchFamily="49" charset="0"/>
-              </a:rPr>
-              <a:t>    </a:t>
-            </a:r>
-            <a:r>
-              <a:rPr lang="en-GB" sz="1200" dirty="0">
-                <a:solidFill>
-                  <a:srgbClr val="8C01BF"/>
-                </a:solidFill>
-                <a:effectLst/>
-                <a:latin typeface="Menlo" panose="020B0609030804020204" pitchFamily="49" charset="0"/>
-              </a:rPr>
-              <a:t>}</a:t>
-            </a:r>
-            <a:endParaRPr lang="en-GB" sz="1200" dirty="0">
-              <a:solidFill>
-                <a:srgbClr val="C5C8C6"/>
-              </a:solidFill>
-              <a:effectLst/>
-              <a:latin typeface="Menlo" panose="020B0609030804020204" pitchFamily="49" charset="0"/>
-            </a:endParaRPr>
-          </a:p>
-        </p:txBody>
-      </p:sp>
-    </p:spTree>
-    <p:extLst>
-      <p:ext uri="{BB962C8B-B14F-4D97-AF65-F5344CB8AC3E}">
-        <p14:creationId xmlns:p14="http://schemas.microsoft.com/office/powerpoint/2010/main" val="3567010281"/>
-      </p:ext>
-    </p:extLst>
-  </p:cSld>
-  <p:clrMapOvr>
-    <a:masterClrMapping/>
-  </p:clrMapOvr>
-  <p:transition>
-    <p:fade/>
-  </p:transition>
-</p:sld>
-</file>
-
-<file path=ppt/slides/slide6.xml><?xml version="1.0" encoding="utf-8"?>
-<p:sld xmlns:a="http://schemas.openxmlformats.org/drawingml/2006/main" xmlns:r="http://schemas.openxmlformats.org/officeDocument/2006/relationships" xmlns:p="http://schemas.openxmlformats.org/presentationml/2006/main">
-  <p:cSld>
-    <p:spTree>
-      <p:nvGrpSpPr>
-        <p:cNvPr id="1" name=""/>
-        <p:cNvGrpSpPr/>
-        <p:nvPr/>
-      </p:nvGrpSpPr>
-      <p:grpSpPr>
-        <a:xfrm>
-          <a:off x="0" y="0"/>
-          <a:ext cx="0" cy="0"/>
-          <a:chOff x="0" y="0"/>
-          <a:chExt cx="0" cy="0"/>
-        </a:xfrm>
-      </p:grpSpPr>
-      <p:sp>
-        <p:nvSpPr>
-          <p:cNvPr id="2" name="Title 1">
-            <a:extLst>
-              <a:ext uri="{FF2B5EF4-FFF2-40B4-BE49-F238E27FC236}">
-                <a16:creationId xmlns:a16="http://schemas.microsoft.com/office/drawing/2014/main" id="{9C7158B1-47AA-A9C8-1504-9D99C058D179}"/>
-              </a:ext>
-            </a:extLst>
-          </p:cNvPr>
-          <p:cNvSpPr>
-            <a:spLocks noGrp="1"/>
-          </p:cNvSpPr>
-          <p:nvPr>
-            <p:ph type="title"/>
-          </p:nvPr>
-        </p:nvSpPr>
-        <p:spPr/>
-        <p:txBody>
-          <a:bodyPr/>
-          <a:lstStyle/>
-          <a:p>
-            <a:r>
-              <a:rPr lang="en-US" dirty="0"/>
-              <a:t>Lexical Analysis – Parsing our structure</a:t>
-            </a:r>
-          </a:p>
-        </p:txBody>
-      </p:sp>
-      <p:sp>
-        <p:nvSpPr>
-          <p:cNvPr id="5" name="TextBox 4">
-            <a:extLst>
-              <a:ext uri="{FF2B5EF4-FFF2-40B4-BE49-F238E27FC236}">
-                <a16:creationId xmlns:a16="http://schemas.microsoft.com/office/drawing/2014/main" id="{038B0F67-04D5-7837-690C-05F67BF8E2F7}"/>
-              </a:ext>
-            </a:extLst>
-          </p:cNvPr>
-          <p:cNvSpPr txBox="1"/>
-          <p:nvPr/>
-        </p:nvSpPr>
-        <p:spPr>
-          <a:xfrm>
-            <a:off x="623392" y="3244334"/>
+            <a:off x="367625" y="2636912"/>
             <a:ext cx="9316974" cy="369332"/>
           </a:xfrm>
           <a:prstGeom prst="rect">
@@ -13328,6 +10719,104 @@
           </a:p>
         </p:txBody>
       </p:sp>
+      <p:pic>
+        <p:nvPicPr>
+          <p:cNvPr id="8" name="Picture 7">
+            <a:extLst>
+              <a:ext uri="{FF2B5EF4-FFF2-40B4-BE49-F238E27FC236}">
+                <a16:creationId xmlns:a16="http://schemas.microsoft.com/office/drawing/2014/main" id="{1DF10E68-F013-65B3-6B5C-86C0FB404C66}"/>
+              </a:ext>
+            </a:extLst>
+          </p:cNvPr>
+          <p:cNvPicPr>
+            <a:picLocks noChangeAspect="1"/>
+          </p:cNvPicPr>
+          <p:nvPr/>
+        </p:nvPicPr>
+        <p:blipFill>
+          <a:blip r:embed="rId2"/>
+          <a:stretch>
+            <a:fillRect/>
+          </a:stretch>
+        </p:blipFill>
+        <p:spPr>
+          <a:xfrm>
+            <a:off x="2639616" y="3115559"/>
+            <a:ext cx="4677368" cy="3626728"/>
+          </a:xfrm>
+          <a:prstGeom prst="rect">
+            <a:avLst/>
+          </a:prstGeom>
+        </p:spPr>
+      </p:pic>
+      <p:sp>
+        <p:nvSpPr>
+          <p:cNvPr id="9" name="TextBox 8">
+            <a:extLst>
+              <a:ext uri="{FF2B5EF4-FFF2-40B4-BE49-F238E27FC236}">
+                <a16:creationId xmlns:a16="http://schemas.microsoft.com/office/drawing/2014/main" id="{BB65922C-230D-E891-9094-2AFC57C9648B}"/>
+              </a:ext>
+            </a:extLst>
+          </p:cNvPr>
+          <p:cNvSpPr txBox="1"/>
+          <p:nvPr/>
+        </p:nvSpPr>
+        <p:spPr>
+          <a:xfrm>
+            <a:off x="7536160" y="5661248"/>
+            <a:ext cx="3744416" cy="535531"/>
+          </a:xfrm>
+          <a:prstGeom prst="rect">
+            <a:avLst/>
+          </a:prstGeom>
+          <a:solidFill>
+            <a:schemeClr val="bg2">
+              <a:lumMod val="20000"/>
+              <a:lumOff val="80000"/>
+            </a:schemeClr>
+          </a:solidFill>
+        </p:spPr>
+        <p:txBody>
+          <a:bodyPr wrap="square" rtlCol="0">
+            <a:spAutoFit/>
+          </a:bodyPr>
+          <a:lstStyle/>
+          <a:p>
+            <a:pPr algn="l">
+              <a:lnSpc>
+                <a:spcPct val="90000"/>
+              </a:lnSpc>
+              <a:spcBef>
+                <a:spcPts val="1200"/>
+              </a:spcBef>
+            </a:pPr>
+            <a:r>
+              <a:rPr lang="en-US" sz="1600" dirty="0">
+                <a:solidFill>
+                  <a:schemeClr val="tx2"/>
+                </a:solidFill>
+              </a:rPr>
+              <a:t>The Data structures don’t know anything about the </a:t>
+            </a:r>
+            <a:r>
+              <a:rPr lang="en-US" sz="1600" dirty="0" err="1">
+                <a:solidFill>
+                  <a:schemeClr val="tx2"/>
+                </a:solidFill>
+              </a:rPr>
+              <a:t>Lexer</a:t>
+            </a:r>
+            <a:r>
+              <a:rPr lang="en-US" sz="1600" dirty="0">
+                <a:solidFill>
+                  <a:schemeClr val="tx2"/>
+                </a:solidFill>
+              </a:rPr>
+              <a:t> or the Parser</a:t>
+            </a:r>
+          </a:p>
+        </p:txBody>
+      </p:sp>
     </p:spTree>
     <p:extLst>
       <p:ext uri="{BB962C8B-B14F-4D97-AF65-F5344CB8AC3E}">
@@ -13344,7 +10833,5535 @@
 </p:sld>
 </file>
 
+<file path=ppt/slides/slide6.xml><?xml version="1.0" encoding="utf-8"?>
+<p:sld xmlns:a="http://schemas.openxmlformats.org/drawingml/2006/main" xmlns:r="http://schemas.openxmlformats.org/officeDocument/2006/relationships" xmlns:p="http://schemas.openxmlformats.org/presentationml/2006/main">
+  <p:cSld>
+    <p:spTree>
+      <p:nvGrpSpPr>
+        <p:cNvPr id="1" name=""/>
+        <p:cNvGrpSpPr/>
+        <p:nvPr/>
+      </p:nvGrpSpPr>
+      <p:grpSpPr>
+        <a:xfrm>
+          <a:off x="0" y="0"/>
+          <a:ext cx="0" cy="0"/>
+          <a:chOff x="0" y="0"/>
+          <a:chExt cx="0" cy="0"/>
+        </a:xfrm>
+      </p:grpSpPr>
+      <p:sp>
+        <p:nvSpPr>
+          <p:cNvPr id="2" name="Title 1">
+            <a:extLst>
+              <a:ext uri="{FF2B5EF4-FFF2-40B4-BE49-F238E27FC236}">
+                <a16:creationId xmlns:a16="http://schemas.microsoft.com/office/drawing/2014/main" id="{39751823-2CCD-933C-747E-2879AA54E399}"/>
+              </a:ext>
+            </a:extLst>
+          </p:cNvPr>
+          <p:cNvSpPr>
+            <a:spLocks noGrp="1"/>
+          </p:cNvSpPr>
+          <p:nvPr>
+            <p:ph type="title"/>
+          </p:nvPr>
+        </p:nvSpPr>
+        <p:spPr/>
+        <p:txBody>
+          <a:bodyPr/>
+          <a:lstStyle/>
+          <a:p>
+            <a:r>
+              <a:rPr lang="en-US" dirty="0"/>
+              <a:t>The Builder Pattern</a:t>
+            </a:r>
+          </a:p>
+        </p:txBody>
+      </p:sp>
+      <p:sp>
+        <p:nvSpPr>
+          <p:cNvPr id="5" name="TextBox 4">
+            <a:extLst>
+              <a:ext uri="{FF2B5EF4-FFF2-40B4-BE49-F238E27FC236}">
+                <a16:creationId xmlns:a16="http://schemas.microsoft.com/office/drawing/2014/main" id="{D4F4273F-E93B-7C1E-631C-3D9E3747A0F7}"/>
+              </a:ext>
+            </a:extLst>
+          </p:cNvPr>
+          <p:cNvSpPr txBox="1"/>
+          <p:nvPr/>
+        </p:nvSpPr>
+        <p:spPr>
+          <a:xfrm>
+            <a:off x="767408" y="1484784"/>
+            <a:ext cx="9217024" cy="535531"/>
+          </a:xfrm>
+          <a:prstGeom prst="rect">
+            <a:avLst/>
+          </a:prstGeom>
+          <a:solidFill>
+            <a:srgbClr val="FF85FF"/>
+          </a:solidFill>
+        </p:spPr>
+        <p:txBody>
+          <a:bodyPr wrap="square" rtlCol="0">
+            <a:spAutoFit/>
+          </a:bodyPr>
+          <a:lstStyle/>
+          <a:p>
+            <a:pPr algn="l">
+              <a:lnSpc>
+                <a:spcPct val="90000"/>
+              </a:lnSpc>
+              <a:spcBef>
+                <a:spcPts val="1200"/>
+              </a:spcBef>
+            </a:pPr>
+            <a:r>
+              <a:rPr lang="en-US" sz="1600" dirty="0">
+                <a:solidFill>
+                  <a:schemeClr val="bg1"/>
+                </a:solidFill>
+              </a:rPr>
+              <a:t>The builder pattern separates the construction of a complex object from its representation so that the same construction process can create different representations</a:t>
+            </a:r>
+          </a:p>
+        </p:txBody>
+      </p:sp>
+      <p:pic>
+        <p:nvPicPr>
+          <p:cNvPr id="1026" name="Picture 2">
+            <a:extLst>
+              <a:ext uri="{FF2B5EF4-FFF2-40B4-BE49-F238E27FC236}">
+                <a16:creationId xmlns:a16="http://schemas.microsoft.com/office/drawing/2014/main" id="{BE5509DF-8458-3805-92C5-0EFDB38B99F0}"/>
+              </a:ext>
+            </a:extLst>
+          </p:cNvPr>
+          <p:cNvPicPr>
+            <a:picLocks noChangeAspect="1" noChangeArrowheads="1"/>
+          </p:cNvPicPr>
+          <p:nvPr/>
+        </p:nvPicPr>
+        <p:blipFill>
+          <a:blip r:embed="rId2">
+            <a:extLst>
+              <a:ext uri="{28A0092B-C50C-407E-A947-70E740481C1C}">
+                <a14:useLocalDpi xmlns:a14="http://schemas.microsoft.com/office/drawing/2010/main" val="0"/>
+              </a:ext>
+            </a:extLst>
+          </a:blip>
+          <a:srcRect/>
+          <a:stretch>
+            <a:fillRect/>
+          </a:stretch>
+        </p:blipFill>
+        <p:spPr bwMode="auto">
+          <a:xfrm>
+            <a:off x="1127448" y="2133499"/>
+            <a:ext cx="9525000" cy="3263900"/>
+          </a:xfrm>
+          <a:prstGeom prst="rect">
+            <a:avLst/>
+          </a:prstGeom>
+          <a:noFill/>
+          <a:ln>
+            <a:solidFill>
+              <a:srgbClr val="FF2F92"/>
+            </a:solidFill>
+          </a:ln>
+          <a:extLst>
+            <a:ext uri="{909E8E84-426E-40DD-AFC4-6F175D3DCCD1}">
+              <a14:hiddenFill xmlns:a14="http://schemas.microsoft.com/office/drawing/2010/main">
+                <a:solidFill>
+                  <a:srgbClr val="FFFFFF"/>
+                </a:solidFill>
+              </a14:hiddenFill>
+            </a:ext>
+          </a:extLst>
+        </p:spPr>
+      </p:pic>
+    </p:spTree>
+    <p:extLst>
+      <p:ext uri="{BB962C8B-B14F-4D97-AF65-F5344CB8AC3E}">
+        <p14:creationId xmlns:p14="http://schemas.microsoft.com/office/powerpoint/2010/main" val="1906917748"/>
+      </p:ext>
+    </p:extLst>
+  </p:cSld>
+  <p:clrMapOvr>
+    <a:masterClrMapping/>
+  </p:clrMapOvr>
+  <p:transition>
+    <p:fade/>
+  </p:transition>
+</p:sld>
+</file>
+
 <file path=ppt/slides/slide7.xml><?xml version="1.0" encoding="utf-8"?>
+<p:sld xmlns:a="http://schemas.openxmlformats.org/drawingml/2006/main" xmlns:r="http://schemas.openxmlformats.org/officeDocument/2006/relationships" xmlns:p="http://schemas.openxmlformats.org/presentationml/2006/main">
+  <p:cSld>
+    <p:spTree>
+      <p:nvGrpSpPr>
+        <p:cNvPr id="1" name=""/>
+        <p:cNvGrpSpPr/>
+        <p:nvPr/>
+      </p:nvGrpSpPr>
+      <p:grpSpPr>
+        <a:xfrm>
+          <a:off x="0" y="0"/>
+          <a:ext cx="0" cy="0"/>
+          <a:chOff x="0" y="0"/>
+          <a:chExt cx="0" cy="0"/>
+        </a:xfrm>
+      </p:grpSpPr>
+      <p:sp>
+        <p:nvSpPr>
+          <p:cNvPr id="2" name="Title 1">
+            <a:extLst>
+              <a:ext uri="{FF2B5EF4-FFF2-40B4-BE49-F238E27FC236}">
+                <a16:creationId xmlns:a16="http://schemas.microsoft.com/office/drawing/2014/main" id="{11B8FDB2-D46F-0EDB-246E-20F9695C1F51}"/>
+              </a:ext>
+            </a:extLst>
+          </p:cNvPr>
+          <p:cNvSpPr>
+            <a:spLocks noGrp="1"/>
+          </p:cNvSpPr>
+          <p:nvPr>
+            <p:ph type="title"/>
+          </p:nvPr>
+        </p:nvSpPr>
+        <p:spPr/>
+        <p:txBody>
+          <a:bodyPr/>
+          <a:lstStyle/>
+          <a:p>
+            <a:r>
+              <a:rPr lang="en-US" dirty="0"/>
+              <a:t>Basic builder pattern</a:t>
+            </a:r>
+          </a:p>
+        </p:txBody>
+      </p:sp>
+      <p:sp>
+        <p:nvSpPr>
+          <p:cNvPr id="4" name="TextBox 3">
+            <a:extLst>
+              <a:ext uri="{FF2B5EF4-FFF2-40B4-BE49-F238E27FC236}">
+                <a16:creationId xmlns:a16="http://schemas.microsoft.com/office/drawing/2014/main" id="{F7C70238-2A5B-AD89-024B-3085F9AE4CD5}"/>
+              </a:ext>
+            </a:extLst>
+          </p:cNvPr>
+          <p:cNvSpPr txBox="1"/>
+          <p:nvPr/>
+        </p:nvSpPr>
+        <p:spPr>
+          <a:xfrm>
+            <a:off x="839416" y="1361942"/>
+            <a:ext cx="3526149" cy="5355312"/>
+          </a:xfrm>
+          <a:prstGeom prst="rect">
+            <a:avLst/>
+          </a:prstGeom>
+          <a:noFill/>
+          <a:ln>
+            <a:solidFill>
+              <a:srgbClr val="FF2F92"/>
+            </a:solidFill>
+          </a:ln>
+        </p:spPr>
+        <p:txBody>
+          <a:bodyPr wrap="square">
+            <a:spAutoFit/>
+          </a:bodyPr>
+          <a:lstStyle/>
+          <a:p>
+            <a:r>
+              <a:rPr lang="en-GB" sz="900" dirty="0">
+                <a:solidFill>
+                  <a:srgbClr val="B294BB"/>
+                </a:solidFill>
+                <a:effectLst/>
+                <a:latin typeface="Menlo" panose="020B0609030804020204" pitchFamily="49" charset="0"/>
+              </a:rPr>
+              <a:t>public class </a:t>
+            </a:r>
+            <a:r>
+              <a:rPr lang="en-GB" sz="900" dirty="0">
+                <a:solidFill>
+                  <a:srgbClr val="F0C674"/>
+                </a:solidFill>
+                <a:effectLst/>
+                <a:latin typeface="Menlo" panose="020B0609030804020204" pitchFamily="49" charset="0"/>
+              </a:rPr>
+              <a:t>Monkey </a:t>
+            </a:r>
+            <a:r>
+              <a:rPr lang="en-GB" sz="900" dirty="0">
+                <a:solidFill>
+                  <a:srgbClr val="C5C8C6"/>
+                </a:solidFill>
+                <a:effectLst/>
+                <a:latin typeface="Menlo" panose="020B0609030804020204" pitchFamily="49" charset="0"/>
+              </a:rPr>
+              <a:t>{</a:t>
+            </a:r>
+            <a:br>
+              <a:rPr lang="en-GB" sz="900" dirty="0">
+                <a:solidFill>
+                  <a:srgbClr val="C5C8C6"/>
+                </a:solidFill>
+                <a:effectLst/>
+                <a:latin typeface="Menlo" panose="020B0609030804020204" pitchFamily="49" charset="0"/>
+              </a:rPr>
+            </a:br>
+            <a:r>
+              <a:rPr lang="en-GB" sz="900" dirty="0">
+                <a:solidFill>
+                  <a:srgbClr val="C5C8C6"/>
+                </a:solidFill>
+                <a:effectLst/>
+                <a:latin typeface="Menlo" panose="020B0609030804020204" pitchFamily="49" charset="0"/>
+              </a:rPr>
+              <a:t>    </a:t>
+            </a:r>
+            <a:r>
+              <a:rPr lang="en-GB" sz="900" dirty="0">
+                <a:solidFill>
+                  <a:srgbClr val="B294BB"/>
+                </a:solidFill>
+                <a:effectLst/>
+                <a:latin typeface="Menlo" panose="020B0609030804020204" pitchFamily="49" charset="0"/>
+              </a:rPr>
+              <a:t>private </a:t>
+            </a:r>
+            <a:r>
+              <a:rPr lang="en-GB" sz="900" dirty="0">
+                <a:solidFill>
+                  <a:srgbClr val="F0C674"/>
+                </a:solidFill>
+                <a:effectLst/>
+                <a:latin typeface="Menlo" panose="020B0609030804020204" pitchFamily="49" charset="0"/>
+              </a:rPr>
+              <a:t>String </a:t>
+            </a:r>
+            <a:r>
+              <a:rPr lang="en-GB" sz="900" dirty="0">
+                <a:solidFill>
+                  <a:srgbClr val="DE935F"/>
+                </a:solidFill>
+                <a:effectLst/>
+                <a:latin typeface="Menlo" panose="020B0609030804020204" pitchFamily="49" charset="0"/>
+              </a:rPr>
+              <a:t>name</a:t>
+            </a:r>
+            <a:r>
+              <a:rPr lang="en-GB" sz="900" dirty="0">
+                <a:solidFill>
+                  <a:srgbClr val="CED1CF"/>
+                </a:solidFill>
+                <a:effectLst/>
+                <a:latin typeface="Menlo" panose="020B0609030804020204" pitchFamily="49" charset="0"/>
+              </a:rPr>
+              <a:t>;</a:t>
+            </a:r>
+            <a:br>
+              <a:rPr lang="en-GB" sz="900" dirty="0">
+                <a:solidFill>
+                  <a:srgbClr val="CED1CF"/>
+                </a:solidFill>
+                <a:effectLst/>
+                <a:latin typeface="Menlo" panose="020B0609030804020204" pitchFamily="49" charset="0"/>
+              </a:rPr>
+            </a:br>
+            <a:r>
+              <a:rPr lang="en-GB" sz="900" dirty="0">
+                <a:solidFill>
+                  <a:srgbClr val="CED1CF"/>
+                </a:solidFill>
+                <a:effectLst/>
+                <a:latin typeface="Menlo" panose="020B0609030804020204" pitchFamily="49" charset="0"/>
+              </a:rPr>
+              <a:t>    </a:t>
+            </a:r>
+            <a:r>
+              <a:rPr lang="en-GB" sz="900" dirty="0">
+                <a:solidFill>
+                  <a:srgbClr val="B294BB"/>
+                </a:solidFill>
+                <a:effectLst/>
+                <a:latin typeface="Menlo" panose="020B0609030804020204" pitchFamily="49" charset="0"/>
+              </a:rPr>
+              <a:t>private int </a:t>
+            </a:r>
+            <a:r>
+              <a:rPr lang="en-GB" sz="900" dirty="0">
+                <a:solidFill>
+                  <a:srgbClr val="DE935F"/>
+                </a:solidFill>
+                <a:effectLst/>
+                <a:latin typeface="Menlo" panose="020B0609030804020204" pitchFamily="49" charset="0"/>
+              </a:rPr>
+              <a:t>age</a:t>
+            </a:r>
+            <a:r>
+              <a:rPr lang="en-GB" sz="900" dirty="0">
+                <a:solidFill>
+                  <a:srgbClr val="CED1CF"/>
+                </a:solidFill>
+                <a:effectLst/>
+                <a:latin typeface="Menlo" panose="020B0609030804020204" pitchFamily="49" charset="0"/>
+              </a:rPr>
+              <a:t>;</a:t>
+            </a:r>
+            <a:br>
+              <a:rPr lang="en-GB" sz="900" dirty="0">
+                <a:solidFill>
+                  <a:srgbClr val="CED1CF"/>
+                </a:solidFill>
+                <a:effectLst/>
+                <a:latin typeface="Menlo" panose="020B0609030804020204" pitchFamily="49" charset="0"/>
+              </a:rPr>
+            </a:br>
+            <a:r>
+              <a:rPr lang="en-GB" sz="900" dirty="0">
+                <a:solidFill>
+                  <a:srgbClr val="CED1CF"/>
+                </a:solidFill>
+                <a:effectLst/>
+                <a:latin typeface="Menlo" panose="020B0609030804020204" pitchFamily="49" charset="0"/>
+              </a:rPr>
+              <a:t>    </a:t>
+            </a:r>
+            <a:r>
+              <a:rPr lang="en-GB" sz="900" dirty="0">
+                <a:solidFill>
+                  <a:srgbClr val="B294BB"/>
+                </a:solidFill>
+                <a:effectLst/>
+                <a:latin typeface="Menlo" panose="020B0609030804020204" pitchFamily="49" charset="0"/>
+              </a:rPr>
+              <a:t>private </a:t>
+            </a:r>
+            <a:r>
+              <a:rPr lang="en-GB" sz="900" dirty="0">
+                <a:solidFill>
+                  <a:srgbClr val="94AE57"/>
+                </a:solidFill>
+                <a:effectLst/>
+                <a:latin typeface="Menlo" panose="020B0609030804020204" pitchFamily="49" charset="0"/>
+              </a:rPr>
+              <a:t>Food </a:t>
+            </a:r>
+            <a:r>
+              <a:rPr lang="en-GB" sz="900" dirty="0">
+                <a:solidFill>
+                  <a:srgbClr val="DE935F"/>
+                </a:solidFill>
+                <a:effectLst/>
+                <a:latin typeface="Menlo" panose="020B0609030804020204" pitchFamily="49" charset="0"/>
+              </a:rPr>
+              <a:t>food</a:t>
+            </a:r>
+            <a:r>
+              <a:rPr lang="en-GB" sz="900" dirty="0">
+                <a:solidFill>
+                  <a:srgbClr val="CED1CF"/>
+                </a:solidFill>
+                <a:effectLst/>
+                <a:latin typeface="Menlo" panose="020B0609030804020204" pitchFamily="49" charset="0"/>
+              </a:rPr>
+              <a:t>;</a:t>
+            </a:r>
+            <a:br>
+              <a:rPr lang="en-GB" sz="900" dirty="0">
+                <a:solidFill>
+                  <a:srgbClr val="CED1CF"/>
+                </a:solidFill>
+                <a:effectLst/>
+                <a:latin typeface="Menlo" panose="020B0609030804020204" pitchFamily="49" charset="0"/>
+              </a:rPr>
+            </a:br>
+            <a:br>
+              <a:rPr lang="en-GB" sz="900" dirty="0">
+                <a:solidFill>
+                  <a:srgbClr val="CED1CF"/>
+                </a:solidFill>
+                <a:effectLst/>
+                <a:latin typeface="Menlo" panose="020B0609030804020204" pitchFamily="49" charset="0"/>
+              </a:rPr>
+            </a:br>
+            <a:r>
+              <a:rPr lang="en-GB" sz="900" dirty="0">
+                <a:solidFill>
+                  <a:srgbClr val="CED1CF"/>
+                </a:solidFill>
+                <a:effectLst/>
+                <a:latin typeface="Menlo" panose="020B0609030804020204" pitchFamily="49" charset="0"/>
+              </a:rPr>
+              <a:t>    </a:t>
+            </a:r>
+            <a:r>
+              <a:rPr lang="en-GB" sz="900" i="1" dirty="0">
+                <a:solidFill>
+                  <a:srgbClr val="969896"/>
+                </a:solidFill>
+                <a:effectLst/>
+                <a:latin typeface="Menlo" panose="020B0609030804020204" pitchFamily="49" charset="0"/>
+              </a:rPr>
+              <a:t>// private constructor</a:t>
+            </a:r>
+            <a:br>
+              <a:rPr lang="en-GB" sz="900" i="1" dirty="0">
+                <a:solidFill>
+                  <a:srgbClr val="969896"/>
+                </a:solidFill>
+                <a:effectLst/>
+                <a:latin typeface="Menlo" panose="020B0609030804020204" pitchFamily="49" charset="0"/>
+              </a:rPr>
+            </a:br>
+            <a:r>
+              <a:rPr lang="en-GB" sz="900" i="1" dirty="0">
+                <a:solidFill>
+                  <a:srgbClr val="969896"/>
+                </a:solidFill>
+                <a:effectLst/>
+                <a:latin typeface="Menlo" panose="020B0609030804020204" pitchFamily="49" charset="0"/>
+              </a:rPr>
+              <a:t>    </a:t>
+            </a:r>
+            <a:r>
+              <a:rPr lang="en-GB" sz="900" dirty="0">
+                <a:solidFill>
+                  <a:srgbClr val="B294BB"/>
+                </a:solidFill>
+                <a:effectLst/>
+                <a:latin typeface="Menlo" panose="020B0609030804020204" pitchFamily="49" charset="0"/>
+              </a:rPr>
+              <a:t>private </a:t>
+            </a:r>
+            <a:r>
+              <a:rPr lang="en-GB" sz="900" dirty="0">
+                <a:solidFill>
+                  <a:srgbClr val="C5C8C6"/>
+                </a:solidFill>
+                <a:effectLst/>
+                <a:latin typeface="Menlo" panose="020B0609030804020204" pitchFamily="49" charset="0"/>
+              </a:rPr>
+              <a:t>Monkey() {}</a:t>
+            </a:r>
+            <a:br>
+              <a:rPr lang="en-GB" sz="900" dirty="0">
+                <a:solidFill>
+                  <a:srgbClr val="C5C8C6"/>
+                </a:solidFill>
+                <a:effectLst/>
+                <a:latin typeface="Menlo" panose="020B0609030804020204" pitchFamily="49" charset="0"/>
+              </a:rPr>
+            </a:br>
+            <a:br>
+              <a:rPr lang="en-GB" sz="900" dirty="0">
+                <a:solidFill>
+                  <a:srgbClr val="C5C8C6"/>
+                </a:solidFill>
+                <a:effectLst/>
+                <a:latin typeface="Menlo" panose="020B0609030804020204" pitchFamily="49" charset="0"/>
+              </a:rPr>
+            </a:br>
+            <a:r>
+              <a:rPr lang="en-GB" sz="900" dirty="0">
+                <a:solidFill>
+                  <a:srgbClr val="C5C8C6"/>
+                </a:solidFill>
+                <a:effectLst/>
+                <a:latin typeface="Menlo" panose="020B0609030804020204" pitchFamily="49" charset="0"/>
+              </a:rPr>
+              <a:t>    </a:t>
+            </a:r>
+            <a:r>
+              <a:rPr lang="en-GB" sz="900" dirty="0">
+                <a:solidFill>
+                  <a:srgbClr val="B294BB"/>
+                </a:solidFill>
+                <a:effectLst/>
+                <a:latin typeface="Menlo" panose="020B0609030804020204" pitchFamily="49" charset="0"/>
+              </a:rPr>
+              <a:t>public static </a:t>
+            </a:r>
+            <a:r>
+              <a:rPr lang="en-GB" sz="900" dirty="0" err="1">
+                <a:solidFill>
+                  <a:srgbClr val="F0C674"/>
+                </a:solidFill>
+                <a:effectLst/>
+                <a:latin typeface="Menlo" panose="020B0609030804020204" pitchFamily="49" charset="0"/>
+              </a:rPr>
+              <a:t>MonkeyBuilder</a:t>
+            </a:r>
+            <a:r>
+              <a:rPr lang="en-GB" sz="900" dirty="0">
+                <a:solidFill>
+                  <a:srgbClr val="F0C674"/>
+                </a:solidFill>
+                <a:effectLst/>
+                <a:latin typeface="Menlo" panose="020B0609030804020204" pitchFamily="49" charset="0"/>
+              </a:rPr>
+              <a:t> </a:t>
+            </a:r>
+            <a:r>
+              <a:rPr lang="en-GB" sz="900" dirty="0">
+                <a:solidFill>
+                  <a:srgbClr val="81A2BE"/>
+                </a:solidFill>
+                <a:effectLst/>
+                <a:latin typeface="Menlo" panose="020B0609030804020204" pitchFamily="49" charset="0"/>
+              </a:rPr>
+              <a:t>builder</a:t>
+            </a:r>
+            <a:r>
+              <a:rPr lang="en-GB" sz="900" dirty="0">
+                <a:solidFill>
+                  <a:srgbClr val="C5C8C6"/>
+                </a:solidFill>
+                <a:effectLst/>
+                <a:latin typeface="Menlo" panose="020B0609030804020204" pitchFamily="49" charset="0"/>
+              </a:rPr>
+              <a:t>() </a:t>
+            </a:r>
+            <a:r>
+              <a:rPr lang="en-GB" sz="900" dirty="0">
+                <a:solidFill>
+                  <a:srgbClr val="0E7F8E"/>
+                </a:solidFill>
+                <a:effectLst/>
+                <a:latin typeface="Menlo" panose="020B0609030804020204" pitchFamily="49" charset="0"/>
+              </a:rPr>
+              <a:t>{</a:t>
+            </a:r>
+            <a:br>
+              <a:rPr lang="en-GB" sz="900" dirty="0">
+                <a:solidFill>
+                  <a:srgbClr val="0E7F8E"/>
+                </a:solidFill>
+                <a:effectLst/>
+                <a:latin typeface="Menlo" panose="020B0609030804020204" pitchFamily="49" charset="0"/>
+              </a:rPr>
+            </a:br>
+            <a:r>
+              <a:rPr lang="en-GB" sz="900" dirty="0">
+                <a:solidFill>
+                  <a:srgbClr val="0E7F8E"/>
+                </a:solidFill>
+                <a:effectLst/>
+                <a:latin typeface="Menlo" panose="020B0609030804020204" pitchFamily="49" charset="0"/>
+              </a:rPr>
+              <a:t>        </a:t>
+            </a:r>
+            <a:r>
+              <a:rPr lang="en-GB" sz="900" dirty="0">
+                <a:solidFill>
+                  <a:srgbClr val="B294BB"/>
+                </a:solidFill>
+                <a:effectLst/>
+                <a:latin typeface="Menlo" panose="020B0609030804020204" pitchFamily="49" charset="0"/>
+              </a:rPr>
+              <a:t>return new </a:t>
+            </a:r>
+            <a:r>
+              <a:rPr lang="en-GB" sz="900" dirty="0" err="1">
+                <a:solidFill>
+                  <a:srgbClr val="C5C8C6"/>
+                </a:solidFill>
+                <a:effectLst/>
+                <a:latin typeface="Menlo" panose="020B0609030804020204" pitchFamily="49" charset="0"/>
+              </a:rPr>
+              <a:t>MonkeyBuilder</a:t>
+            </a:r>
+            <a:r>
+              <a:rPr lang="en-GB" sz="900" dirty="0">
+                <a:solidFill>
+                  <a:srgbClr val="C5C8C6"/>
+                </a:solidFill>
+                <a:effectLst/>
+                <a:latin typeface="Menlo" panose="020B0609030804020204" pitchFamily="49" charset="0"/>
+              </a:rPr>
+              <a:t>()</a:t>
+            </a:r>
+            <a:r>
+              <a:rPr lang="en-GB" sz="900" dirty="0">
+                <a:solidFill>
+                  <a:srgbClr val="CED1CF"/>
+                </a:solidFill>
+                <a:effectLst/>
+                <a:latin typeface="Menlo" panose="020B0609030804020204" pitchFamily="49" charset="0"/>
+              </a:rPr>
+              <a:t>;</a:t>
+            </a:r>
+            <a:br>
+              <a:rPr lang="en-GB" sz="900" dirty="0">
+                <a:solidFill>
+                  <a:srgbClr val="CED1CF"/>
+                </a:solidFill>
+                <a:effectLst/>
+                <a:latin typeface="Menlo" panose="020B0609030804020204" pitchFamily="49" charset="0"/>
+              </a:rPr>
+            </a:br>
+            <a:r>
+              <a:rPr lang="en-GB" sz="900" dirty="0">
+                <a:solidFill>
+                  <a:srgbClr val="CED1CF"/>
+                </a:solidFill>
+                <a:effectLst/>
+                <a:latin typeface="Menlo" panose="020B0609030804020204" pitchFamily="49" charset="0"/>
+              </a:rPr>
+              <a:t>    </a:t>
+            </a:r>
+            <a:r>
+              <a:rPr lang="en-GB" sz="900" dirty="0">
+                <a:solidFill>
+                  <a:srgbClr val="0E7F8E"/>
+                </a:solidFill>
+                <a:effectLst/>
+                <a:latin typeface="Menlo" panose="020B0609030804020204" pitchFamily="49" charset="0"/>
+              </a:rPr>
+              <a:t>}</a:t>
+            </a:r>
+            <a:br>
+              <a:rPr lang="en-GB" sz="900" dirty="0">
+                <a:solidFill>
+                  <a:srgbClr val="0E7F8E"/>
+                </a:solidFill>
+                <a:effectLst/>
+                <a:latin typeface="Menlo" panose="020B0609030804020204" pitchFamily="49" charset="0"/>
+              </a:rPr>
+            </a:br>
+            <a:br>
+              <a:rPr lang="en-GB" sz="900" dirty="0">
+                <a:solidFill>
+                  <a:srgbClr val="0E7F8E"/>
+                </a:solidFill>
+                <a:effectLst/>
+                <a:latin typeface="Menlo" panose="020B0609030804020204" pitchFamily="49" charset="0"/>
+              </a:rPr>
+            </a:br>
+            <a:r>
+              <a:rPr lang="en-GB" sz="900" dirty="0">
+                <a:solidFill>
+                  <a:srgbClr val="0E7F8E"/>
+                </a:solidFill>
+                <a:effectLst/>
+                <a:latin typeface="Menlo" panose="020B0609030804020204" pitchFamily="49" charset="0"/>
+              </a:rPr>
+              <a:t>    </a:t>
+            </a:r>
+            <a:r>
+              <a:rPr lang="en-GB" sz="900" dirty="0">
+                <a:solidFill>
+                  <a:srgbClr val="5E8287"/>
+                </a:solidFill>
+                <a:effectLst/>
+                <a:latin typeface="Menlo" panose="020B0609030804020204" pitchFamily="49" charset="0"/>
+              </a:rPr>
+              <a:t>@Override</a:t>
+            </a:r>
+            <a:br>
+              <a:rPr lang="en-GB" sz="900" dirty="0">
+                <a:solidFill>
+                  <a:srgbClr val="5E8287"/>
+                </a:solidFill>
+                <a:effectLst/>
+                <a:latin typeface="Menlo" panose="020B0609030804020204" pitchFamily="49" charset="0"/>
+              </a:rPr>
+            </a:br>
+            <a:r>
+              <a:rPr lang="en-GB" sz="900" dirty="0">
+                <a:solidFill>
+                  <a:srgbClr val="5E8287"/>
+                </a:solidFill>
+                <a:effectLst/>
+                <a:latin typeface="Menlo" panose="020B0609030804020204" pitchFamily="49" charset="0"/>
+              </a:rPr>
+              <a:t>    </a:t>
+            </a:r>
+            <a:r>
+              <a:rPr lang="en-GB" sz="900" dirty="0">
+                <a:solidFill>
+                  <a:srgbClr val="B294BB"/>
+                </a:solidFill>
+                <a:effectLst/>
+                <a:latin typeface="Menlo" panose="020B0609030804020204" pitchFamily="49" charset="0"/>
+              </a:rPr>
+              <a:t>public </a:t>
+            </a:r>
+            <a:r>
+              <a:rPr lang="en-GB" sz="900" dirty="0">
+                <a:solidFill>
+                  <a:srgbClr val="F0C674"/>
+                </a:solidFill>
+                <a:effectLst/>
+                <a:latin typeface="Menlo" panose="020B0609030804020204" pitchFamily="49" charset="0"/>
+              </a:rPr>
+              <a:t>String </a:t>
+            </a:r>
+            <a:r>
+              <a:rPr lang="en-GB" sz="900" dirty="0" err="1">
+                <a:solidFill>
+                  <a:srgbClr val="81A2BE"/>
+                </a:solidFill>
+                <a:effectLst/>
+                <a:latin typeface="Menlo" panose="020B0609030804020204" pitchFamily="49" charset="0"/>
+              </a:rPr>
+              <a:t>toString</a:t>
+            </a:r>
+            <a:r>
+              <a:rPr lang="en-GB" sz="900" dirty="0">
+                <a:solidFill>
+                  <a:srgbClr val="C5C8C6"/>
+                </a:solidFill>
+                <a:effectLst/>
+                <a:latin typeface="Menlo" panose="020B0609030804020204" pitchFamily="49" charset="0"/>
+              </a:rPr>
+              <a:t>() </a:t>
+            </a:r>
+            <a:r>
+              <a:rPr lang="en-GB" sz="900" dirty="0">
+                <a:solidFill>
+                  <a:srgbClr val="0E7F8E"/>
+                </a:solidFill>
+                <a:effectLst/>
+                <a:latin typeface="Menlo" panose="020B0609030804020204" pitchFamily="49" charset="0"/>
+              </a:rPr>
+              <a:t>{</a:t>
+            </a:r>
+            <a:br>
+              <a:rPr lang="en-GB" sz="900" dirty="0">
+                <a:solidFill>
+                  <a:srgbClr val="0E7F8E"/>
+                </a:solidFill>
+                <a:effectLst/>
+                <a:latin typeface="Menlo" panose="020B0609030804020204" pitchFamily="49" charset="0"/>
+              </a:rPr>
+            </a:br>
+            <a:r>
+              <a:rPr lang="en-GB" sz="900" dirty="0">
+                <a:solidFill>
+                  <a:srgbClr val="0E7F8E"/>
+                </a:solidFill>
+                <a:effectLst/>
+                <a:latin typeface="Menlo" panose="020B0609030804020204" pitchFamily="49" charset="0"/>
+              </a:rPr>
+              <a:t>        </a:t>
+            </a:r>
+            <a:r>
+              <a:rPr lang="en-GB" sz="900" dirty="0">
+                <a:solidFill>
+                  <a:srgbClr val="B294BB"/>
+                </a:solidFill>
+                <a:effectLst/>
+                <a:latin typeface="Menlo" panose="020B0609030804020204" pitchFamily="49" charset="0"/>
+              </a:rPr>
+              <a:t>return </a:t>
+            </a:r>
+            <a:r>
+              <a:rPr lang="en-GB" sz="900" dirty="0">
+                <a:solidFill>
+                  <a:srgbClr val="B5BD68"/>
+                </a:solidFill>
+                <a:effectLst/>
+                <a:latin typeface="Menlo" panose="020B0609030804020204" pitchFamily="49" charset="0"/>
+              </a:rPr>
+              <a:t>"Monkey{" </a:t>
+            </a:r>
+            <a:r>
+              <a:rPr lang="en-GB" sz="900" dirty="0">
+                <a:solidFill>
+                  <a:srgbClr val="CED1CF"/>
+                </a:solidFill>
+                <a:effectLst/>
+                <a:latin typeface="Menlo" panose="020B0609030804020204" pitchFamily="49" charset="0"/>
+              </a:rPr>
+              <a:t>+</a:t>
+            </a:r>
+            <a:br>
+              <a:rPr lang="en-GB" sz="900" dirty="0">
+                <a:solidFill>
+                  <a:srgbClr val="CED1CF"/>
+                </a:solidFill>
+                <a:effectLst/>
+                <a:latin typeface="Menlo" panose="020B0609030804020204" pitchFamily="49" charset="0"/>
+              </a:rPr>
+            </a:br>
+            <a:r>
+              <a:rPr lang="en-GB" sz="900" dirty="0">
+                <a:solidFill>
+                  <a:srgbClr val="CED1CF"/>
+                </a:solidFill>
+                <a:effectLst/>
+                <a:latin typeface="Menlo" panose="020B0609030804020204" pitchFamily="49" charset="0"/>
+              </a:rPr>
+              <a:t>                </a:t>
+            </a:r>
+            <a:r>
+              <a:rPr lang="en-GB" sz="900" dirty="0">
+                <a:solidFill>
+                  <a:srgbClr val="B5BD68"/>
+                </a:solidFill>
+                <a:effectLst/>
+                <a:latin typeface="Menlo" panose="020B0609030804020204" pitchFamily="49" charset="0"/>
+              </a:rPr>
+              <a:t>"name='" </a:t>
+            </a:r>
+            <a:r>
+              <a:rPr lang="en-GB" sz="900" dirty="0">
+                <a:solidFill>
+                  <a:srgbClr val="CED1CF"/>
+                </a:solidFill>
+                <a:effectLst/>
+                <a:latin typeface="Menlo" panose="020B0609030804020204" pitchFamily="49" charset="0"/>
+              </a:rPr>
+              <a:t>+ </a:t>
+            </a:r>
+            <a:r>
+              <a:rPr lang="en-GB" sz="900" dirty="0">
+                <a:solidFill>
+                  <a:srgbClr val="DE935F"/>
+                </a:solidFill>
+                <a:effectLst/>
+                <a:latin typeface="Menlo" panose="020B0609030804020204" pitchFamily="49" charset="0"/>
+              </a:rPr>
+              <a:t>name </a:t>
+            </a:r>
+            <a:r>
+              <a:rPr lang="en-GB" sz="900" dirty="0">
+                <a:solidFill>
+                  <a:srgbClr val="CED1CF"/>
+                </a:solidFill>
+                <a:effectLst/>
+                <a:latin typeface="Menlo" panose="020B0609030804020204" pitchFamily="49" charset="0"/>
+              </a:rPr>
+              <a:t>+ </a:t>
+            </a:r>
+            <a:r>
+              <a:rPr lang="en-GB" sz="900" dirty="0">
+                <a:solidFill>
+                  <a:srgbClr val="B5BD68"/>
+                </a:solidFill>
+                <a:effectLst/>
+                <a:latin typeface="Menlo" panose="020B0609030804020204" pitchFamily="49" charset="0"/>
+              </a:rPr>
+              <a:t>'</a:t>
+            </a:r>
+            <a:r>
+              <a:rPr lang="en-GB" sz="900" dirty="0">
+                <a:solidFill>
+                  <a:srgbClr val="DE935F"/>
+                </a:solidFill>
+                <a:effectLst/>
+                <a:latin typeface="Menlo" panose="020B0609030804020204" pitchFamily="49" charset="0"/>
+              </a:rPr>
+              <a:t>\'</a:t>
+            </a:r>
+            <a:r>
+              <a:rPr lang="en-GB" sz="900" dirty="0">
+                <a:solidFill>
+                  <a:srgbClr val="B5BD68"/>
+                </a:solidFill>
+                <a:effectLst/>
+                <a:latin typeface="Menlo" panose="020B0609030804020204" pitchFamily="49" charset="0"/>
+              </a:rPr>
+              <a:t>' </a:t>
+            </a:r>
+            <a:r>
+              <a:rPr lang="en-GB" sz="900" dirty="0">
+                <a:solidFill>
+                  <a:srgbClr val="CED1CF"/>
+                </a:solidFill>
+                <a:effectLst/>
+                <a:latin typeface="Menlo" panose="020B0609030804020204" pitchFamily="49" charset="0"/>
+              </a:rPr>
+              <a:t>+</a:t>
+            </a:r>
+            <a:br>
+              <a:rPr lang="en-GB" sz="900" dirty="0">
+                <a:solidFill>
+                  <a:srgbClr val="CED1CF"/>
+                </a:solidFill>
+                <a:effectLst/>
+                <a:latin typeface="Menlo" panose="020B0609030804020204" pitchFamily="49" charset="0"/>
+              </a:rPr>
+            </a:br>
+            <a:r>
+              <a:rPr lang="en-GB" sz="900" dirty="0">
+                <a:solidFill>
+                  <a:srgbClr val="CED1CF"/>
+                </a:solidFill>
+                <a:effectLst/>
+                <a:latin typeface="Menlo" panose="020B0609030804020204" pitchFamily="49" charset="0"/>
+              </a:rPr>
+              <a:t>                </a:t>
+            </a:r>
+            <a:r>
+              <a:rPr lang="en-GB" sz="900" dirty="0">
+                <a:solidFill>
+                  <a:srgbClr val="B5BD68"/>
+                </a:solidFill>
+                <a:effectLst/>
+                <a:latin typeface="Menlo" panose="020B0609030804020204" pitchFamily="49" charset="0"/>
+              </a:rPr>
+              <a:t>", age=" </a:t>
+            </a:r>
+            <a:r>
+              <a:rPr lang="en-GB" sz="900" dirty="0">
+                <a:solidFill>
+                  <a:srgbClr val="CED1CF"/>
+                </a:solidFill>
+                <a:effectLst/>
+                <a:latin typeface="Menlo" panose="020B0609030804020204" pitchFamily="49" charset="0"/>
+              </a:rPr>
+              <a:t>+ </a:t>
+            </a:r>
+            <a:r>
+              <a:rPr lang="en-GB" sz="900" dirty="0">
+                <a:solidFill>
+                  <a:srgbClr val="DE935F"/>
+                </a:solidFill>
+                <a:effectLst/>
+                <a:latin typeface="Menlo" panose="020B0609030804020204" pitchFamily="49" charset="0"/>
+              </a:rPr>
+              <a:t>age </a:t>
+            </a:r>
+            <a:r>
+              <a:rPr lang="en-GB" sz="900" dirty="0">
+                <a:solidFill>
+                  <a:srgbClr val="CED1CF"/>
+                </a:solidFill>
+                <a:effectLst/>
+                <a:latin typeface="Menlo" panose="020B0609030804020204" pitchFamily="49" charset="0"/>
+              </a:rPr>
+              <a:t>+</a:t>
+            </a:r>
+            <a:br>
+              <a:rPr lang="en-GB" sz="900" dirty="0">
+                <a:solidFill>
+                  <a:srgbClr val="CED1CF"/>
+                </a:solidFill>
+                <a:effectLst/>
+                <a:latin typeface="Menlo" panose="020B0609030804020204" pitchFamily="49" charset="0"/>
+              </a:rPr>
+            </a:br>
+            <a:r>
+              <a:rPr lang="en-GB" sz="900" dirty="0">
+                <a:solidFill>
+                  <a:srgbClr val="CED1CF"/>
+                </a:solidFill>
+                <a:effectLst/>
+                <a:latin typeface="Menlo" panose="020B0609030804020204" pitchFamily="49" charset="0"/>
+              </a:rPr>
+              <a:t>                </a:t>
+            </a:r>
+            <a:r>
+              <a:rPr lang="en-GB" sz="900" dirty="0">
+                <a:solidFill>
+                  <a:srgbClr val="B5BD68"/>
+                </a:solidFill>
+                <a:effectLst/>
+                <a:latin typeface="Menlo" panose="020B0609030804020204" pitchFamily="49" charset="0"/>
+              </a:rPr>
+              <a:t>", food=" </a:t>
+            </a:r>
+            <a:r>
+              <a:rPr lang="en-GB" sz="900" dirty="0">
+                <a:solidFill>
+                  <a:srgbClr val="CED1CF"/>
+                </a:solidFill>
+                <a:effectLst/>
+                <a:latin typeface="Menlo" panose="020B0609030804020204" pitchFamily="49" charset="0"/>
+              </a:rPr>
+              <a:t>+ </a:t>
+            </a:r>
+            <a:r>
+              <a:rPr lang="en-GB" sz="900" dirty="0">
+                <a:solidFill>
+                  <a:srgbClr val="DE935F"/>
+                </a:solidFill>
+                <a:effectLst/>
+                <a:latin typeface="Menlo" panose="020B0609030804020204" pitchFamily="49" charset="0"/>
+              </a:rPr>
+              <a:t>food </a:t>
+            </a:r>
+            <a:r>
+              <a:rPr lang="en-GB" sz="900" dirty="0">
+                <a:solidFill>
+                  <a:srgbClr val="CED1CF"/>
+                </a:solidFill>
+                <a:effectLst/>
+                <a:latin typeface="Menlo" panose="020B0609030804020204" pitchFamily="49" charset="0"/>
+              </a:rPr>
+              <a:t>+</a:t>
+            </a:r>
+            <a:br>
+              <a:rPr lang="en-GB" sz="900" dirty="0">
+                <a:solidFill>
+                  <a:srgbClr val="CED1CF"/>
+                </a:solidFill>
+                <a:effectLst/>
+                <a:latin typeface="Menlo" panose="020B0609030804020204" pitchFamily="49" charset="0"/>
+              </a:rPr>
+            </a:br>
+            <a:r>
+              <a:rPr lang="en-GB" sz="900" dirty="0">
+                <a:solidFill>
+                  <a:srgbClr val="CED1CF"/>
+                </a:solidFill>
+                <a:effectLst/>
+                <a:latin typeface="Menlo" panose="020B0609030804020204" pitchFamily="49" charset="0"/>
+              </a:rPr>
+              <a:t>                </a:t>
+            </a:r>
+            <a:r>
+              <a:rPr lang="en-GB" sz="900" dirty="0">
+                <a:solidFill>
+                  <a:srgbClr val="B5BD68"/>
+                </a:solidFill>
+                <a:effectLst/>
+                <a:latin typeface="Menlo" panose="020B0609030804020204" pitchFamily="49" charset="0"/>
+              </a:rPr>
+              <a:t>'}'</a:t>
+            </a:r>
+            <a:r>
+              <a:rPr lang="en-GB" sz="900" dirty="0">
+                <a:solidFill>
+                  <a:srgbClr val="CED1CF"/>
+                </a:solidFill>
+                <a:effectLst/>
+                <a:latin typeface="Menlo" panose="020B0609030804020204" pitchFamily="49" charset="0"/>
+              </a:rPr>
+              <a:t>;</a:t>
+            </a:r>
+            <a:br>
+              <a:rPr lang="en-GB" sz="900" dirty="0">
+                <a:solidFill>
+                  <a:srgbClr val="CED1CF"/>
+                </a:solidFill>
+                <a:effectLst/>
+                <a:latin typeface="Menlo" panose="020B0609030804020204" pitchFamily="49" charset="0"/>
+              </a:rPr>
+            </a:br>
+            <a:r>
+              <a:rPr lang="en-GB" sz="900" dirty="0">
+                <a:solidFill>
+                  <a:srgbClr val="CED1CF"/>
+                </a:solidFill>
+                <a:effectLst/>
+                <a:latin typeface="Menlo" panose="020B0609030804020204" pitchFamily="49" charset="0"/>
+              </a:rPr>
+              <a:t>    </a:t>
+            </a:r>
+            <a:r>
+              <a:rPr lang="en-GB" sz="900" dirty="0">
+                <a:solidFill>
+                  <a:srgbClr val="0E7F8E"/>
+                </a:solidFill>
+                <a:effectLst/>
+                <a:latin typeface="Menlo" panose="020B0609030804020204" pitchFamily="49" charset="0"/>
+              </a:rPr>
+              <a:t>}</a:t>
+            </a:r>
+            <a:br>
+              <a:rPr lang="en-GB" sz="900" dirty="0">
+                <a:solidFill>
+                  <a:srgbClr val="0E7F8E"/>
+                </a:solidFill>
+                <a:effectLst/>
+                <a:latin typeface="Menlo" panose="020B0609030804020204" pitchFamily="49" charset="0"/>
+              </a:rPr>
+            </a:br>
+            <a:br>
+              <a:rPr lang="en-GB" sz="900" dirty="0">
+                <a:solidFill>
+                  <a:srgbClr val="0E7F8E"/>
+                </a:solidFill>
+                <a:effectLst/>
+                <a:latin typeface="Menlo" panose="020B0609030804020204" pitchFamily="49" charset="0"/>
+              </a:rPr>
+            </a:br>
+            <a:r>
+              <a:rPr lang="en-GB" sz="900" dirty="0">
+                <a:solidFill>
+                  <a:srgbClr val="0E7F8E"/>
+                </a:solidFill>
+                <a:effectLst/>
+                <a:latin typeface="Menlo" panose="020B0609030804020204" pitchFamily="49" charset="0"/>
+              </a:rPr>
+              <a:t>    </a:t>
+            </a:r>
+            <a:r>
+              <a:rPr lang="en-GB" sz="900" dirty="0">
+                <a:solidFill>
+                  <a:srgbClr val="B294BB"/>
+                </a:solidFill>
+                <a:effectLst/>
+                <a:latin typeface="Menlo" panose="020B0609030804020204" pitchFamily="49" charset="0"/>
+              </a:rPr>
+              <a:t>public static class </a:t>
+            </a:r>
+            <a:r>
+              <a:rPr lang="en-GB" sz="900" dirty="0" err="1">
+                <a:solidFill>
+                  <a:srgbClr val="F0C674"/>
+                </a:solidFill>
+                <a:effectLst/>
+                <a:latin typeface="Menlo" panose="020B0609030804020204" pitchFamily="49" charset="0"/>
+              </a:rPr>
+              <a:t>MonkeyBuilder</a:t>
+            </a:r>
+            <a:r>
+              <a:rPr lang="en-GB" sz="900" dirty="0">
+                <a:solidFill>
+                  <a:srgbClr val="F0C674"/>
+                </a:solidFill>
+                <a:effectLst/>
+                <a:latin typeface="Menlo" panose="020B0609030804020204" pitchFamily="49" charset="0"/>
+              </a:rPr>
+              <a:t> </a:t>
+            </a:r>
+            <a:r>
+              <a:rPr lang="en-GB" sz="900" dirty="0">
+                <a:solidFill>
+                  <a:srgbClr val="0E7F8E"/>
+                </a:solidFill>
+                <a:effectLst/>
+                <a:latin typeface="Menlo" panose="020B0609030804020204" pitchFamily="49" charset="0"/>
+              </a:rPr>
+              <a:t>{}</a:t>
+            </a:r>
+          </a:p>
+          <a:p>
+            <a:br>
+              <a:rPr lang="en-GB" sz="900" dirty="0">
+                <a:solidFill>
+                  <a:srgbClr val="0E7F8E"/>
+                </a:solidFill>
+                <a:effectLst/>
+                <a:latin typeface="Menlo" panose="020B0609030804020204" pitchFamily="49" charset="0"/>
+              </a:rPr>
+            </a:br>
+            <a:r>
+              <a:rPr lang="en-GB" sz="900" dirty="0">
+                <a:solidFill>
+                  <a:srgbClr val="0E7F8E"/>
+                </a:solidFill>
+                <a:effectLst/>
+                <a:latin typeface="Menlo" panose="020B0609030804020204" pitchFamily="49" charset="0"/>
+              </a:rPr>
+              <a:t>    </a:t>
+            </a:r>
+            <a:r>
+              <a:rPr lang="en-GB" sz="900" dirty="0">
+                <a:solidFill>
+                  <a:srgbClr val="B294BB"/>
+                </a:solidFill>
+                <a:effectLst/>
+                <a:latin typeface="Menlo" panose="020B0609030804020204" pitchFamily="49" charset="0"/>
+              </a:rPr>
+              <a:t>public </a:t>
+            </a:r>
+            <a:r>
+              <a:rPr lang="en-GB" sz="900" dirty="0" err="1">
+                <a:solidFill>
+                  <a:srgbClr val="B294BB"/>
+                </a:solidFill>
+                <a:effectLst/>
+                <a:latin typeface="Menlo" panose="020B0609030804020204" pitchFamily="49" charset="0"/>
+              </a:rPr>
+              <a:t>enum</a:t>
+            </a:r>
+            <a:r>
+              <a:rPr lang="en-GB" sz="900" dirty="0">
+                <a:solidFill>
+                  <a:srgbClr val="B294BB"/>
+                </a:solidFill>
+                <a:effectLst/>
+                <a:latin typeface="Menlo" panose="020B0609030804020204" pitchFamily="49" charset="0"/>
+              </a:rPr>
+              <a:t> </a:t>
+            </a:r>
+            <a:r>
+              <a:rPr lang="en-GB" sz="900" dirty="0">
+                <a:solidFill>
+                  <a:srgbClr val="94AE57"/>
+                </a:solidFill>
+                <a:effectLst/>
+                <a:latin typeface="Menlo" panose="020B0609030804020204" pitchFamily="49" charset="0"/>
+              </a:rPr>
+              <a:t>Food </a:t>
+            </a:r>
+            <a:r>
+              <a:rPr lang="en-GB" sz="900" dirty="0">
+                <a:solidFill>
+                  <a:srgbClr val="0E7F8E"/>
+                </a:solidFill>
+                <a:effectLst/>
+                <a:latin typeface="Menlo" panose="020B0609030804020204" pitchFamily="49" charset="0"/>
+              </a:rPr>
+              <a:t>{</a:t>
+            </a:r>
+            <a:br>
+              <a:rPr lang="en-GB" sz="900" dirty="0">
+                <a:solidFill>
+                  <a:srgbClr val="0E7F8E"/>
+                </a:solidFill>
+                <a:effectLst/>
+                <a:latin typeface="Menlo" panose="020B0609030804020204" pitchFamily="49" charset="0"/>
+              </a:rPr>
+            </a:br>
+            <a:r>
+              <a:rPr lang="en-GB" sz="900" dirty="0">
+                <a:solidFill>
+                  <a:srgbClr val="0E7F8E"/>
+                </a:solidFill>
+                <a:effectLst/>
+                <a:latin typeface="Menlo" panose="020B0609030804020204" pitchFamily="49" charset="0"/>
+              </a:rPr>
+              <a:t>        </a:t>
+            </a:r>
+            <a:r>
+              <a:rPr lang="en-GB" sz="900" b="1" i="1" dirty="0">
+                <a:solidFill>
+                  <a:srgbClr val="DE935F"/>
+                </a:solidFill>
+                <a:effectLst/>
+                <a:latin typeface="Menlo" panose="020B0609030804020204" pitchFamily="49" charset="0"/>
+              </a:rPr>
+              <a:t>BANANNA</a:t>
+            </a:r>
+            <a:r>
+              <a:rPr lang="en-GB" sz="900" dirty="0">
+                <a:solidFill>
+                  <a:srgbClr val="CED1CF"/>
+                </a:solidFill>
+                <a:effectLst/>
+                <a:latin typeface="Menlo" panose="020B0609030804020204" pitchFamily="49" charset="0"/>
+              </a:rPr>
+              <a:t>,</a:t>
+            </a:r>
+            <a:br>
+              <a:rPr lang="en-GB" sz="900" dirty="0">
+                <a:solidFill>
+                  <a:srgbClr val="CED1CF"/>
+                </a:solidFill>
+                <a:effectLst/>
+                <a:latin typeface="Menlo" panose="020B0609030804020204" pitchFamily="49" charset="0"/>
+              </a:rPr>
+            </a:br>
+            <a:r>
+              <a:rPr lang="en-GB" sz="900" dirty="0">
+                <a:solidFill>
+                  <a:srgbClr val="CED1CF"/>
+                </a:solidFill>
+                <a:effectLst/>
+                <a:latin typeface="Menlo" panose="020B0609030804020204" pitchFamily="49" charset="0"/>
+              </a:rPr>
+              <a:t>        </a:t>
+            </a:r>
+            <a:r>
+              <a:rPr lang="en-GB" sz="900" b="1" i="1" dirty="0">
+                <a:solidFill>
+                  <a:srgbClr val="DE935F"/>
+                </a:solidFill>
+                <a:effectLst/>
+                <a:latin typeface="Menlo" panose="020B0609030804020204" pitchFamily="49" charset="0"/>
+              </a:rPr>
+              <a:t>APPLE</a:t>
+            </a:r>
+            <a:br>
+              <a:rPr lang="en-GB" sz="900" b="1" i="1" dirty="0">
+                <a:solidFill>
+                  <a:srgbClr val="DE935F"/>
+                </a:solidFill>
+                <a:effectLst/>
+                <a:latin typeface="Menlo" panose="020B0609030804020204" pitchFamily="49" charset="0"/>
+              </a:rPr>
+            </a:br>
+            <a:r>
+              <a:rPr lang="en-GB" sz="900" b="1" i="1" dirty="0">
+                <a:solidFill>
+                  <a:srgbClr val="DE935F"/>
+                </a:solidFill>
+                <a:effectLst/>
+                <a:latin typeface="Menlo" panose="020B0609030804020204" pitchFamily="49" charset="0"/>
+              </a:rPr>
+              <a:t>    </a:t>
+            </a:r>
+            <a:r>
+              <a:rPr lang="en-GB" sz="900" dirty="0">
+                <a:solidFill>
+                  <a:srgbClr val="0E7F8E"/>
+                </a:solidFill>
+                <a:effectLst/>
+                <a:latin typeface="Menlo" panose="020B0609030804020204" pitchFamily="49" charset="0"/>
+              </a:rPr>
+              <a:t>}</a:t>
+            </a:r>
+            <a:br>
+              <a:rPr lang="en-GB" sz="900" dirty="0">
+                <a:solidFill>
+                  <a:srgbClr val="0E7F8E"/>
+                </a:solidFill>
+                <a:effectLst/>
+                <a:latin typeface="Menlo" panose="020B0609030804020204" pitchFamily="49" charset="0"/>
+              </a:rPr>
+            </a:br>
+            <a:br>
+              <a:rPr lang="en-GB" sz="900" dirty="0">
+                <a:solidFill>
+                  <a:srgbClr val="0E7F8E"/>
+                </a:solidFill>
+                <a:effectLst/>
+                <a:latin typeface="Menlo" panose="020B0609030804020204" pitchFamily="49" charset="0"/>
+              </a:rPr>
+            </a:br>
+            <a:r>
+              <a:rPr lang="en-GB" sz="900" dirty="0">
+                <a:solidFill>
+                  <a:srgbClr val="0E7F8E"/>
+                </a:solidFill>
+                <a:effectLst/>
+                <a:latin typeface="Menlo" panose="020B0609030804020204" pitchFamily="49" charset="0"/>
+              </a:rPr>
+              <a:t>    </a:t>
+            </a:r>
+            <a:r>
+              <a:rPr lang="en-GB" sz="900" dirty="0">
+                <a:solidFill>
+                  <a:srgbClr val="B294BB"/>
+                </a:solidFill>
+                <a:effectLst/>
+                <a:latin typeface="Menlo" panose="020B0609030804020204" pitchFamily="49" charset="0"/>
+              </a:rPr>
+              <a:t>public static void </a:t>
+            </a:r>
+            <a:r>
+              <a:rPr lang="en-GB" sz="900" dirty="0">
+                <a:solidFill>
+                  <a:srgbClr val="81A2BE"/>
+                </a:solidFill>
+                <a:effectLst/>
+                <a:latin typeface="Menlo" panose="020B0609030804020204" pitchFamily="49" charset="0"/>
+              </a:rPr>
+              <a:t>main</a:t>
+            </a:r>
+            <a:r>
+              <a:rPr lang="en-GB" sz="900" dirty="0">
+                <a:solidFill>
+                  <a:srgbClr val="C5C8C6"/>
+                </a:solidFill>
+                <a:effectLst/>
+                <a:latin typeface="Menlo" panose="020B0609030804020204" pitchFamily="49" charset="0"/>
+              </a:rPr>
+              <a:t>(</a:t>
+            </a:r>
+            <a:r>
+              <a:rPr lang="en-GB" sz="900" dirty="0">
+                <a:solidFill>
+                  <a:srgbClr val="F0C674"/>
+                </a:solidFill>
+                <a:effectLst/>
+                <a:latin typeface="Menlo" panose="020B0609030804020204" pitchFamily="49" charset="0"/>
+              </a:rPr>
+              <a:t>String</a:t>
+            </a:r>
+            <a:r>
+              <a:rPr lang="en-GB" sz="900" dirty="0">
+                <a:solidFill>
+                  <a:srgbClr val="C5C8C6"/>
+                </a:solidFill>
+                <a:effectLst/>
+                <a:latin typeface="Menlo" panose="020B0609030804020204" pitchFamily="49" charset="0"/>
+              </a:rPr>
+              <a:t>[] </a:t>
+            </a:r>
+            <a:r>
+              <a:rPr lang="en-GB" sz="900" dirty="0" err="1">
+                <a:solidFill>
+                  <a:srgbClr val="DE935F"/>
+                </a:solidFill>
+                <a:effectLst/>
+                <a:latin typeface="Menlo" panose="020B0609030804020204" pitchFamily="49" charset="0"/>
+              </a:rPr>
+              <a:t>args</a:t>
+            </a:r>
+            <a:r>
+              <a:rPr lang="en-GB" sz="900" dirty="0">
+                <a:solidFill>
+                  <a:srgbClr val="C5C8C6"/>
+                </a:solidFill>
+                <a:effectLst/>
+                <a:latin typeface="Menlo" panose="020B0609030804020204" pitchFamily="49" charset="0"/>
+              </a:rPr>
+              <a:t>) </a:t>
+            </a:r>
+            <a:r>
+              <a:rPr lang="en-GB" sz="900" dirty="0">
+                <a:solidFill>
+                  <a:srgbClr val="0E7F8E"/>
+                </a:solidFill>
+                <a:effectLst/>
+                <a:latin typeface="Menlo" panose="020B0609030804020204" pitchFamily="49" charset="0"/>
+              </a:rPr>
+              <a:t>{</a:t>
+            </a:r>
+            <a:br>
+              <a:rPr lang="en-GB" sz="900" dirty="0">
+                <a:solidFill>
+                  <a:srgbClr val="0E7F8E"/>
+                </a:solidFill>
+                <a:effectLst/>
+                <a:latin typeface="Menlo" panose="020B0609030804020204" pitchFamily="49" charset="0"/>
+              </a:rPr>
+            </a:br>
+            <a:r>
+              <a:rPr lang="en-GB" sz="900" dirty="0">
+                <a:solidFill>
+                  <a:srgbClr val="0E7F8E"/>
+                </a:solidFill>
+                <a:effectLst/>
+                <a:latin typeface="Menlo" panose="020B0609030804020204" pitchFamily="49" charset="0"/>
+              </a:rPr>
+              <a:t>        </a:t>
+            </a:r>
+            <a:r>
+              <a:rPr lang="en-GB" sz="900" dirty="0">
+                <a:solidFill>
+                  <a:srgbClr val="F0C674"/>
+                </a:solidFill>
+                <a:effectLst/>
+                <a:latin typeface="Menlo" panose="020B0609030804020204" pitchFamily="49" charset="0"/>
+              </a:rPr>
+              <a:t>Monkey </a:t>
+            </a:r>
+            <a:r>
+              <a:rPr lang="en-GB" sz="900" dirty="0">
+                <a:solidFill>
+                  <a:srgbClr val="C5C8C6"/>
+                </a:solidFill>
+                <a:effectLst/>
+                <a:latin typeface="Menlo" panose="020B0609030804020204" pitchFamily="49" charset="0"/>
+              </a:rPr>
+              <a:t>monkey </a:t>
+            </a:r>
+            <a:r>
+              <a:rPr lang="en-GB" sz="900" dirty="0">
+                <a:solidFill>
+                  <a:srgbClr val="CED1CF"/>
+                </a:solidFill>
+                <a:effectLst/>
+                <a:latin typeface="Menlo" panose="020B0609030804020204" pitchFamily="49" charset="0"/>
+              </a:rPr>
+              <a:t>= </a:t>
+            </a:r>
+            <a:r>
+              <a:rPr lang="en-GB" sz="900" dirty="0" err="1">
+                <a:solidFill>
+                  <a:srgbClr val="F0C674"/>
+                </a:solidFill>
+                <a:effectLst/>
+                <a:latin typeface="Menlo" panose="020B0609030804020204" pitchFamily="49" charset="0"/>
+              </a:rPr>
+              <a:t>Monkey</a:t>
+            </a:r>
+            <a:r>
+              <a:rPr lang="en-GB" sz="900" dirty="0" err="1">
+                <a:solidFill>
+                  <a:srgbClr val="CED1CF"/>
+                </a:solidFill>
+                <a:effectLst/>
+                <a:latin typeface="Menlo" panose="020B0609030804020204" pitchFamily="49" charset="0"/>
+              </a:rPr>
+              <a:t>.</a:t>
+            </a:r>
+            <a:r>
+              <a:rPr lang="en-GB" sz="900" i="1" dirty="0" err="1">
+                <a:solidFill>
+                  <a:srgbClr val="CC6666"/>
+                </a:solidFill>
+                <a:effectLst/>
+                <a:latin typeface="Menlo" panose="020B0609030804020204" pitchFamily="49" charset="0"/>
+              </a:rPr>
+              <a:t>builder</a:t>
+            </a:r>
+            <a:r>
+              <a:rPr lang="en-GB" sz="900" dirty="0">
+                <a:solidFill>
+                  <a:srgbClr val="C5C8C6"/>
+                </a:solidFill>
+                <a:effectLst/>
+                <a:latin typeface="Menlo" panose="020B0609030804020204" pitchFamily="49" charset="0"/>
+              </a:rPr>
+              <a:t>()</a:t>
+            </a:r>
+            <a:br>
+              <a:rPr lang="en-GB" sz="900" dirty="0">
+                <a:solidFill>
+                  <a:srgbClr val="C5C8C6"/>
+                </a:solidFill>
+                <a:effectLst/>
+                <a:latin typeface="Menlo" panose="020B0609030804020204" pitchFamily="49" charset="0"/>
+              </a:rPr>
+            </a:br>
+            <a:r>
+              <a:rPr lang="en-GB" sz="900" dirty="0">
+                <a:solidFill>
+                  <a:srgbClr val="C5C8C6"/>
+                </a:solidFill>
+                <a:effectLst/>
+                <a:latin typeface="Menlo" panose="020B0609030804020204" pitchFamily="49" charset="0"/>
+              </a:rPr>
+              <a:t>                </a:t>
+            </a:r>
+            <a:r>
+              <a:rPr lang="en-GB" sz="900" dirty="0">
+                <a:solidFill>
+                  <a:srgbClr val="CED1CF"/>
+                </a:solidFill>
+                <a:effectLst/>
+                <a:latin typeface="Menlo" panose="020B0609030804020204" pitchFamily="49" charset="0"/>
+              </a:rPr>
+              <a:t>.</a:t>
+            </a:r>
+            <a:r>
+              <a:rPr lang="en-GB" sz="900" dirty="0">
+                <a:solidFill>
+                  <a:srgbClr val="C5C8C6"/>
+                </a:solidFill>
+                <a:effectLst/>
+                <a:latin typeface="Menlo" panose="020B0609030804020204" pitchFamily="49" charset="0"/>
+              </a:rPr>
+              <a:t>age(</a:t>
+            </a:r>
+            <a:r>
+              <a:rPr lang="en-GB" sz="900" dirty="0">
+                <a:solidFill>
+                  <a:srgbClr val="8ABEB7"/>
+                </a:solidFill>
+                <a:effectLst/>
+                <a:latin typeface="Menlo" panose="020B0609030804020204" pitchFamily="49" charset="0"/>
+              </a:rPr>
+              <a:t>2</a:t>
+            </a:r>
+            <a:r>
+              <a:rPr lang="en-GB" sz="900" dirty="0">
+                <a:solidFill>
+                  <a:srgbClr val="C5C8C6"/>
+                </a:solidFill>
+                <a:effectLst/>
+                <a:latin typeface="Menlo" panose="020B0609030804020204" pitchFamily="49" charset="0"/>
+              </a:rPr>
+              <a:t>)</a:t>
+            </a:r>
+            <a:br>
+              <a:rPr lang="en-GB" sz="900" dirty="0">
+                <a:solidFill>
+                  <a:srgbClr val="C5C8C6"/>
+                </a:solidFill>
+                <a:effectLst/>
+                <a:latin typeface="Menlo" panose="020B0609030804020204" pitchFamily="49" charset="0"/>
+              </a:rPr>
+            </a:br>
+            <a:r>
+              <a:rPr lang="en-GB" sz="900" dirty="0">
+                <a:solidFill>
+                  <a:srgbClr val="C5C8C6"/>
+                </a:solidFill>
+                <a:effectLst/>
+                <a:latin typeface="Menlo" panose="020B0609030804020204" pitchFamily="49" charset="0"/>
+              </a:rPr>
+              <a:t>                </a:t>
+            </a:r>
+            <a:r>
+              <a:rPr lang="en-GB" sz="900" dirty="0">
+                <a:solidFill>
+                  <a:srgbClr val="CED1CF"/>
+                </a:solidFill>
+                <a:effectLst/>
+                <a:latin typeface="Menlo" panose="020B0609030804020204" pitchFamily="49" charset="0"/>
+              </a:rPr>
+              <a:t>.</a:t>
+            </a:r>
+            <a:r>
+              <a:rPr lang="en-GB" sz="900" dirty="0">
+                <a:solidFill>
+                  <a:srgbClr val="C5C8C6"/>
+                </a:solidFill>
+                <a:effectLst/>
+                <a:latin typeface="Menlo" panose="020B0609030804020204" pitchFamily="49" charset="0"/>
+              </a:rPr>
+              <a:t>name(</a:t>
+            </a:r>
+            <a:r>
+              <a:rPr lang="en-GB" sz="900" dirty="0">
+                <a:solidFill>
+                  <a:srgbClr val="B5BD68"/>
+                </a:solidFill>
+                <a:effectLst/>
+                <a:latin typeface="Menlo" panose="020B0609030804020204" pitchFamily="49" charset="0"/>
+              </a:rPr>
+              <a:t>"Coco"</a:t>
+            </a:r>
+            <a:r>
+              <a:rPr lang="en-GB" sz="900" dirty="0">
+                <a:solidFill>
+                  <a:srgbClr val="C5C8C6"/>
+                </a:solidFill>
+                <a:effectLst/>
+                <a:latin typeface="Menlo" panose="020B0609030804020204" pitchFamily="49" charset="0"/>
+              </a:rPr>
+              <a:t>)</a:t>
+            </a:r>
+            <a:br>
+              <a:rPr lang="en-GB" sz="900" dirty="0">
+                <a:solidFill>
+                  <a:srgbClr val="C5C8C6"/>
+                </a:solidFill>
+                <a:effectLst/>
+                <a:latin typeface="Menlo" panose="020B0609030804020204" pitchFamily="49" charset="0"/>
+              </a:rPr>
+            </a:br>
+            <a:r>
+              <a:rPr lang="en-GB" sz="900" dirty="0">
+                <a:solidFill>
+                  <a:srgbClr val="C5C8C6"/>
+                </a:solidFill>
+                <a:effectLst/>
+                <a:latin typeface="Menlo" panose="020B0609030804020204" pitchFamily="49" charset="0"/>
+              </a:rPr>
+              <a:t>                </a:t>
+            </a:r>
+            <a:r>
+              <a:rPr lang="en-GB" sz="900" dirty="0">
+                <a:solidFill>
+                  <a:srgbClr val="CED1CF"/>
+                </a:solidFill>
+                <a:effectLst/>
+                <a:latin typeface="Menlo" panose="020B0609030804020204" pitchFamily="49" charset="0"/>
+              </a:rPr>
+              <a:t>.</a:t>
+            </a:r>
+            <a:r>
+              <a:rPr lang="en-GB" sz="900" dirty="0">
+                <a:solidFill>
+                  <a:srgbClr val="C5C8C6"/>
+                </a:solidFill>
+                <a:effectLst/>
+                <a:latin typeface="Menlo" panose="020B0609030804020204" pitchFamily="49" charset="0"/>
+              </a:rPr>
+              <a:t>food(</a:t>
+            </a:r>
+            <a:r>
+              <a:rPr lang="en-GB" sz="900" dirty="0" err="1">
+                <a:solidFill>
+                  <a:srgbClr val="94AE57"/>
+                </a:solidFill>
+                <a:effectLst/>
+                <a:latin typeface="Menlo" panose="020B0609030804020204" pitchFamily="49" charset="0"/>
+              </a:rPr>
+              <a:t>Food</a:t>
+            </a:r>
+            <a:r>
+              <a:rPr lang="en-GB" sz="900" dirty="0" err="1">
+                <a:solidFill>
+                  <a:srgbClr val="CED1CF"/>
+                </a:solidFill>
+                <a:effectLst/>
+                <a:latin typeface="Menlo" panose="020B0609030804020204" pitchFamily="49" charset="0"/>
+              </a:rPr>
+              <a:t>.</a:t>
+            </a:r>
+            <a:r>
+              <a:rPr lang="en-GB" sz="900" b="1" i="1" dirty="0" err="1">
+                <a:solidFill>
+                  <a:srgbClr val="DE935F"/>
+                </a:solidFill>
+                <a:effectLst/>
+                <a:latin typeface="Menlo" panose="020B0609030804020204" pitchFamily="49" charset="0"/>
+              </a:rPr>
+              <a:t>APPLE</a:t>
+            </a:r>
+            <a:r>
+              <a:rPr lang="en-GB" sz="900" dirty="0">
+                <a:solidFill>
+                  <a:srgbClr val="C5C8C6"/>
+                </a:solidFill>
+                <a:effectLst/>
+                <a:latin typeface="Menlo" panose="020B0609030804020204" pitchFamily="49" charset="0"/>
+              </a:rPr>
+              <a:t>)</a:t>
+            </a:r>
+            <a:br>
+              <a:rPr lang="en-GB" sz="900" dirty="0">
+                <a:solidFill>
+                  <a:srgbClr val="C5C8C6"/>
+                </a:solidFill>
+                <a:effectLst/>
+                <a:latin typeface="Menlo" panose="020B0609030804020204" pitchFamily="49" charset="0"/>
+              </a:rPr>
+            </a:br>
+            <a:r>
+              <a:rPr lang="en-GB" sz="900" dirty="0">
+                <a:solidFill>
+                  <a:srgbClr val="C5C8C6"/>
+                </a:solidFill>
+                <a:effectLst/>
+                <a:latin typeface="Menlo" panose="020B0609030804020204" pitchFamily="49" charset="0"/>
+              </a:rPr>
+              <a:t>                </a:t>
+            </a:r>
+            <a:r>
+              <a:rPr lang="en-GB" sz="900" dirty="0">
+                <a:solidFill>
+                  <a:srgbClr val="CED1CF"/>
+                </a:solidFill>
+                <a:effectLst/>
+                <a:latin typeface="Menlo" panose="020B0609030804020204" pitchFamily="49" charset="0"/>
+              </a:rPr>
+              <a:t>.</a:t>
+            </a:r>
+            <a:r>
+              <a:rPr lang="en-GB" sz="900" dirty="0">
+                <a:solidFill>
+                  <a:srgbClr val="C5C8C6"/>
+                </a:solidFill>
+                <a:effectLst/>
+                <a:latin typeface="Menlo" panose="020B0609030804020204" pitchFamily="49" charset="0"/>
+              </a:rPr>
+              <a:t>build()</a:t>
+            </a:r>
+            <a:r>
+              <a:rPr lang="en-GB" sz="900" dirty="0">
+                <a:solidFill>
+                  <a:srgbClr val="CED1CF"/>
+                </a:solidFill>
+                <a:effectLst/>
+                <a:latin typeface="Menlo" panose="020B0609030804020204" pitchFamily="49" charset="0"/>
+              </a:rPr>
+              <a:t>;</a:t>
+            </a:r>
+            <a:br>
+              <a:rPr lang="en-GB" sz="900" dirty="0">
+                <a:solidFill>
+                  <a:srgbClr val="CED1CF"/>
+                </a:solidFill>
+                <a:effectLst/>
+                <a:latin typeface="Menlo" panose="020B0609030804020204" pitchFamily="49" charset="0"/>
+              </a:rPr>
+            </a:br>
+            <a:r>
+              <a:rPr lang="en-GB" sz="900" dirty="0">
+                <a:solidFill>
+                  <a:srgbClr val="CED1CF"/>
+                </a:solidFill>
+                <a:effectLst/>
+                <a:latin typeface="Menlo" panose="020B0609030804020204" pitchFamily="49" charset="0"/>
+              </a:rPr>
+              <a:t>        </a:t>
+            </a:r>
+            <a:r>
+              <a:rPr lang="en-GB" sz="900" dirty="0" err="1">
+                <a:solidFill>
+                  <a:srgbClr val="F0C674"/>
+                </a:solidFill>
+                <a:effectLst/>
+                <a:latin typeface="Menlo" panose="020B0609030804020204" pitchFamily="49" charset="0"/>
+              </a:rPr>
+              <a:t>System</a:t>
+            </a:r>
+            <a:r>
+              <a:rPr lang="en-GB" sz="900" dirty="0" err="1">
+                <a:solidFill>
+                  <a:srgbClr val="CED1CF"/>
+                </a:solidFill>
+                <a:effectLst/>
+                <a:latin typeface="Menlo" panose="020B0609030804020204" pitchFamily="49" charset="0"/>
+              </a:rPr>
+              <a:t>.</a:t>
+            </a:r>
+            <a:r>
+              <a:rPr lang="en-GB" sz="900" b="1" i="1" dirty="0" err="1">
+                <a:solidFill>
+                  <a:srgbClr val="DE935F"/>
+                </a:solidFill>
+                <a:effectLst/>
+                <a:latin typeface="Menlo" panose="020B0609030804020204" pitchFamily="49" charset="0"/>
+              </a:rPr>
+              <a:t>out</a:t>
+            </a:r>
+            <a:r>
+              <a:rPr lang="en-GB" sz="900" dirty="0" err="1">
+                <a:solidFill>
+                  <a:srgbClr val="CED1CF"/>
+                </a:solidFill>
+                <a:effectLst/>
+                <a:latin typeface="Menlo" panose="020B0609030804020204" pitchFamily="49" charset="0"/>
+              </a:rPr>
+              <a:t>.</a:t>
+            </a:r>
+            <a:r>
+              <a:rPr lang="en-GB" sz="900" dirty="0" err="1">
+                <a:solidFill>
+                  <a:srgbClr val="C5C8C6"/>
+                </a:solidFill>
+                <a:effectLst/>
+                <a:latin typeface="Menlo" panose="020B0609030804020204" pitchFamily="49" charset="0"/>
+              </a:rPr>
+              <a:t>println</a:t>
+            </a:r>
+            <a:r>
+              <a:rPr lang="en-GB" sz="900" dirty="0">
+                <a:solidFill>
+                  <a:srgbClr val="C5C8C6"/>
+                </a:solidFill>
+                <a:effectLst/>
+                <a:latin typeface="Menlo" panose="020B0609030804020204" pitchFamily="49" charset="0"/>
+              </a:rPr>
+              <a:t>(</a:t>
+            </a:r>
+            <a:r>
+              <a:rPr lang="en-GB" sz="900" dirty="0">
+                <a:solidFill>
+                  <a:srgbClr val="B5BD68"/>
+                </a:solidFill>
+                <a:effectLst/>
+                <a:latin typeface="Menlo" panose="020B0609030804020204" pitchFamily="49" charset="0"/>
+              </a:rPr>
+              <a:t>"Monkey -&gt; " </a:t>
+            </a:r>
+            <a:r>
+              <a:rPr lang="en-GB" sz="900" dirty="0">
+                <a:solidFill>
+                  <a:srgbClr val="CED1CF"/>
+                </a:solidFill>
+                <a:effectLst/>
+                <a:latin typeface="Menlo" panose="020B0609030804020204" pitchFamily="49" charset="0"/>
+              </a:rPr>
+              <a:t>+ </a:t>
+            </a:r>
+            <a:r>
+              <a:rPr lang="en-GB" sz="900" dirty="0">
+                <a:solidFill>
+                  <a:srgbClr val="C5C8C6"/>
+                </a:solidFill>
+                <a:effectLst/>
+                <a:latin typeface="Menlo" panose="020B0609030804020204" pitchFamily="49" charset="0"/>
+              </a:rPr>
+              <a:t>monkey)</a:t>
+            </a:r>
+            <a:r>
+              <a:rPr lang="en-GB" sz="900" dirty="0">
+                <a:solidFill>
+                  <a:srgbClr val="CED1CF"/>
+                </a:solidFill>
+                <a:effectLst/>
+                <a:latin typeface="Menlo" panose="020B0609030804020204" pitchFamily="49" charset="0"/>
+              </a:rPr>
+              <a:t>;</a:t>
+            </a:r>
+            <a:br>
+              <a:rPr lang="en-GB" sz="900" dirty="0">
+                <a:solidFill>
+                  <a:srgbClr val="CED1CF"/>
+                </a:solidFill>
+                <a:effectLst/>
+                <a:latin typeface="Menlo" panose="020B0609030804020204" pitchFamily="49" charset="0"/>
+              </a:rPr>
+            </a:br>
+            <a:r>
+              <a:rPr lang="en-GB" sz="900" dirty="0">
+                <a:solidFill>
+                  <a:srgbClr val="CED1CF"/>
+                </a:solidFill>
+                <a:effectLst/>
+                <a:latin typeface="Menlo" panose="020B0609030804020204" pitchFamily="49" charset="0"/>
+              </a:rPr>
+              <a:t>    </a:t>
+            </a:r>
+            <a:r>
+              <a:rPr lang="en-GB" sz="900" dirty="0">
+                <a:solidFill>
+                  <a:srgbClr val="0E7F8E"/>
+                </a:solidFill>
+                <a:effectLst/>
+                <a:latin typeface="Menlo" panose="020B0609030804020204" pitchFamily="49" charset="0"/>
+              </a:rPr>
+              <a:t>}</a:t>
+            </a:r>
+            <a:br>
+              <a:rPr lang="en-GB" sz="900" dirty="0">
+                <a:solidFill>
+                  <a:srgbClr val="0E7F8E"/>
+                </a:solidFill>
+                <a:effectLst/>
+                <a:latin typeface="Menlo" panose="020B0609030804020204" pitchFamily="49" charset="0"/>
+              </a:rPr>
+            </a:br>
+            <a:r>
+              <a:rPr lang="en-GB" sz="900" dirty="0">
+                <a:solidFill>
+                  <a:srgbClr val="C5C8C6"/>
+                </a:solidFill>
+                <a:effectLst/>
+                <a:latin typeface="Menlo" panose="020B0609030804020204" pitchFamily="49" charset="0"/>
+              </a:rPr>
+              <a:t>}</a:t>
+            </a:r>
+          </a:p>
+        </p:txBody>
+      </p:sp>
+      <p:sp>
+        <p:nvSpPr>
+          <p:cNvPr id="6" name="TextBox 5">
+            <a:extLst>
+              <a:ext uri="{FF2B5EF4-FFF2-40B4-BE49-F238E27FC236}">
+                <a16:creationId xmlns:a16="http://schemas.microsoft.com/office/drawing/2014/main" id="{50FBC7EB-029D-5263-6D33-4D027F826DF9}"/>
+              </a:ext>
+            </a:extLst>
+          </p:cNvPr>
+          <p:cNvSpPr txBox="1"/>
+          <p:nvPr/>
+        </p:nvSpPr>
+        <p:spPr>
+          <a:xfrm>
+            <a:off x="6456042" y="1373571"/>
+            <a:ext cx="3744416" cy="4401205"/>
+          </a:xfrm>
+          <a:prstGeom prst="rect">
+            <a:avLst/>
+          </a:prstGeom>
+          <a:noFill/>
+          <a:ln>
+            <a:solidFill>
+              <a:srgbClr val="FF2F92"/>
+            </a:solidFill>
+          </a:ln>
+        </p:spPr>
+        <p:txBody>
+          <a:bodyPr wrap="square">
+            <a:spAutoFit/>
+          </a:bodyPr>
+          <a:lstStyle/>
+          <a:p>
+            <a:r>
+              <a:rPr lang="en-GB" sz="1000" dirty="0">
+                <a:solidFill>
+                  <a:srgbClr val="B294BB"/>
+                </a:solidFill>
+                <a:effectLst/>
+                <a:latin typeface="Menlo" panose="020B0609030804020204" pitchFamily="49" charset="0"/>
+              </a:rPr>
+              <a:t>public static class </a:t>
+            </a:r>
+            <a:r>
+              <a:rPr lang="en-GB" sz="1000" dirty="0" err="1">
+                <a:solidFill>
+                  <a:srgbClr val="F0C674"/>
+                </a:solidFill>
+                <a:effectLst/>
+                <a:latin typeface="Menlo" panose="020B0609030804020204" pitchFamily="49" charset="0"/>
+              </a:rPr>
+              <a:t>MonkeyBuilder</a:t>
+            </a:r>
+            <a:r>
+              <a:rPr lang="en-GB" sz="1000" dirty="0">
+                <a:solidFill>
+                  <a:srgbClr val="F0C674"/>
+                </a:solidFill>
+                <a:effectLst/>
+                <a:latin typeface="Menlo" panose="020B0609030804020204" pitchFamily="49" charset="0"/>
+              </a:rPr>
+              <a:t> </a:t>
+            </a:r>
+            <a:r>
+              <a:rPr lang="en-GB" sz="1000" dirty="0">
+                <a:solidFill>
+                  <a:srgbClr val="0E7F8E"/>
+                </a:solidFill>
+                <a:effectLst/>
+                <a:latin typeface="Menlo" panose="020B0609030804020204" pitchFamily="49" charset="0"/>
+              </a:rPr>
+              <a:t>{</a:t>
+            </a:r>
+            <a:br>
+              <a:rPr lang="en-GB" sz="1000" dirty="0">
+                <a:solidFill>
+                  <a:srgbClr val="0E7F8E"/>
+                </a:solidFill>
+                <a:effectLst/>
+                <a:latin typeface="Menlo" panose="020B0609030804020204" pitchFamily="49" charset="0"/>
+              </a:rPr>
+            </a:br>
+            <a:r>
+              <a:rPr lang="en-GB" sz="1000" dirty="0">
+                <a:solidFill>
+                  <a:srgbClr val="0E7F8E"/>
+                </a:solidFill>
+                <a:effectLst/>
+                <a:latin typeface="Menlo" panose="020B0609030804020204" pitchFamily="49" charset="0"/>
+              </a:rPr>
+              <a:t>    </a:t>
+            </a:r>
+            <a:r>
+              <a:rPr lang="en-GB" sz="1000" dirty="0">
+                <a:solidFill>
+                  <a:srgbClr val="B294BB"/>
+                </a:solidFill>
+                <a:effectLst/>
+                <a:latin typeface="Menlo" panose="020B0609030804020204" pitchFamily="49" charset="0"/>
+              </a:rPr>
+              <a:t>private </a:t>
+            </a:r>
+            <a:r>
+              <a:rPr lang="en-GB" sz="1000" dirty="0">
+                <a:solidFill>
+                  <a:srgbClr val="F0C674"/>
+                </a:solidFill>
+                <a:effectLst/>
+                <a:latin typeface="Menlo" panose="020B0609030804020204" pitchFamily="49" charset="0"/>
+              </a:rPr>
+              <a:t>String </a:t>
+            </a:r>
+            <a:r>
+              <a:rPr lang="en-GB" sz="1000" dirty="0">
+                <a:solidFill>
+                  <a:srgbClr val="DE935F"/>
+                </a:solidFill>
+                <a:effectLst/>
+                <a:latin typeface="Menlo" panose="020B0609030804020204" pitchFamily="49" charset="0"/>
+              </a:rPr>
+              <a:t>name</a:t>
+            </a:r>
+            <a:r>
+              <a:rPr lang="en-GB" sz="1000" dirty="0">
+                <a:solidFill>
+                  <a:srgbClr val="CED1CF"/>
+                </a:solidFill>
+                <a:effectLst/>
+                <a:latin typeface="Menlo" panose="020B0609030804020204" pitchFamily="49" charset="0"/>
+              </a:rPr>
+              <a:t>;</a:t>
+            </a:r>
+            <a:br>
+              <a:rPr lang="en-GB" sz="1000" dirty="0">
+                <a:solidFill>
+                  <a:srgbClr val="CED1CF"/>
+                </a:solidFill>
+                <a:effectLst/>
+                <a:latin typeface="Menlo" panose="020B0609030804020204" pitchFamily="49" charset="0"/>
+              </a:rPr>
+            </a:br>
+            <a:r>
+              <a:rPr lang="en-GB" sz="1000" dirty="0">
+                <a:solidFill>
+                  <a:srgbClr val="CED1CF"/>
+                </a:solidFill>
+                <a:effectLst/>
+                <a:latin typeface="Menlo" panose="020B0609030804020204" pitchFamily="49" charset="0"/>
+              </a:rPr>
+              <a:t>    </a:t>
+            </a:r>
+            <a:r>
+              <a:rPr lang="en-GB" sz="1000" dirty="0">
+                <a:solidFill>
+                  <a:srgbClr val="B294BB"/>
+                </a:solidFill>
+                <a:effectLst/>
+                <a:latin typeface="Menlo" panose="020B0609030804020204" pitchFamily="49" charset="0"/>
+              </a:rPr>
+              <a:t>private int </a:t>
+            </a:r>
+            <a:r>
+              <a:rPr lang="en-GB" sz="1000" dirty="0">
+                <a:solidFill>
+                  <a:srgbClr val="DE935F"/>
+                </a:solidFill>
+                <a:effectLst/>
+                <a:latin typeface="Menlo" panose="020B0609030804020204" pitchFamily="49" charset="0"/>
+              </a:rPr>
+              <a:t>age</a:t>
+            </a:r>
+            <a:r>
+              <a:rPr lang="en-GB" sz="1000" dirty="0">
+                <a:solidFill>
+                  <a:srgbClr val="CED1CF"/>
+                </a:solidFill>
+                <a:effectLst/>
+                <a:latin typeface="Menlo" panose="020B0609030804020204" pitchFamily="49" charset="0"/>
+              </a:rPr>
+              <a:t>;</a:t>
+            </a:r>
+            <a:br>
+              <a:rPr lang="en-GB" sz="1000" dirty="0">
+                <a:solidFill>
+                  <a:srgbClr val="CED1CF"/>
+                </a:solidFill>
+                <a:effectLst/>
+                <a:latin typeface="Menlo" panose="020B0609030804020204" pitchFamily="49" charset="0"/>
+              </a:rPr>
+            </a:br>
+            <a:r>
+              <a:rPr lang="en-GB" sz="1000" dirty="0">
+                <a:solidFill>
+                  <a:srgbClr val="CED1CF"/>
+                </a:solidFill>
+                <a:effectLst/>
+                <a:latin typeface="Menlo" panose="020B0609030804020204" pitchFamily="49" charset="0"/>
+              </a:rPr>
+              <a:t>    </a:t>
+            </a:r>
+            <a:r>
+              <a:rPr lang="en-GB" sz="1000" dirty="0">
+                <a:solidFill>
+                  <a:srgbClr val="B294BB"/>
+                </a:solidFill>
+                <a:effectLst/>
+                <a:latin typeface="Menlo" panose="020B0609030804020204" pitchFamily="49" charset="0"/>
+              </a:rPr>
+              <a:t>private </a:t>
+            </a:r>
+            <a:r>
+              <a:rPr lang="en-GB" sz="1000" dirty="0">
+                <a:solidFill>
+                  <a:srgbClr val="94AE57"/>
+                </a:solidFill>
+                <a:effectLst/>
+                <a:latin typeface="Menlo" panose="020B0609030804020204" pitchFamily="49" charset="0"/>
+              </a:rPr>
+              <a:t>Food </a:t>
+            </a:r>
+            <a:r>
+              <a:rPr lang="en-GB" sz="1000" dirty="0">
+                <a:solidFill>
+                  <a:srgbClr val="DE935F"/>
+                </a:solidFill>
+                <a:effectLst/>
+                <a:latin typeface="Menlo" panose="020B0609030804020204" pitchFamily="49" charset="0"/>
+              </a:rPr>
+              <a:t>food</a:t>
+            </a:r>
+            <a:r>
+              <a:rPr lang="en-GB" sz="1000" dirty="0">
+                <a:solidFill>
+                  <a:srgbClr val="CED1CF"/>
+                </a:solidFill>
+                <a:effectLst/>
+                <a:latin typeface="Menlo" panose="020B0609030804020204" pitchFamily="49" charset="0"/>
+              </a:rPr>
+              <a:t>;</a:t>
+            </a:r>
+            <a:br>
+              <a:rPr lang="en-GB" sz="1000" dirty="0">
+                <a:solidFill>
+                  <a:srgbClr val="CED1CF"/>
+                </a:solidFill>
+                <a:effectLst/>
+                <a:latin typeface="Menlo" panose="020B0609030804020204" pitchFamily="49" charset="0"/>
+              </a:rPr>
+            </a:br>
+            <a:br>
+              <a:rPr lang="en-GB" sz="1000" dirty="0">
+                <a:solidFill>
+                  <a:srgbClr val="CED1CF"/>
+                </a:solidFill>
+                <a:effectLst/>
+                <a:latin typeface="Menlo" panose="020B0609030804020204" pitchFamily="49" charset="0"/>
+              </a:rPr>
+            </a:br>
+            <a:r>
+              <a:rPr lang="en-GB" sz="1000" dirty="0">
+                <a:solidFill>
+                  <a:srgbClr val="CED1CF"/>
+                </a:solidFill>
+                <a:effectLst/>
+                <a:latin typeface="Menlo" panose="020B0609030804020204" pitchFamily="49" charset="0"/>
+              </a:rPr>
+              <a:t>    </a:t>
+            </a:r>
+            <a:r>
+              <a:rPr lang="en-GB" sz="1000" dirty="0">
+                <a:solidFill>
+                  <a:srgbClr val="B294BB"/>
+                </a:solidFill>
+                <a:effectLst/>
+                <a:latin typeface="Menlo" panose="020B0609030804020204" pitchFamily="49" charset="0"/>
+              </a:rPr>
+              <a:t>public </a:t>
+            </a:r>
+            <a:r>
+              <a:rPr lang="en-GB" sz="1000" dirty="0" err="1">
+                <a:solidFill>
+                  <a:srgbClr val="F0C674"/>
+                </a:solidFill>
+                <a:effectLst/>
+                <a:latin typeface="Menlo" panose="020B0609030804020204" pitchFamily="49" charset="0"/>
+              </a:rPr>
+              <a:t>MonkeyBuilder</a:t>
+            </a:r>
+            <a:r>
+              <a:rPr lang="en-GB" sz="1000" dirty="0">
+                <a:solidFill>
+                  <a:srgbClr val="F0C674"/>
+                </a:solidFill>
+                <a:effectLst/>
+                <a:latin typeface="Menlo" panose="020B0609030804020204" pitchFamily="49" charset="0"/>
+              </a:rPr>
+              <a:t> </a:t>
+            </a:r>
+            <a:r>
+              <a:rPr lang="en-GB" sz="1000" dirty="0">
+                <a:solidFill>
+                  <a:srgbClr val="81A2BE"/>
+                </a:solidFill>
+                <a:effectLst/>
+                <a:latin typeface="Menlo" panose="020B0609030804020204" pitchFamily="49" charset="0"/>
+              </a:rPr>
+              <a:t>name</a:t>
+            </a:r>
+            <a:r>
+              <a:rPr lang="en-GB" sz="1000" dirty="0">
+                <a:solidFill>
+                  <a:srgbClr val="C5C8C6"/>
+                </a:solidFill>
+                <a:effectLst/>
+                <a:latin typeface="Menlo" panose="020B0609030804020204" pitchFamily="49" charset="0"/>
+              </a:rPr>
+              <a:t>(</a:t>
+            </a:r>
+            <a:r>
+              <a:rPr lang="en-GB" sz="1000" dirty="0">
+                <a:solidFill>
+                  <a:srgbClr val="F0C674"/>
+                </a:solidFill>
+                <a:effectLst/>
+                <a:latin typeface="Menlo" panose="020B0609030804020204" pitchFamily="49" charset="0"/>
+              </a:rPr>
+              <a:t>String </a:t>
+            </a:r>
+            <a:r>
+              <a:rPr lang="en-GB" sz="1000" dirty="0">
+                <a:solidFill>
+                  <a:srgbClr val="DE935F"/>
+                </a:solidFill>
+                <a:effectLst/>
+                <a:latin typeface="Menlo" panose="020B0609030804020204" pitchFamily="49" charset="0"/>
+              </a:rPr>
+              <a:t>name</a:t>
+            </a:r>
+            <a:r>
+              <a:rPr lang="en-GB" sz="1000" dirty="0">
+                <a:solidFill>
+                  <a:srgbClr val="C5C8C6"/>
+                </a:solidFill>
+                <a:effectLst/>
+                <a:latin typeface="Menlo" panose="020B0609030804020204" pitchFamily="49" charset="0"/>
+              </a:rPr>
+              <a:t>) </a:t>
+            </a:r>
+            <a:r>
+              <a:rPr lang="en-GB" sz="1000" dirty="0">
+                <a:solidFill>
+                  <a:srgbClr val="8C01BF"/>
+                </a:solidFill>
+                <a:effectLst/>
+                <a:latin typeface="Menlo" panose="020B0609030804020204" pitchFamily="49" charset="0"/>
+              </a:rPr>
+              <a:t>{</a:t>
+            </a:r>
+            <a:br>
+              <a:rPr lang="en-GB" sz="1000" dirty="0">
+                <a:solidFill>
+                  <a:srgbClr val="8C01BF"/>
+                </a:solidFill>
+                <a:effectLst/>
+                <a:latin typeface="Menlo" panose="020B0609030804020204" pitchFamily="49" charset="0"/>
+              </a:rPr>
+            </a:br>
+            <a:r>
+              <a:rPr lang="en-GB" sz="1000" dirty="0">
+                <a:solidFill>
+                  <a:srgbClr val="8C01BF"/>
+                </a:solidFill>
+                <a:effectLst/>
+                <a:latin typeface="Menlo" panose="020B0609030804020204" pitchFamily="49" charset="0"/>
+              </a:rPr>
+              <a:t>        </a:t>
+            </a:r>
+            <a:r>
+              <a:rPr lang="en-GB" sz="1000" dirty="0" err="1">
+                <a:solidFill>
+                  <a:srgbClr val="B294BB"/>
+                </a:solidFill>
+                <a:effectLst/>
+                <a:latin typeface="Menlo" panose="020B0609030804020204" pitchFamily="49" charset="0"/>
+              </a:rPr>
+              <a:t>this</a:t>
+            </a:r>
+            <a:r>
+              <a:rPr lang="en-GB" sz="1000" dirty="0" err="1">
+                <a:solidFill>
+                  <a:srgbClr val="CED1CF"/>
+                </a:solidFill>
+                <a:effectLst/>
+                <a:latin typeface="Menlo" panose="020B0609030804020204" pitchFamily="49" charset="0"/>
+              </a:rPr>
+              <a:t>.</a:t>
+            </a:r>
+            <a:r>
+              <a:rPr lang="en-GB" sz="1000" dirty="0" err="1">
+                <a:solidFill>
+                  <a:srgbClr val="DE935F"/>
+                </a:solidFill>
+                <a:effectLst/>
+                <a:latin typeface="Menlo" panose="020B0609030804020204" pitchFamily="49" charset="0"/>
+              </a:rPr>
+              <a:t>name</a:t>
+            </a:r>
+            <a:r>
+              <a:rPr lang="en-GB" sz="1000" dirty="0">
+                <a:solidFill>
+                  <a:srgbClr val="DE935F"/>
+                </a:solidFill>
+                <a:effectLst/>
+                <a:latin typeface="Menlo" panose="020B0609030804020204" pitchFamily="49" charset="0"/>
+              </a:rPr>
+              <a:t> </a:t>
+            </a:r>
+            <a:r>
+              <a:rPr lang="en-GB" sz="1000" dirty="0">
+                <a:solidFill>
+                  <a:srgbClr val="CED1CF"/>
+                </a:solidFill>
+                <a:effectLst/>
+                <a:latin typeface="Menlo" panose="020B0609030804020204" pitchFamily="49" charset="0"/>
+              </a:rPr>
+              <a:t>= </a:t>
+            </a:r>
+            <a:r>
+              <a:rPr lang="en-GB" sz="1000" dirty="0">
+                <a:solidFill>
+                  <a:srgbClr val="DE935F"/>
+                </a:solidFill>
+                <a:effectLst/>
+                <a:latin typeface="Menlo" panose="020B0609030804020204" pitchFamily="49" charset="0"/>
+              </a:rPr>
+              <a:t>name</a:t>
+            </a:r>
+            <a:r>
+              <a:rPr lang="en-GB" sz="1000" dirty="0">
+                <a:solidFill>
+                  <a:srgbClr val="CED1CF"/>
+                </a:solidFill>
+                <a:effectLst/>
+                <a:latin typeface="Menlo" panose="020B0609030804020204" pitchFamily="49" charset="0"/>
+              </a:rPr>
+              <a:t>;</a:t>
+            </a:r>
+            <a:br>
+              <a:rPr lang="en-GB" sz="1000" dirty="0">
+                <a:solidFill>
+                  <a:srgbClr val="CED1CF"/>
+                </a:solidFill>
+                <a:effectLst/>
+                <a:latin typeface="Menlo" panose="020B0609030804020204" pitchFamily="49" charset="0"/>
+              </a:rPr>
+            </a:br>
+            <a:r>
+              <a:rPr lang="en-GB" sz="1000" dirty="0">
+                <a:solidFill>
+                  <a:srgbClr val="CED1CF"/>
+                </a:solidFill>
+                <a:effectLst/>
+                <a:latin typeface="Menlo" panose="020B0609030804020204" pitchFamily="49" charset="0"/>
+              </a:rPr>
+              <a:t>        </a:t>
+            </a:r>
+            <a:r>
+              <a:rPr lang="en-GB" sz="1000" dirty="0">
+                <a:solidFill>
+                  <a:srgbClr val="B294BB"/>
+                </a:solidFill>
+                <a:effectLst/>
+                <a:latin typeface="Menlo" panose="020B0609030804020204" pitchFamily="49" charset="0"/>
+              </a:rPr>
+              <a:t>return this</a:t>
+            </a:r>
+            <a:r>
+              <a:rPr lang="en-GB" sz="1000" dirty="0">
+                <a:solidFill>
+                  <a:srgbClr val="CED1CF"/>
+                </a:solidFill>
+                <a:effectLst/>
+                <a:latin typeface="Menlo" panose="020B0609030804020204" pitchFamily="49" charset="0"/>
+              </a:rPr>
+              <a:t>;</a:t>
+            </a:r>
+            <a:br>
+              <a:rPr lang="en-GB" sz="1000" dirty="0">
+                <a:solidFill>
+                  <a:srgbClr val="CED1CF"/>
+                </a:solidFill>
+                <a:effectLst/>
+                <a:latin typeface="Menlo" panose="020B0609030804020204" pitchFamily="49" charset="0"/>
+              </a:rPr>
+            </a:br>
+            <a:r>
+              <a:rPr lang="en-GB" sz="1000" dirty="0">
+                <a:solidFill>
+                  <a:srgbClr val="CED1CF"/>
+                </a:solidFill>
+                <a:effectLst/>
+                <a:latin typeface="Menlo" panose="020B0609030804020204" pitchFamily="49" charset="0"/>
+              </a:rPr>
+              <a:t>    </a:t>
+            </a:r>
+            <a:r>
+              <a:rPr lang="en-GB" sz="1000" dirty="0">
+                <a:solidFill>
+                  <a:srgbClr val="8C01BF"/>
+                </a:solidFill>
+                <a:effectLst/>
+                <a:latin typeface="Menlo" panose="020B0609030804020204" pitchFamily="49" charset="0"/>
+              </a:rPr>
+              <a:t>}</a:t>
+            </a:r>
+            <a:br>
+              <a:rPr lang="en-GB" sz="1000" dirty="0">
+                <a:solidFill>
+                  <a:srgbClr val="8C01BF"/>
+                </a:solidFill>
+                <a:effectLst/>
+                <a:latin typeface="Menlo" panose="020B0609030804020204" pitchFamily="49" charset="0"/>
+              </a:rPr>
+            </a:br>
+            <a:br>
+              <a:rPr lang="en-GB" sz="1000" dirty="0">
+                <a:solidFill>
+                  <a:srgbClr val="8C01BF"/>
+                </a:solidFill>
+                <a:effectLst/>
+                <a:latin typeface="Menlo" panose="020B0609030804020204" pitchFamily="49" charset="0"/>
+              </a:rPr>
+            </a:br>
+            <a:r>
+              <a:rPr lang="en-GB" sz="1000" dirty="0">
+                <a:solidFill>
+                  <a:srgbClr val="8C01BF"/>
+                </a:solidFill>
+                <a:effectLst/>
+                <a:latin typeface="Menlo" panose="020B0609030804020204" pitchFamily="49" charset="0"/>
+              </a:rPr>
+              <a:t>    </a:t>
+            </a:r>
+            <a:r>
+              <a:rPr lang="en-GB" sz="1000" dirty="0">
+                <a:solidFill>
+                  <a:srgbClr val="B294BB"/>
+                </a:solidFill>
+                <a:effectLst/>
+                <a:latin typeface="Menlo" panose="020B0609030804020204" pitchFamily="49" charset="0"/>
+              </a:rPr>
+              <a:t>public </a:t>
+            </a:r>
+            <a:r>
+              <a:rPr lang="en-GB" sz="1000" dirty="0" err="1">
+                <a:solidFill>
+                  <a:srgbClr val="F0C674"/>
+                </a:solidFill>
+                <a:effectLst/>
+                <a:latin typeface="Menlo" panose="020B0609030804020204" pitchFamily="49" charset="0"/>
+              </a:rPr>
+              <a:t>MonkeyBuilder</a:t>
+            </a:r>
+            <a:r>
+              <a:rPr lang="en-GB" sz="1000" dirty="0">
+                <a:solidFill>
+                  <a:srgbClr val="F0C674"/>
+                </a:solidFill>
+                <a:effectLst/>
+                <a:latin typeface="Menlo" panose="020B0609030804020204" pitchFamily="49" charset="0"/>
+              </a:rPr>
+              <a:t> </a:t>
+            </a:r>
+            <a:r>
+              <a:rPr lang="en-GB" sz="1000" dirty="0">
+                <a:solidFill>
+                  <a:srgbClr val="81A2BE"/>
+                </a:solidFill>
+                <a:effectLst/>
+                <a:latin typeface="Menlo" panose="020B0609030804020204" pitchFamily="49" charset="0"/>
+              </a:rPr>
+              <a:t>age</a:t>
+            </a:r>
+            <a:r>
+              <a:rPr lang="en-GB" sz="1000" dirty="0">
+                <a:solidFill>
+                  <a:srgbClr val="C5C8C6"/>
+                </a:solidFill>
+                <a:effectLst/>
+                <a:latin typeface="Menlo" panose="020B0609030804020204" pitchFamily="49" charset="0"/>
+              </a:rPr>
+              <a:t>(</a:t>
+            </a:r>
+            <a:r>
+              <a:rPr lang="en-GB" sz="1000" dirty="0">
+                <a:solidFill>
+                  <a:srgbClr val="B294BB"/>
+                </a:solidFill>
+                <a:effectLst/>
+                <a:latin typeface="Menlo" panose="020B0609030804020204" pitchFamily="49" charset="0"/>
+              </a:rPr>
+              <a:t>int </a:t>
+            </a:r>
+            <a:r>
+              <a:rPr lang="en-GB" sz="1000" dirty="0">
+                <a:solidFill>
+                  <a:srgbClr val="DE935F"/>
+                </a:solidFill>
+                <a:effectLst/>
+                <a:latin typeface="Menlo" panose="020B0609030804020204" pitchFamily="49" charset="0"/>
+              </a:rPr>
+              <a:t>age</a:t>
+            </a:r>
+            <a:r>
+              <a:rPr lang="en-GB" sz="1000" dirty="0">
+                <a:solidFill>
+                  <a:srgbClr val="C5C8C6"/>
+                </a:solidFill>
+                <a:effectLst/>
+                <a:latin typeface="Menlo" panose="020B0609030804020204" pitchFamily="49" charset="0"/>
+              </a:rPr>
+              <a:t>) </a:t>
+            </a:r>
+            <a:r>
+              <a:rPr lang="en-GB" sz="1000" dirty="0">
+                <a:solidFill>
+                  <a:srgbClr val="8C01BF"/>
+                </a:solidFill>
+                <a:effectLst/>
+                <a:latin typeface="Menlo" panose="020B0609030804020204" pitchFamily="49" charset="0"/>
+              </a:rPr>
+              <a:t>{</a:t>
+            </a:r>
+            <a:br>
+              <a:rPr lang="en-GB" sz="1000" dirty="0">
+                <a:solidFill>
+                  <a:srgbClr val="8C01BF"/>
+                </a:solidFill>
+                <a:effectLst/>
+                <a:latin typeface="Menlo" panose="020B0609030804020204" pitchFamily="49" charset="0"/>
+              </a:rPr>
+            </a:br>
+            <a:r>
+              <a:rPr lang="en-GB" sz="1000" dirty="0">
+                <a:solidFill>
+                  <a:srgbClr val="8C01BF"/>
+                </a:solidFill>
+                <a:effectLst/>
+                <a:latin typeface="Menlo" panose="020B0609030804020204" pitchFamily="49" charset="0"/>
+              </a:rPr>
+              <a:t>        </a:t>
+            </a:r>
+            <a:r>
+              <a:rPr lang="en-GB" sz="1000" dirty="0" err="1">
+                <a:solidFill>
+                  <a:srgbClr val="B294BB"/>
+                </a:solidFill>
+                <a:effectLst/>
+                <a:latin typeface="Menlo" panose="020B0609030804020204" pitchFamily="49" charset="0"/>
+              </a:rPr>
+              <a:t>this</a:t>
+            </a:r>
+            <a:r>
+              <a:rPr lang="en-GB" sz="1000" dirty="0" err="1">
+                <a:solidFill>
+                  <a:srgbClr val="CED1CF"/>
+                </a:solidFill>
+                <a:effectLst/>
+                <a:latin typeface="Menlo" panose="020B0609030804020204" pitchFamily="49" charset="0"/>
+              </a:rPr>
+              <a:t>.</a:t>
+            </a:r>
+            <a:r>
+              <a:rPr lang="en-GB" sz="1000" dirty="0" err="1">
+                <a:solidFill>
+                  <a:srgbClr val="DE935F"/>
+                </a:solidFill>
+                <a:effectLst/>
+                <a:latin typeface="Menlo" panose="020B0609030804020204" pitchFamily="49" charset="0"/>
+              </a:rPr>
+              <a:t>age</a:t>
+            </a:r>
+            <a:r>
+              <a:rPr lang="en-GB" sz="1000" dirty="0">
+                <a:solidFill>
+                  <a:srgbClr val="DE935F"/>
+                </a:solidFill>
+                <a:effectLst/>
+                <a:latin typeface="Menlo" panose="020B0609030804020204" pitchFamily="49" charset="0"/>
+              </a:rPr>
+              <a:t> </a:t>
+            </a:r>
+            <a:r>
+              <a:rPr lang="en-GB" sz="1000" dirty="0">
+                <a:solidFill>
+                  <a:srgbClr val="CED1CF"/>
+                </a:solidFill>
+                <a:effectLst/>
+                <a:latin typeface="Menlo" panose="020B0609030804020204" pitchFamily="49" charset="0"/>
+              </a:rPr>
+              <a:t>= </a:t>
+            </a:r>
+            <a:r>
+              <a:rPr lang="en-GB" sz="1000" dirty="0">
+                <a:solidFill>
+                  <a:srgbClr val="DE935F"/>
+                </a:solidFill>
+                <a:effectLst/>
+                <a:latin typeface="Menlo" panose="020B0609030804020204" pitchFamily="49" charset="0"/>
+              </a:rPr>
+              <a:t>age</a:t>
+            </a:r>
+            <a:r>
+              <a:rPr lang="en-GB" sz="1000" dirty="0">
+                <a:solidFill>
+                  <a:srgbClr val="CED1CF"/>
+                </a:solidFill>
+                <a:effectLst/>
+                <a:latin typeface="Menlo" panose="020B0609030804020204" pitchFamily="49" charset="0"/>
+              </a:rPr>
+              <a:t>;</a:t>
+            </a:r>
+            <a:br>
+              <a:rPr lang="en-GB" sz="1000" dirty="0">
+                <a:solidFill>
+                  <a:srgbClr val="CED1CF"/>
+                </a:solidFill>
+                <a:effectLst/>
+                <a:latin typeface="Menlo" panose="020B0609030804020204" pitchFamily="49" charset="0"/>
+              </a:rPr>
+            </a:br>
+            <a:r>
+              <a:rPr lang="en-GB" sz="1000" dirty="0">
+                <a:solidFill>
+                  <a:srgbClr val="CED1CF"/>
+                </a:solidFill>
+                <a:effectLst/>
+                <a:latin typeface="Menlo" panose="020B0609030804020204" pitchFamily="49" charset="0"/>
+              </a:rPr>
+              <a:t>        </a:t>
+            </a:r>
+            <a:r>
+              <a:rPr lang="en-GB" sz="1000" dirty="0">
+                <a:solidFill>
+                  <a:srgbClr val="B294BB"/>
+                </a:solidFill>
+                <a:effectLst/>
+                <a:latin typeface="Menlo" panose="020B0609030804020204" pitchFamily="49" charset="0"/>
+              </a:rPr>
+              <a:t>return this</a:t>
+            </a:r>
+            <a:r>
+              <a:rPr lang="en-GB" sz="1000" dirty="0">
+                <a:solidFill>
+                  <a:srgbClr val="CED1CF"/>
+                </a:solidFill>
+                <a:effectLst/>
+                <a:latin typeface="Menlo" panose="020B0609030804020204" pitchFamily="49" charset="0"/>
+              </a:rPr>
+              <a:t>;</a:t>
+            </a:r>
+            <a:br>
+              <a:rPr lang="en-GB" sz="1000" dirty="0">
+                <a:solidFill>
+                  <a:srgbClr val="CED1CF"/>
+                </a:solidFill>
+                <a:effectLst/>
+                <a:latin typeface="Menlo" panose="020B0609030804020204" pitchFamily="49" charset="0"/>
+              </a:rPr>
+            </a:br>
+            <a:r>
+              <a:rPr lang="en-GB" sz="1000" dirty="0">
+                <a:solidFill>
+                  <a:srgbClr val="CED1CF"/>
+                </a:solidFill>
+                <a:effectLst/>
+                <a:latin typeface="Menlo" panose="020B0609030804020204" pitchFamily="49" charset="0"/>
+              </a:rPr>
+              <a:t>    </a:t>
+            </a:r>
+            <a:r>
+              <a:rPr lang="en-GB" sz="1000" dirty="0">
+                <a:solidFill>
+                  <a:srgbClr val="8C01BF"/>
+                </a:solidFill>
+                <a:effectLst/>
+                <a:latin typeface="Menlo" panose="020B0609030804020204" pitchFamily="49" charset="0"/>
+              </a:rPr>
+              <a:t>}</a:t>
+            </a:r>
+            <a:br>
+              <a:rPr lang="en-GB" sz="1000" dirty="0">
+                <a:solidFill>
+                  <a:srgbClr val="8C01BF"/>
+                </a:solidFill>
+                <a:effectLst/>
+                <a:latin typeface="Menlo" panose="020B0609030804020204" pitchFamily="49" charset="0"/>
+              </a:rPr>
+            </a:br>
+            <a:br>
+              <a:rPr lang="en-GB" sz="1000" dirty="0">
+                <a:solidFill>
+                  <a:srgbClr val="8C01BF"/>
+                </a:solidFill>
+                <a:effectLst/>
+                <a:latin typeface="Menlo" panose="020B0609030804020204" pitchFamily="49" charset="0"/>
+              </a:rPr>
+            </a:br>
+            <a:r>
+              <a:rPr lang="en-GB" sz="1000" dirty="0">
+                <a:solidFill>
+                  <a:srgbClr val="8C01BF"/>
+                </a:solidFill>
+                <a:effectLst/>
+                <a:latin typeface="Menlo" panose="020B0609030804020204" pitchFamily="49" charset="0"/>
+              </a:rPr>
+              <a:t>    </a:t>
+            </a:r>
+            <a:r>
+              <a:rPr lang="en-GB" sz="1000" dirty="0">
+                <a:solidFill>
+                  <a:srgbClr val="B294BB"/>
+                </a:solidFill>
+                <a:effectLst/>
+                <a:latin typeface="Menlo" panose="020B0609030804020204" pitchFamily="49" charset="0"/>
+              </a:rPr>
+              <a:t>public </a:t>
+            </a:r>
+            <a:r>
+              <a:rPr lang="en-GB" sz="1000" dirty="0" err="1">
+                <a:solidFill>
+                  <a:srgbClr val="F0C674"/>
+                </a:solidFill>
+                <a:effectLst/>
+                <a:latin typeface="Menlo" panose="020B0609030804020204" pitchFamily="49" charset="0"/>
+              </a:rPr>
+              <a:t>MonkeyBuilder</a:t>
+            </a:r>
+            <a:r>
+              <a:rPr lang="en-GB" sz="1000" dirty="0">
+                <a:solidFill>
+                  <a:srgbClr val="F0C674"/>
+                </a:solidFill>
+                <a:effectLst/>
+                <a:latin typeface="Menlo" panose="020B0609030804020204" pitchFamily="49" charset="0"/>
+              </a:rPr>
+              <a:t> </a:t>
+            </a:r>
+            <a:r>
+              <a:rPr lang="en-GB" sz="1000" dirty="0">
+                <a:solidFill>
+                  <a:srgbClr val="81A2BE"/>
+                </a:solidFill>
+                <a:effectLst/>
+                <a:latin typeface="Menlo" panose="020B0609030804020204" pitchFamily="49" charset="0"/>
+              </a:rPr>
+              <a:t>food</a:t>
+            </a:r>
+            <a:r>
+              <a:rPr lang="en-GB" sz="1000" dirty="0">
+                <a:solidFill>
+                  <a:srgbClr val="C5C8C6"/>
+                </a:solidFill>
+                <a:effectLst/>
+                <a:latin typeface="Menlo" panose="020B0609030804020204" pitchFamily="49" charset="0"/>
+              </a:rPr>
+              <a:t>(</a:t>
+            </a:r>
+            <a:r>
+              <a:rPr lang="en-GB" sz="1000" dirty="0">
+                <a:solidFill>
+                  <a:srgbClr val="94AE57"/>
+                </a:solidFill>
+                <a:effectLst/>
+                <a:latin typeface="Menlo" panose="020B0609030804020204" pitchFamily="49" charset="0"/>
+              </a:rPr>
+              <a:t>Food </a:t>
+            </a:r>
+            <a:r>
+              <a:rPr lang="en-GB" sz="1000" dirty="0">
+                <a:solidFill>
+                  <a:srgbClr val="DE935F"/>
+                </a:solidFill>
+                <a:effectLst/>
+                <a:latin typeface="Menlo" panose="020B0609030804020204" pitchFamily="49" charset="0"/>
+              </a:rPr>
+              <a:t>food</a:t>
+            </a:r>
+            <a:r>
+              <a:rPr lang="en-GB" sz="1000" dirty="0">
+                <a:solidFill>
+                  <a:srgbClr val="C5C8C6"/>
+                </a:solidFill>
+                <a:effectLst/>
+                <a:latin typeface="Menlo" panose="020B0609030804020204" pitchFamily="49" charset="0"/>
+              </a:rPr>
+              <a:t>) </a:t>
+            </a:r>
+            <a:r>
+              <a:rPr lang="en-GB" sz="1000" dirty="0">
+                <a:solidFill>
+                  <a:srgbClr val="8C01BF"/>
+                </a:solidFill>
+                <a:effectLst/>
+                <a:latin typeface="Menlo" panose="020B0609030804020204" pitchFamily="49" charset="0"/>
+              </a:rPr>
+              <a:t>{</a:t>
+            </a:r>
+            <a:br>
+              <a:rPr lang="en-GB" sz="1000" dirty="0">
+                <a:solidFill>
+                  <a:srgbClr val="8C01BF"/>
+                </a:solidFill>
+                <a:effectLst/>
+                <a:latin typeface="Menlo" panose="020B0609030804020204" pitchFamily="49" charset="0"/>
+              </a:rPr>
+            </a:br>
+            <a:r>
+              <a:rPr lang="en-GB" sz="1000" dirty="0">
+                <a:solidFill>
+                  <a:srgbClr val="8C01BF"/>
+                </a:solidFill>
+                <a:effectLst/>
+                <a:latin typeface="Menlo" panose="020B0609030804020204" pitchFamily="49" charset="0"/>
+              </a:rPr>
+              <a:t>        </a:t>
+            </a:r>
+            <a:r>
+              <a:rPr lang="en-GB" sz="1000" dirty="0" err="1">
+                <a:solidFill>
+                  <a:srgbClr val="B294BB"/>
+                </a:solidFill>
+                <a:effectLst/>
+                <a:latin typeface="Menlo" panose="020B0609030804020204" pitchFamily="49" charset="0"/>
+              </a:rPr>
+              <a:t>this</a:t>
+            </a:r>
+            <a:r>
+              <a:rPr lang="en-GB" sz="1000" dirty="0" err="1">
+                <a:solidFill>
+                  <a:srgbClr val="CED1CF"/>
+                </a:solidFill>
+                <a:effectLst/>
+                <a:latin typeface="Menlo" panose="020B0609030804020204" pitchFamily="49" charset="0"/>
+              </a:rPr>
+              <a:t>.</a:t>
+            </a:r>
+            <a:r>
+              <a:rPr lang="en-GB" sz="1000" dirty="0" err="1">
+                <a:solidFill>
+                  <a:srgbClr val="DE935F"/>
+                </a:solidFill>
+                <a:effectLst/>
+                <a:latin typeface="Menlo" panose="020B0609030804020204" pitchFamily="49" charset="0"/>
+              </a:rPr>
+              <a:t>food</a:t>
+            </a:r>
+            <a:r>
+              <a:rPr lang="en-GB" sz="1000" dirty="0">
+                <a:solidFill>
+                  <a:srgbClr val="DE935F"/>
+                </a:solidFill>
+                <a:effectLst/>
+                <a:latin typeface="Menlo" panose="020B0609030804020204" pitchFamily="49" charset="0"/>
+              </a:rPr>
+              <a:t> </a:t>
+            </a:r>
+            <a:r>
+              <a:rPr lang="en-GB" sz="1000" dirty="0">
+                <a:solidFill>
+                  <a:srgbClr val="CED1CF"/>
+                </a:solidFill>
+                <a:effectLst/>
+                <a:latin typeface="Menlo" panose="020B0609030804020204" pitchFamily="49" charset="0"/>
+              </a:rPr>
+              <a:t>= </a:t>
+            </a:r>
+            <a:r>
+              <a:rPr lang="en-GB" sz="1000" dirty="0">
+                <a:solidFill>
+                  <a:srgbClr val="DE935F"/>
+                </a:solidFill>
+                <a:effectLst/>
+                <a:latin typeface="Menlo" panose="020B0609030804020204" pitchFamily="49" charset="0"/>
+              </a:rPr>
+              <a:t>food</a:t>
+            </a:r>
+            <a:r>
+              <a:rPr lang="en-GB" sz="1000" dirty="0">
+                <a:solidFill>
+                  <a:srgbClr val="CED1CF"/>
+                </a:solidFill>
+                <a:effectLst/>
+                <a:latin typeface="Menlo" panose="020B0609030804020204" pitchFamily="49" charset="0"/>
+              </a:rPr>
+              <a:t>;</a:t>
+            </a:r>
+            <a:br>
+              <a:rPr lang="en-GB" sz="1000" dirty="0">
+                <a:solidFill>
+                  <a:srgbClr val="CED1CF"/>
+                </a:solidFill>
+                <a:effectLst/>
+                <a:latin typeface="Menlo" panose="020B0609030804020204" pitchFamily="49" charset="0"/>
+              </a:rPr>
+            </a:br>
+            <a:r>
+              <a:rPr lang="en-GB" sz="1000" dirty="0">
+                <a:solidFill>
+                  <a:srgbClr val="CED1CF"/>
+                </a:solidFill>
+                <a:effectLst/>
+                <a:latin typeface="Menlo" panose="020B0609030804020204" pitchFamily="49" charset="0"/>
+              </a:rPr>
+              <a:t>        </a:t>
+            </a:r>
+            <a:r>
+              <a:rPr lang="en-GB" sz="1000" dirty="0">
+                <a:solidFill>
+                  <a:srgbClr val="B294BB"/>
+                </a:solidFill>
+                <a:effectLst/>
+                <a:latin typeface="Menlo" panose="020B0609030804020204" pitchFamily="49" charset="0"/>
+              </a:rPr>
+              <a:t>return this</a:t>
+            </a:r>
+            <a:r>
+              <a:rPr lang="en-GB" sz="1000" dirty="0">
+                <a:solidFill>
+                  <a:srgbClr val="CED1CF"/>
+                </a:solidFill>
+                <a:effectLst/>
+                <a:latin typeface="Menlo" panose="020B0609030804020204" pitchFamily="49" charset="0"/>
+              </a:rPr>
+              <a:t>;</a:t>
+            </a:r>
+            <a:br>
+              <a:rPr lang="en-GB" sz="1000" dirty="0">
+                <a:solidFill>
+                  <a:srgbClr val="CED1CF"/>
+                </a:solidFill>
+                <a:effectLst/>
+                <a:latin typeface="Menlo" panose="020B0609030804020204" pitchFamily="49" charset="0"/>
+              </a:rPr>
+            </a:br>
+            <a:r>
+              <a:rPr lang="en-GB" sz="1000" dirty="0">
+                <a:solidFill>
+                  <a:srgbClr val="CED1CF"/>
+                </a:solidFill>
+                <a:effectLst/>
+                <a:latin typeface="Menlo" panose="020B0609030804020204" pitchFamily="49" charset="0"/>
+              </a:rPr>
+              <a:t>    </a:t>
+            </a:r>
+            <a:r>
+              <a:rPr lang="en-GB" sz="1000" dirty="0">
+                <a:solidFill>
+                  <a:srgbClr val="8C01BF"/>
+                </a:solidFill>
+                <a:effectLst/>
+                <a:latin typeface="Menlo" panose="020B0609030804020204" pitchFamily="49" charset="0"/>
+              </a:rPr>
+              <a:t>}</a:t>
+            </a:r>
+            <a:br>
+              <a:rPr lang="en-GB" sz="1000" dirty="0">
+                <a:solidFill>
+                  <a:srgbClr val="8C01BF"/>
+                </a:solidFill>
+                <a:effectLst/>
+                <a:latin typeface="Menlo" panose="020B0609030804020204" pitchFamily="49" charset="0"/>
+              </a:rPr>
+            </a:br>
+            <a:br>
+              <a:rPr lang="en-GB" sz="1000" dirty="0">
+                <a:solidFill>
+                  <a:srgbClr val="8C01BF"/>
+                </a:solidFill>
+                <a:effectLst/>
+                <a:latin typeface="Menlo" panose="020B0609030804020204" pitchFamily="49" charset="0"/>
+              </a:rPr>
+            </a:br>
+            <a:r>
+              <a:rPr lang="en-GB" sz="1000" dirty="0">
+                <a:solidFill>
+                  <a:srgbClr val="8C01BF"/>
+                </a:solidFill>
+                <a:effectLst/>
+                <a:latin typeface="Menlo" panose="020B0609030804020204" pitchFamily="49" charset="0"/>
+              </a:rPr>
+              <a:t>    </a:t>
+            </a:r>
+            <a:r>
+              <a:rPr lang="en-GB" sz="1000" dirty="0">
+                <a:solidFill>
+                  <a:srgbClr val="B294BB"/>
+                </a:solidFill>
+                <a:effectLst/>
+                <a:latin typeface="Menlo" panose="020B0609030804020204" pitchFamily="49" charset="0"/>
+              </a:rPr>
+              <a:t>public </a:t>
+            </a:r>
+            <a:r>
+              <a:rPr lang="en-GB" sz="1000" dirty="0">
+                <a:solidFill>
+                  <a:srgbClr val="F0C674"/>
+                </a:solidFill>
+                <a:effectLst/>
+                <a:latin typeface="Menlo" panose="020B0609030804020204" pitchFamily="49" charset="0"/>
+              </a:rPr>
+              <a:t>Monkey </a:t>
+            </a:r>
+            <a:r>
+              <a:rPr lang="en-GB" sz="1000" dirty="0">
+                <a:solidFill>
+                  <a:srgbClr val="81A2BE"/>
+                </a:solidFill>
+                <a:effectLst/>
+                <a:latin typeface="Menlo" panose="020B0609030804020204" pitchFamily="49" charset="0"/>
+              </a:rPr>
+              <a:t>build</a:t>
+            </a:r>
+            <a:r>
+              <a:rPr lang="en-GB" sz="1000" dirty="0">
+                <a:solidFill>
+                  <a:srgbClr val="C5C8C6"/>
+                </a:solidFill>
+                <a:effectLst/>
+                <a:latin typeface="Menlo" panose="020B0609030804020204" pitchFamily="49" charset="0"/>
+              </a:rPr>
+              <a:t>() </a:t>
+            </a:r>
+            <a:r>
+              <a:rPr lang="en-GB" sz="1000" dirty="0">
+                <a:solidFill>
+                  <a:srgbClr val="8C01BF"/>
+                </a:solidFill>
+                <a:effectLst/>
+                <a:latin typeface="Menlo" panose="020B0609030804020204" pitchFamily="49" charset="0"/>
+              </a:rPr>
+              <a:t>{</a:t>
+            </a:r>
+            <a:br>
+              <a:rPr lang="en-GB" sz="1000" dirty="0">
+                <a:solidFill>
+                  <a:srgbClr val="8C01BF"/>
+                </a:solidFill>
+                <a:effectLst/>
+                <a:latin typeface="Menlo" panose="020B0609030804020204" pitchFamily="49" charset="0"/>
+              </a:rPr>
+            </a:br>
+            <a:r>
+              <a:rPr lang="en-GB" sz="1000" dirty="0">
+                <a:solidFill>
+                  <a:srgbClr val="8C01BF"/>
+                </a:solidFill>
+                <a:effectLst/>
+                <a:latin typeface="Menlo" panose="020B0609030804020204" pitchFamily="49" charset="0"/>
+              </a:rPr>
+              <a:t>        </a:t>
+            </a:r>
+            <a:r>
+              <a:rPr lang="en-GB" sz="1000" dirty="0">
+                <a:solidFill>
+                  <a:srgbClr val="F0C674"/>
+                </a:solidFill>
+                <a:effectLst/>
+                <a:latin typeface="Menlo" panose="020B0609030804020204" pitchFamily="49" charset="0"/>
+              </a:rPr>
+              <a:t>Monkey </a:t>
+            </a:r>
+            <a:r>
+              <a:rPr lang="en-GB" sz="1000" dirty="0">
+                <a:solidFill>
+                  <a:srgbClr val="C5C8C6"/>
+                </a:solidFill>
+                <a:effectLst/>
+                <a:latin typeface="Menlo" panose="020B0609030804020204" pitchFamily="49" charset="0"/>
+              </a:rPr>
+              <a:t>monkey </a:t>
+            </a:r>
+            <a:r>
+              <a:rPr lang="en-GB" sz="1000" dirty="0">
+                <a:solidFill>
+                  <a:srgbClr val="CED1CF"/>
+                </a:solidFill>
+                <a:effectLst/>
+                <a:latin typeface="Menlo" panose="020B0609030804020204" pitchFamily="49" charset="0"/>
+              </a:rPr>
+              <a:t>= </a:t>
+            </a:r>
+            <a:r>
+              <a:rPr lang="en-GB" sz="1000" dirty="0">
+                <a:solidFill>
+                  <a:srgbClr val="B294BB"/>
+                </a:solidFill>
+                <a:effectLst/>
+                <a:latin typeface="Menlo" panose="020B0609030804020204" pitchFamily="49" charset="0"/>
+              </a:rPr>
+              <a:t>new </a:t>
+            </a:r>
+            <a:r>
+              <a:rPr lang="en-GB" sz="1000" dirty="0">
+                <a:solidFill>
+                  <a:srgbClr val="C5C8C6"/>
+                </a:solidFill>
+                <a:effectLst/>
+                <a:latin typeface="Menlo" panose="020B0609030804020204" pitchFamily="49" charset="0"/>
+              </a:rPr>
+              <a:t>Monkey()</a:t>
+            </a:r>
+            <a:r>
+              <a:rPr lang="en-GB" sz="1000" dirty="0">
+                <a:solidFill>
+                  <a:srgbClr val="CED1CF"/>
+                </a:solidFill>
+                <a:effectLst/>
+                <a:latin typeface="Menlo" panose="020B0609030804020204" pitchFamily="49" charset="0"/>
+              </a:rPr>
+              <a:t>;</a:t>
+            </a:r>
+            <a:br>
+              <a:rPr lang="en-GB" sz="1000" dirty="0">
+                <a:solidFill>
+                  <a:srgbClr val="CED1CF"/>
+                </a:solidFill>
+                <a:effectLst/>
+                <a:latin typeface="Menlo" panose="020B0609030804020204" pitchFamily="49" charset="0"/>
+              </a:rPr>
+            </a:br>
+            <a:r>
+              <a:rPr lang="en-GB" sz="1000" dirty="0">
+                <a:solidFill>
+                  <a:srgbClr val="CED1CF"/>
+                </a:solidFill>
+                <a:effectLst/>
+                <a:latin typeface="Menlo" panose="020B0609030804020204" pitchFamily="49" charset="0"/>
+              </a:rPr>
+              <a:t>        </a:t>
+            </a:r>
+            <a:r>
+              <a:rPr lang="en-GB" sz="1000" dirty="0" err="1">
+                <a:solidFill>
+                  <a:srgbClr val="C5C8C6"/>
+                </a:solidFill>
+                <a:effectLst/>
+                <a:latin typeface="Menlo" panose="020B0609030804020204" pitchFamily="49" charset="0"/>
+              </a:rPr>
+              <a:t>monkey</a:t>
+            </a:r>
+            <a:r>
+              <a:rPr lang="en-GB" sz="1000" dirty="0" err="1">
+                <a:solidFill>
+                  <a:srgbClr val="CED1CF"/>
+                </a:solidFill>
+                <a:effectLst/>
+                <a:latin typeface="Menlo" panose="020B0609030804020204" pitchFamily="49" charset="0"/>
+              </a:rPr>
+              <a:t>.</a:t>
+            </a:r>
+            <a:r>
+              <a:rPr lang="en-GB" sz="1000" dirty="0" err="1">
+                <a:solidFill>
+                  <a:srgbClr val="DE935F"/>
+                </a:solidFill>
+                <a:effectLst/>
+                <a:latin typeface="Menlo" panose="020B0609030804020204" pitchFamily="49" charset="0"/>
+              </a:rPr>
+              <a:t>name</a:t>
+            </a:r>
+            <a:r>
+              <a:rPr lang="en-GB" sz="1000" dirty="0">
+                <a:solidFill>
+                  <a:srgbClr val="DE935F"/>
+                </a:solidFill>
+                <a:effectLst/>
+                <a:latin typeface="Menlo" panose="020B0609030804020204" pitchFamily="49" charset="0"/>
+              </a:rPr>
+              <a:t> </a:t>
+            </a:r>
+            <a:r>
+              <a:rPr lang="en-GB" sz="1000" dirty="0">
+                <a:solidFill>
+                  <a:srgbClr val="CED1CF"/>
+                </a:solidFill>
+                <a:effectLst/>
+                <a:latin typeface="Menlo" panose="020B0609030804020204" pitchFamily="49" charset="0"/>
+              </a:rPr>
+              <a:t>= </a:t>
+            </a:r>
+            <a:r>
+              <a:rPr lang="en-GB" sz="1000" dirty="0" err="1">
+                <a:solidFill>
+                  <a:srgbClr val="B294BB"/>
+                </a:solidFill>
+                <a:effectLst/>
+                <a:latin typeface="Menlo" panose="020B0609030804020204" pitchFamily="49" charset="0"/>
+              </a:rPr>
+              <a:t>this</a:t>
+            </a:r>
+            <a:r>
+              <a:rPr lang="en-GB" sz="1000" dirty="0" err="1">
+                <a:solidFill>
+                  <a:srgbClr val="CED1CF"/>
+                </a:solidFill>
+                <a:effectLst/>
+                <a:latin typeface="Menlo" panose="020B0609030804020204" pitchFamily="49" charset="0"/>
+              </a:rPr>
+              <a:t>.</a:t>
+            </a:r>
+            <a:r>
+              <a:rPr lang="en-GB" sz="1000" dirty="0" err="1">
+                <a:solidFill>
+                  <a:srgbClr val="DE935F"/>
+                </a:solidFill>
+                <a:effectLst/>
+                <a:latin typeface="Menlo" panose="020B0609030804020204" pitchFamily="49" charset="0"/>
+              </a:rPr>
+              <a:t>name</a:t>
+            </a:r>
+            <a:r>
+              <a:rPr lang="en-GB" sz="1000" dirty="0">
+                <a:solidFill>
+                  <a:srgbClr val="CED1CF"/>
+                </a:solidFill>
+                <a:effectLst/>
+                <a:latin typeface="Menlo" panose="020B0609030804020204" pitchFamily="49" charset="0"/>
+              </a:rPr>
+              <a:t>;</a:t>
+            </a:r>
+            <a:br>
+              <a:rPr lang="en-GB" sz="1000" dirty="0">
+                <a:solidFill>
+                  <a:srgbClr val="CED1CF"/>
+                </a:solidFill>
+                <a:effectLst/>
+                <a:latin typeface="Menlo" panose="020B0609030804020204" pitchFamily="49" charset="0"/>
+              </a:rPr>
+            </a:br>
+            <a:r>
+              <a:rPr lang="en-GB" sz="1000" dirty="0">
+                <a:solidFill>
+                  <a:srgbClr val="CED1CF"/>
+                </a:solidFill>
+                <a:effectLst/>
+                <a:latin typeface="Menlo" panose="020B0609030804020204" pitchFamily="49" charset="0"/>
+              </a:rPr>
+              <a:t>        </a:t>
+            </a:r>
+            <a:r>
+              <a:rPr lang="en-GB" sz="1000" dirty="0" err="1">
+                <a:solidFill>
+                  <a:srgbClr val="C5C8C6"/>
+                </a:solidFill>
+                <a:effectLst/>
+                <a:latin typeface="Menlo" panose="020B0609030804020204" pitchFamily="49" charset="0"/>
+              </a:rPr>
+              <a:t>monkey</a:t>
+            </a:r>
+            <a:r>
+              <a:rPr lang="en-GB" sz="1000" dirty="0" err="1">
+                <a:solidFill>
+                  <a:srgbClr val="CED1CF"/>
+                </a:solidFill>
+                <a:effectLst/>
+                <a:latin typeface="Menlo" panose="020B0609030804020204" pitchFamily="49" charset="0"/>
+              </a:rPr>
+              <a:t>.</a:t>
+            </a:r>
+            <a:r>
+              <a:rPr lang="en-GB" sz="1000" dirty="0" err="1">
+                <a:solidFill>
+                  <a:srgbClr val="DE935F"/>
+                </a:solidFill>
+                <a:effectLst/>
+                <a:latin typeface="Menlo" panose="020B0609030804020204" pitchFamily="49" charset="0"/>
+              </a:rPr>
+              <a:t>age</a:t>
+            </a:r>
+            <a:r>
+              <a:rPr lang="en-GB" sz="1000" dirty="0">
+                <a:solidFill>
+                  <a:srgbClr val="DE935F"/>
+                </a:solidFill>
+                <a:effectLst/>
+                <a:latin typeface="Menlo" panose="020B0609030804020204" pitchFamily="49" charset="0"/>
+              </a:rPr>
+              <a:t> </a:t>
+            </a:r>
+            <a:r>
+              <a:rPr lang="en-GB" sz="1000" dirty="0">
+                <a:solidFill>
+                  <a:srgbClr val="CED1CF"/>
+                </a:solidFill>
+                <a:effectLst/>
+                <a:latin typeface="Menlo" panose="020B0609030804020204" pitchFamily="49" charset="0"/>
+              </a:rPr>
+              <a:t>= </a:t>
+            </a:r>
+            <a:r>
+              <a:rPr lang="en-GB" sz="1000" dirty="0" err="1">
+                <a:solidFill>
+                  <a:srgbClr val="B294BB"/>
+                </a:solidFill>
+                <a:effectLst/>
+                <a:latin typeface="Menlo" panose="020B0609030804020204" pitchFamily="49" charset="0"/>
+              </a:rPr>
+              <a:t>this</a:t>
+            </a:r>
+            <a:r>
+              <a:rPr lang="en-GB" sz="1000" dirty="0" err="1">
+                <a:solidFill>
+                  <a:srgbClr val="CED1CF"/>
+                </a:solidFill>
+                <a:effectLst/>
+                <a:latin typeface="Menlo" panose="020B0609030804020204" pitchFamily="49" charset="0"/>
+              </a:rPr>
+              <a:t>.</a:t>
+            </a:r>
+            <a:r>
+              <a:rPr lang="en-GB" sz="1000" dirty="0" err="1">
+                <a:solidFill>
+                  <a:srgbClr val="DE935F"/>
+                </a:solidFill>
+                <a:effectLst/>
+                <a:latin typeface="Menlo" panose="020B0609030804020204" pitchFamily="49" charset="0"/>
+              </a:rPr>
+              <a:t>age</a:t>
+            </a:r>
+            <a:r>
+              <a:rPr lang="en-GB" sz="1000" dirty="0">
+                <a:solidFill>
+                  <a:srgbClr val="CED1CF"/>
+                </a:solidFill>
+                <a:effectLst/>
+                <a:latin typeface="Menlo" panose="020B0609030804020204" pitchFamily="49" charset="0"/>
+              </a:rPr>
+              <a:t>;</a:t>
+            </a:r>
+            <a:br>
+              <a:rPr lang="en-GB" sz="1000" dirty="0">
+                <a:solidFill>
+                  <a:srgbClr val="CED1CF"/>
+                </a:solidFill>
+                <a:effectLst/>
+                <a:latin typeface="Menlo" panose="020B0609030804020204" pitchFamily="49" charset="0"/>
+              </a:rPr>
+            </a:br>
+            <a:r>
+              <a:rPr lang="en-GB" sz="1000" dirty="0">
+                <a:solidFill>
+                  <a:srgbClr val="CED1CF"/>
+                </a:solidFill>
+                <a:effectLst/>
+                <a:latin typeface="Menlo" panose="020B0609030804020204" pitchFamily="49" charset="0"/>
+              </a:rPr>
+              <a:t>        </a:t>
+            </a:r>
+            <a:r>
+              <a:rPr lang="en-GB" sz="1000" dirty="0" err="1">
+                <a:solidFill>
+                  <a:srgbClr val="C5C8C6"/>
+                </a:solidFill>
+                <a:effectLst/>
+                <a:latin typeface="Menlo" panose="020B0609030804020204" pitchFamily="49" charset="0"/>
+              </a:rPr>
+              <a:t>monkey</a:t>
+            </a:r>
+            <a:r>
+              <a:rPr lang="en-GB" sz="1000" dirty="0" err="1">
+                <a:solidFill>
+                  <a:srgbClr val="CED1CF"/>
+                </a:solidFill>
+                <a:effectLst/>
+                <a:latin typeface="Menlo" panose="020B0609030804020204" pitchFamily="49" charset="0"/>
+              </a:rPr>
+              <a:t>.</a:t>
+            </a:r>
+            <a:r>
+              <a:rPr lang="en-GB" sz="1000" dirty="0" err="1">
+                <a:solidFill>
+                  <a:srgbClr val="DE935F"/>
+                </a:solidFill>
+                <a:effectLst/>
+                <a:latin typeface="Menlo" panose="020B0609030804020204" pitchFamily="49" charset="0"/>
+              </a:rPr>
+              <a:t>food</a:t>
+            </a:r>
+            <a:r>
+              <a:rPr lang="en-GB" sz="1000" dirty="0">
+                <a:solidFill>
+                  <a:srgbClr val="DE935F"/>
+                </a:solidFill>
+                <a:effectLst/>
+                <a:latin typeface="Menlo" panose="020B0609030804020204" pitchFamily="49" charset="0"/>
+              </a:rPr>
+              <a:t> </a:t>
+            </a:r>
+            <a:r>
+              <a:rPr lang="en-GB" sz="1000" dirty="0">
+                <a:solidFill>
+                  <a:srgbClr val="CED1CF"/>
+                </a:solidFill>
+                <a:effectLst/>
+                <a:latin typeface="Menlo" panose="020B0609030804020204" pitchFamily="49" charset="0"/>
+              </a:rPr>
+              <a:t>= </a:t>
+            </a:r>
+            <a:r>
+              <a:rPr lang="en-GB" sz="1000" dirty="0" err="1">
+                <a:solidFill>
+                  <a:srgbClr val="B294BB"/>
+                </a:solidFill>
+                <a:effectLst/>
+                <a:latin typeface="Menlo" panose="020B0609030804020204" pitchFamily="49" charset="0"/>
+              </a:rPr>
+              <a:t>this</a:t>
+            </a:r>
+            <a:r>
+              <a:rPr lang="en-GB" sz="1000" dirty="0" err="1">
+                <a:solidFill>
+                  <a:srgbClr val="CED1CF"/>
+                </a:solidFill>
+                <a:effectLst/>
+                <a:latin typeface="Menlo" panose="020B0609030804020204" pitchFamily="49" charset="0"/>
+              </a:rPr>
+              <a:t>.</a:t>
+            </a:r>
+            <a:r>
+              <a:rPr lang="en-GB" sz="1000" dirty="0" err="1">
+                <a:solidFill>
+                  <a:srgbClr val="DE935F"/>
+                </a:solidFill>
+                <a:effectLst/>
+                <a:latin typeface="Menlo" panose="020B0609030804020204" pitchFamily="49" charset="0"/>
+              </a:rPr>
+              <a:t>food</a:t>
+            </a:r>
+            <a:r>
+              <a:rPr lang="en-GB" sz="1000" dirty="0">
+                <a:solidFill>
+                  <a:srgbClr val="CED1CF"/>
+                </a:solidFill>
+                <a:effectLst/>
+                <a:latin typeface="Menlo" panose="020B0609030804020204" pitchFamily="49" charset="0"/>
+              </a:rPr>
+              <a:t>;</a:t>
+            </a:r>
+            <a:br>
+              <a:rPr lang="en-GB" sz="1000" dirty="0">
+                <a:solidFill>
+                  <a:srgbClr val="CED1CF"/>
+                </a:solidFill>
+                <a:effectLst/>
+                <a:latin typeface="Menlo" panose="020B0609030804020204" pitchFamily="49" charset="0"/>
+              </a:rPr>
+            </a:br>
+            <a:r>
+              <a:rPr lang="en-GB" sz="1000" dirty="0">
+                <a:solidFill>
+                  <a:srgbClr val="CED1CF"/>
+                </a:solidFill>
+                <a:effectLst/>
+                <a:latin typeface="Menlo" panose="020B0609030804020204" pitchFamily="49" charset="0"/>
+              </a:rPr>
+              <a:t>        </a:t>
+            </a:r>
+            <a:r>
+              <a:rPr lang="en-GB" sz="1000" dirty="0">
+                <a:solidFill>
+                  <a:srgbClr val="B294BB"/>
+                </a:solidFill>
+                <a:effectLst/>
+                <a:latin typeface="Menlo" panose="020B0609030804020204" pitchFamily="49" charset="0"/>
+              </a:rPr>
+              <a:t>return </a:t>
+            </a:r>
+            <a:r>
+              <a:rPr lang="en-GB" sz="1000" dirty="0">
+                <a:solidFill>
+                  <a:srgbClr val="C5C8C6"/>
+                </a:solidFill>
+                <a:effectLst/>
+                <a:latin typeface="Menlo" panose="020B0609030804020204" pitchFamily="49" charset="0"/>
+              </a:rPr>
+              <a:t>monkey</a:t>
+            </a:r>
+            <a:r>
+              <a:rPr lang="en-GB" sz="1000" dirty="0">
+                <a:solidFill>
+                  <a:srgbClr val="CED1CF"/>
+                </a:solidFill>
+                <a:effectLst/>
+                <a:latin typeface="Menlo" panose="020B0609030804020204" pitchFamily="49" charset="0"/>
+              </a:rPr>
+              <a:t>;</a:t>
+            </a:r>
+            <a:br>
+              <a:rPr lang="en-GB" sz="1000" dirty="0">
+                <a:solidFill>
+                  <a:srgbClr val="CED1CF"/>
+                </a:solidFill>
+                <a:effectLst/>
+                <a:latin typeface="Menlo" panose="020B0609030804020204" pitchFamily="49" charset="0"/>
+              </a:rPr>
+            </a:br>
+            <a:r>
+              <a:rPr lang="en-GB" sz="1000" dirty="0">
+                <a:solidFill>
+                  <a:srgbClr val="CED1CF"/>
+                </a:solidFill>
+                <a:effectLst/>
+                <a:latin typeface="Menlo" panose="020B0609030804020204" pitchFamily="49" charset="0"/>
+              </a:rPr>
+              <a:t>    </a:t>
+            </a:r>
+            <a:r>
+              <a:rPr lang="en-GB" sz="1000" dirty="0">
+                <a:solidFill>
+                  <a:srgbClr val="8C01BF"/>
+                </a:solidFill>
+                <a:effectLst/>
+                <a:latin typeface="Menlo" panose="020B0609030804020204" pitchFamily="49" charset="0"/>
+              </a:rPr>
+              <a:t>}</a:t>
+            </a:r>
+            <a:br>
+              <a:rPr lang="en-GB" sz="1000" dirty="0">
+                <a:solidFill>
+                  <a:srgbClr val="8C01BF"/>
+                </a:solidFill>
+                <a:effectLst/>
+                <a:latin typeface="Menlo" panose="020B0609030804020204" pitchFamily="49" charset="0"/>
+              </a:rPr>
+            </a:br>
+            <a:r>
+              <a:rPr lang="en-GB" sz="1000" dirty="0">
+                <a:solidFill>
+                  <a:srgbClr val="0E7F8E"/>
+                </a:solidFill>
+                <a:effectLst/>
+                <a:latin typeface="Menlo" panose="020B0609030804020204" pitchFamily="49" charset="0"/>
+              </a:rPr>
+              <a:t>}</a:t>
+            </a:r>
+            <a:endParaRPr lang="en-GB" sz="1000" dirty="0">
+              <a:solidFill>
+                <a:srgbClr val="C5C8C6"/>
+              </a:solidFill>
+              <a:effectLst/>
+              <a:latin typeface="Menlo" panose="020B0609030804020204" pitchFamily="49" charset="0"/>
+            </a:endParaRPr>
+          </a:p>
+        </p:txBody>
+      </p:sp>
+      <p:sp>
+        <p:nvSpPr>
+          <p:cNvPr id="7" name="Down Arrow 6">
+            <a:extLst>
+              <a:ext uri="{FF2B5EF4-FFF2-40B4-BE49-F238E27FC236}">
+                <a16:creationId xmlns:a16="http://schemas.microsoft.com/office/drawing/2014/main" id="{FD5A0066-DE90-61CA-4388-2CCDAA50B0B5}"/>
+              </a:ext>
+            </a:extLst>
+          </p:cNvPr>
+          <p:cNvSpPr/>
+          <p:nvPr/>
+        </p:nvSpPr>
+        <p:spPr>
+          <a:xfrm rot="3485134">
+            <a:off x="5033785" y="2206021"/>
+            <a:ext cx="288032" cy="2736304"/>
+          </a:xfrm>
+          <a:prstGeom prst="downArrow">
+            <a:avLst/>
+          </a:prstGeom>
+          <a:ln>
+            <a:noFill/>
+          </a:ln>
+        </p:spPr>
+        <p:style>
+          <a:lnRef idx="2">
+            <a:schemeClr val="accent1">
+              <a:shade val="50000"/>
+            </a:schemeClr>
+          </a:lnRef>
+          <a:fillRef idx="1">
+            <a:schemeClr val="accent1"/>
+          </a:fillRef>
+          <a:effectRef idx="0">
+            <a:schemeClr val="accent1"/>
+          </a:effectRef>
+          <a:fontRef idx="minor">
+            <a:schemeClr val="lt1"/>
+          </a:fontRef>
+        </p:style>
+        <p:txBody>
+          <a:bodyPr wrap="none" rtlCol="0" anchor="ctr">
+            <a:spAutoFit/>
+          </a:bodyPr>
+          <a:lstStyle/>
+          <a:p>
+            <a:pPr algn="ctr">
+              <a:lnSpc>
+                <a:spcPct val="90000"/>
+              </a:lnSpc>
+              <a:spcBef>
+                <a:spcPts val="1200"/>
+              </a:spcBef>
+            </a:pPr>
+            <a:endParaRPr lang="en-US" dirty="0" err="1"/>
+          </a:p>
+        </p:txBody>
+      </p:sp>
+    </p:spTree>
+    <p:extLst>
+      <p:ext uri="{BB962C8B-B14F-4D97-AF65-F5344CB8AC3E}">
+        <p14:creationId xmlns:p14="http://schemas.microsoft.com/office/powerpoint/2010/main" val="4145953076"/>
+      </p:ext>
+    </p:extLst>
+  </p:cSld>
+  <p:clrMapOvr>
+    <a:masterClrMapping/>
+  </p:clrMapOvr>
+  <p:transition>
+    <p:fade/>
+  </p:transition>
+</p:sld>
+</file>
+
+<file path=ppt/slides/slide8.xml><?xml version="1.0" encoding="utf-8"?>
+<p:sld xmlns:a="http://schemas.openxmlformats.org/drawingml/2006/main" xmlns:r="http://schemas.openxmlformats.org/officeDocument/2006/relationships" xmlns:p="http://schemas.openxmlformats.org/presentationml/2006/main">
+  <p:cSld>
+    <p:spTree>
+      <p:nvGrpSpPr>
+        <p:cNvPr id="1" name=""/>
+        <p:cNvGrpSpPr/>
+        <p:nvPr/>
+      </p:nvGrpSpPr>
+      <p:grpSpPr>
+        <a:xfrm>
+          <a:off x="0" y="0"/>
+          <a:ext cx="0" cy="0"/>
+          <a:chOff x="0" y="0"/>
+          <a:chExt cx="0" cy="0"/>
+        </a:xfrm>
+      </p:grpSpPr>
+      <p:sp>
+        <p:nvSpPr>
+          <p:cNvPr id="2" name="Title 1">
+            <a:extLst>
+              <a:ext uri="{FF2B5EF4-FFF2-40B4-BE49-F238E27FC236}">
+                <a16:creationId xmlns:a16="http://schemas.microsoft.com/office/drawing/2014/main" id="{F4CB2B28-399B-B183-B2E2-3C2DFEC44227}"/>
+              </a:ext>
+            </a:extLst>
+          </p:cNvPr>
+          <p:cNvSpPr>
+            <a:spLocks noGrp="1"/>
+          </p:cNvSpPr>
+          <p:nvPr>
+            <p:ph type="title"/>
+          </p:nvPr>
+        </p:nvSpPr>
+        <p:spPr/>
+        <p:txBody>
+          <a:bodyPr/>
+          <a:lstStyle/>
+          <a:p>
+            <a:r>
+              <a:rPr lang="en-US" dirty="0"/>
+              <a:t>Functional Builder</a:t>
+            </a:r>
+          </a:p>
+        </p:txBody>
+      </p:sp>
+      <p:sp>
+        <p:nvSpPr>
+          <p:cNvPr id="3" name="TextBox 2">
+            <a:extLst>
+              <a:ext uri="{FF2B5EF4-FFF2-40B4-BE49-F238E27FC236}">
+                <a16:creationId xmlns:a16="http://schemas.microsoft.com/office/drawing/2014/main" id="{78C91408-170F-B592-FE74-9E94F03F0615}"/>
+              </a:ext>
+            </a:extLst>
+          </p:cNvPr>
+          <p:cNvSpPr txBox="1"/>
+          <p:nvPr/>
+        </p:nvSpPr>
+        <p:spPr>
+          <a:xfrm>
+            <a:off x="1919536" y="1364555"/>
+            <a:ext cx="6306535" cy="4789003"/>
+          </a:xfrm>
+          <a:prstGeom prst="rect">
+            <a:avLst/>
+          </a:prstGeom>
+          <a:noFill/>
+        </p:spPr>
+        <p:txBody>
+          <a:bodyPr wrap="none" rtlCol="0">
+            <a:spAutoFit/>
+          </a:bodyPr>
+          <a:lstStyle/>
+          <a:p>
+            <a:pPr>
+              <a:lnSpc>
+                <a:spcPct val="90000"/>
+              </a:lnSpc>
+              <a:spcBef>
+                <a:spcPts val="1200"/>
+              </a:spcBef>
+            </a:pPr>
+            <a:r>
+              <a:rPr lang="en-GB" sz="1400" dirty="0">
+                <a:solidFill>
+                  <a:srgbClr val="B294BB"/>
+                </a:solidFill>
+                <a:effectLst/>
+                <a:latin typeface="Menlo" panose="020B0609030804020204" pitchFamily="49" charset="0"/>
+              </a:rPr>
+              <a:t>public class </a:t>
+            </a:r>
+            <a:r>
+              <a:rPr lang="en-GB" sz="1400" dirty="0" err="1">
+                <a:solidFill>
+                  <a:srgbClr val="F0C674"/>
+                </a:solidFill>
+                <a:effectLst/>
+                <a:latin typeface="Menlo" panose="020B0609030804020204" pitchFamily="49" charset="0"/>
+              </a:rPr>
+              <a:t>TestBuilder</a:t>
+            </a:r>
+            <a:r>
+              <a:rPr lang="en-GB" sz="1400" dirty="0">
+                <a:solidFill>
+                  <a:srgbClr val="F0C674"/>
+                </a:solidFill>
+                <a:effectLst/>
+                <a:latin typeface="Menlo" panose="020B0609030804020204" pitchFamily="49" charset="0"/>
+              </a:rPr>
+              <a:t> </a:t>
+            </a:r>
+            <a:r>
+              <a:rPr lang="en-GB" sz="1400" dirty="0">
+                <a:solidFill>
+                  <a:srgbClr val="C5C8C6"/>
+                </a:solidFill>
+                <a:effectLst/>
+                <a:latin typeface="Menlo" panose="020B0609030804020204" pitchFamily="49" charset="0"/>
+              </a:rPr>
+              <a:t>{</a:t>
+            </a:r>
+            <a:br>
+              <a:rPr lang="en-GB" sz="1400" dirty="0">
+                <a:solidFill>
+                  <a:srgbClr val="C5C8C6"/>
+                </a:solidFill>
+                <a:effectLst/>
+                <a:latin typeface="Menlo" panose="020B0609030804020204" pitchFamily="49" charset="0"/>
+              </a:rPr>
+            </a:br>
+            <a:r>
+              <a:rPr lang="en-GB" sz="1400" dirty="0">
+                <a:solidFill>
+                  <a:srgbClr val="C5C8C6"/>
+                </a:solidFill>
+                <a:effectLst/>
+                <a:latin typeface="Menlo" panose="020B0609030804020204" pitchFamily="49" charset="0"/>
+              </a:rPr>
+              <a:t>    </a:t>
+            </a:r>
+            <a:r>
+              <a:rPr lang="en-GB" sz="1400" dirty="0">
+                <a:solidFill>
+                  <a:srgbClr val="B294BB"/>
+                </a:solidFill>
+                <a:effectLst/>
+                <a:latin typeface="Menlo" panose="020B0609030804020204" pitchFamily="49" charset="0"/>
+              </a:rPr>
+              <a:t>public static void </a:t>
+            </a:r>
+            <a:r>
+              <a:rPr lang="en-GB" sz="1400" dirty="0">
+                <a:solidFill>
+                  <a:srgbClr val="81A2BE"/>
+                </a:solidFill>
+                <a:effectLst/>
+                <a:latin typeface="Menlo" panose="020B0609030804020204" pitchFamily="49" charset="0"/>
+              </a:rPr>
+              <a:t>main</a:t>
+            </a:r>
+            <a:r>
+              <a:rPr lang="en-GB" sz="1400" dirty="0">
+                <a:solidFill>
+                  <a:srgbClr val="C5C8C6"/>
+                </a:solidFill>
+                <a:effectLst/>
+                <a:latin typeface="Menlo" panose="020B0609030804020204" pitchFamily="49" charset="0"/>
+              </a:rPr>
+              <a:t>(</a:t>
+            </a:r>
+            <a:r>
+              <a:rPr lang="en-GB" sz="1400" dirty="0">
+                <a:solidFill>
+                  <a:srgbClr val="F0C674"/>
+                </a:solidFill>
+                <a:effectLst/>
+                <a:latin typeface="Menlo" panose="020B0609030804020204" pitchFamily="49" charset="0"/>
+              </a:rPr>
+              <a:t>String</a:t>
+            </a:r>
+            <a:r>
+              <a:rPr lang="en-GB" sz="1400" dirty="0">
+                <a:solidFill>
+                  <a:srgbClr val="C5C8C6"/>
+                </a:solidFill>
+                <a:effectLst/>
+                <a:latin typeface="Menlo" panose="020B0609030804020204" pitchFamily="49" charset="0"/>
+              </a:rPr>
+              <a:t>[] </a:t>
+            </a:r>
+            <a:r>
+              <a:rPr lang="en-GB" sz="1400" dirty="0" err="1">
+                <a:solidFill>
+                  <a:srgbClr val="DE935F"/>
+                </a:solidFill>
+                <a:effectLst/>
+                <a:latin typeface="Menlo" panose="020B0609030804020204" pitchFamily="49" charset="0"/>
+              </a:rPr>
+              <a:t>args</a:t>
+            </a:r>
+            <a:r>
+              <a:rPr lang="en-GB" sz="1400" dirty="0">
+                <a:solidFill>
+                  <a:srgbClr val="C5C8C6"/>
+                </a:solidFill>
+                <a:effectLst/>
+                <a:latin typeface="Menlo" panose="020B0609030804020204" pitchFamily="49" charset="0"/>
+              </a:rPr>
+              <a:t>) </a:t>
+            </a:r>
+            <a:r>
+              <a:rPr lang="en-GB" sz="1400" dirty="0">
+                <a:solidFill>
+                  <a:srgbClr val="0E7F8E"/>
+                </a:solidFill>
+                <a:effectLst/>
+                <a:latin typeface="Menlo" panose="020B0609030804020204" pitchFamily="49" charset="0"/>
+              </a:rPr>
+              <a:t>{</a:t>
+            </a:r>
+            <a:br>
+              <a:rPr lang="en-GB" sz="1400" dirty="0">
+                <a:solidFill>
+                  <a:srgbClr val="0E7F8E"/>
+                </a:solidFill>
+                <a:effectLst/>
+                <a:latin typeface="Menlo" panose="020B0609030804020204" pitchFamily="49" charset="0"/>
+              </a:rPr>
+            </a:br>
+            <a:r>
+              <a:rPr lang="en-GB" sz="1400" dirty="0">
+                <a:solidFill>
+                  <a:srgbClr val="0E7F8E"/>
+                </a:solidFill>
+                <a:effectLst/>
+                <a:latin typeface="Menlo" panose="020B0609030804020204" pitchFamily="49" charset="0"/>
+              </a:rPr>
+              <a:t>        </a:t>
+            </a:r>
+            <a:r>
+              <a:rPr lang="en-GB" sz="1400" dirty="0">
+                <a:solidFill>
+                  <a:srgbClr val="F0C674"/>
+                </a:solidFill>
+                <a:effectLst/>
+                <a:latin typeface="Menlo" panose="020B0609030804020204" pitchFamily="49" charset="0"/>
+              </a:rPr>
+              <a:t>Customer </a:t>
+            </a:r>
+            <a:r>
+              <a:rPr lang="en-GB" sz="1400" dirty="0">
+                <a:solidFill>
+                  <a:srgbClr val="C5C8C6"/>
+                </a:solidFill>
+                <a:effectLst/>
+                <a:latin typeface="Menlo" panose="020B0609030804020204" pitchFamily="49" charset="0"/>
+              </a:rPr>
+              <a:t>bob </a:t>
+            </a:r>
+            <a:r>
+              <a:rPr lang="en-GB" sz="1400" dirty="0">
+                <a:solidFill>
+                  <a:srgbClr val="CED1CF"/>
+                </a:solidFill>
+                <a:effectLst/>
+                <a:latin typeface="Menlo" panose="020B0609030804020204" pitchFamily="49" charset="0"/>
+              </a:rPr>
+              <a:t>= </a:t>
+            </a:r>
+            <a:r>
+              <a:rPr lang="en-GB" sz="1400" dirty="0" err="1">
+                <a:solidFill>
+                  <a:srgbClr val="F0C674"/>
+                </a:solidFill>
+                <a:effectLst/>
+                <a:latin typeface="Menlo" panose="020B0609030804020204" pitchFamily="49" charset="0"/>
+              </a:rPr>
+              <a:t>Customer</a:t>
+            </a:r>
+            <a:r>
+              <a:rPr lang="en-GB" sz="1400" dirty="0" err="1">
+                <a:solidFill>
+                  <a:srgbClr val="CED1CF"/>
+                </a:solidFill>
+                <a:effectLst/>
+                <a:latin typeface="Menlo" panose="020B0609030804020204" pitchFamily="49" charset="0"/>
+              </a:rPr>
+              <a:t>.</a:t>
+            </a:r>
+            <a:r>
+              <a:rPr lang="en-GB" sz="1400" i="1" dirty="0" err="1">
+                <a:solidFill>
+                  <a:srgbClr val="CC6666"/>
+                </a:solidFill>
+                <a:effectLst/>
+                <a:latin typeface="Menlo" panose="020B0609030804020204" pitchFamily="49" charset="0"/>
+              </a:rPr>
+              <a:t>builderOf</a:t>
+            </a:r>
+            <a:r>
+              <a:rPr lang="en-GB" sz="1400" dirty="0">
+                <a:solidFill>
+                  <a:srgbClr val="C5C8C6"/>
+                </a:solidFill>
+                <a:effectLst/>
+                <a:latin typeface="Menlo" panose="020B0609030804020204" pitchFamily="49" charset="0"/>
+              </a:rPr>
+              <a:t>(</a:t>
+            </a:r>
+            <a:r>
+              <a:rPr lang="en-GB" sz="1400" dirty="0">
+                <a:solidFill>
+                  <a:srgbClr val="B5BD68"/>
+                </a:solidFill>
+                <a:effectLst/>
+                <a:latin typeface="Menlo" panose="020B0609030804020204" pitchFamily="49" charset="0"/>
+              </a:rPr>
+              <a:t>"bob"</a:t>
+            </a:r>
+            <a:r>
+              <a:rPr lang="en-GB" sz="1400" dirty="0">
+                <a:solidFill>
+                  <a:srgbClr val="CED1CF"/>
+                </a:solidFill>
+                <a:effectLst/>
+                <a:latin typeface="Menlo" panose="020B0609030804020204" pitchFamily="49" charset="0"/>
+              </a:rPr>
+              <a:t>, </a:t>
+            </a:r>
+            <a:r>
+              <a:rPr lang="en-GB" sz="1400" dirty="0">
+                <a:solidFill>
+                  <a:srgbClr val="B5BD68"/>
+                </a:solidFill>
+                <a:effectLst/>
+                <a:latin typeface="Menlo" panose="020B0609030804020204" pitchFamily="49" charset="0"/>
+              </a:rPr>
+              <a:t>"smith"</a:t>
+            </a:r>
+            <a:r>
+              <a:rPr lang="en-GB" sz="1400" dirty="0">
+                <a:solidFill>
+                  <a:srgbClr val="C5C8C6"/>
+                </a:solidFill>
+                <a:effectLst/>
+                <a:latin typeface="Menlo" panose="020B0609030804020204" pitchFamily="49" charset="0"/>
+              </a:rPr>
+              <a:t>)</a:t>
+            </a:r>
+            <a:br>
+              <a:rPr lang="en-GB" sz="1400" dirty="0">
+                <a:solidFill>
+                  <a:srgbClr val="C5C8C6"/>
+                </a:solidFill>
+                <a:effectLst/>
+                <a:latin typeface="Menlo" panose="020B0609030804020204" pitchFamily="49" charset="0"/>
+              </a:rPr>
+            </a:br>
+            <a:r>
+              <a:rPr lang="en-GB" sz="1400" dirty="0">
+                <a:solidFill>
+                  <a:srgbClr val="C5C8C6"/>
+                </a:solidFill>
+                <a:effectLst/>
+                <a:latin typeface="Menlo" panose="020B0609030804020204" pitchFamily="49" charset="0"/>
+              </a:rPr>
+              <a:t>                </a:t>
+            </a:r>
+            <a:r>
+              <a:rPr lang="en-GB" sz="1400" dirty="0">
+                <a:solidFill>
+                  <a:srgbClr val="CED1CF"/>
+                </a:solidFill>
+                <a:effectLst/>
+                <a:latin typeface="Menlo" panose="020B0609030804020204" pitchFamily="49" charset="0"/>
+              </a:rPr>
+              <a:t>.</a:t>
+            </a:r>
+            <a:r>
+              <a:rPr lang="en-GB" sz="1400" dirty="0" err="1">
+                <a:solidFill>
+                  <a:srgbClr val="C5C8C6"/>
+                </a:solidFill>
+                <a:effectLst/>
+                <a:latin typeface="Menlo" panose="020B0609030804020204" pitchFamily="49" charset="0"/>
+              </a:rPr>
+              <a:t>withAddress</a:t>
+            </a:r>
+            <a:r>
+              <a:rPr lang="en-GB" sz="1400" dirty="0">
+                <a:solidFill>
+                  <a:srgbClr val="C5C8C6"/>
+                </a:solidFill>
+                <a:effectLst/>
+                <a:latin typeface="Menlo" panose="020B0609030804020204" pitchFamily="49" charset="0"/>
+              </a:rPr>
+              <a:t>(</a:t>
+            </a:r>
+            <a:r>
+              <a:rPr lang="en-GB" sz="1400" dirty="0">
+                <a:solidFill>
+                  <a:srgbClr val="B5BD68"/>
+                </a:solidFill>
+                <a:effectLst/>
+                <a:latin typeface="Menlo" panose="020B0609030804020204" pitchFamily="49" charset="0"/>
+              </a:rPr>
+              <a:t>"7 </a:t>
+            </a:r>
+            <a:r>
+              <a:rPr lang="en-GB" sz="1400" dirty="0" err="1">
+                <a:solidFill>
+                  <a:srgbClr val="B5BD68"/>
+                </a:solidFill>
+                <a:effectLst/>
+                <a:latin typeface="Menlo" panose="020B0609030804020204" pitchFamily="49" charset="0"/>
+              </a:rPr>
+              <a:t>Beachamp</a:t>
+            </a:r>
+            <a:r>
+              <a:rPr lang="en-GB" sz="1400" dirty="0">
+                <a:solidFill>
+                  <a:srgbClr val="B5BD68"/>
+                </a:solidFill>
+                <a:effectLst/>
+                <a:latin typeface="Menlo" panose="020B0609030804020204" pitchFamily="49" charset="0"/>
+              </a:rPr>
+              <a:t> Road"</a:t>
+            </a:r>
+            <a:r>
+              <a:rPr lang="en-GB" sz="1400" dirty="0">
+                <a:solidFill>
+                  <a:srgbClr val="C5C8C6"/>
+                </a:solidFill>
+                <a:effectLst/>
+                <a:latin typeface="Menlo" panose="020B0609030804020204" pitchFamily="49" charset="0"/>
+              </a:rPr>
+              <a:t>)</a:t>
+            </a:r>
+            <a:br>
+              <a:rPr lang="en-GB" sz="1400" dirty="0">
+                <a:solidFill>
+                  <a:srgbClr val="C5C8C6"/>
+                </a:solidFill>
+                <a:effectLst/>
+                <a:latin typeface="Menlo" panose="020B0609030804020204" pitchFamily="49" charset="0"/>
+              </a:rPr>
+            </a:br>
+            <a:r>
+              <a:rPr lang="en-GB" sz="1400" dirty="0">
+                <a:solidFill>
+                  <a:srgbClr val="C5C8C6"/>
+                </a:solidFill>
+                <a:effectLst/>
+                <a:latin typeface="Menlo" panose="020B0609030804020204" pitchFamily="49" charset="0"/>
+              </a:rPr>
+              <a:t>                </a:t>
+            </a:r>
+            <a:r>
+              <a:rPr lang="en-GB" sz="1400" dirty="0">
+                <a:solidFill>
+                  <a:srgbClr val="CED1CF"/>
+                </a:solidFill>
+                <a:effectLst/>
+                <a:latin typeface="Menlo" panose="020B0609030804020204" pitchFamily="49" charset="0"/>
+              </a:rPr>
+              <a:t>.</a:t>
+            </a:r>
+            <a:r>
+              <a:rPr lang="en-GB" sz="1400" dirty="0" err="1">
+                <a:solidFill>
+                  <a:srgbClr val="C5C8C6"/>
+                </a:solidFill>
+                <a:effectLst/>
+                <a:latin typeface="Menlo" panose="020B0609030804020204" pitchFamily="49" charset="0"/>
+              </a:rPr>
+              <a:t>withAge</a:t>
+            </a:r>
+            <a:r>
+              <a:rPr lang="en-GB" sz="1400" dirty="0">
+                <a:solidFill>
+                  <a:srgbClr val="C5C8C6"/>
+                </a:solidFill>
+                <a:effectLst/>
+                <a:latin typeface="Menlo" panose="020B0609030804020204" pitchFamily="49" charset="0"/>
+              </a:rPr>
+              <a:t>(</a:t>
+            </a:r>
+            <a:r>
+              <a:rPr lang="en-GB" sz="1400" dirty="0">
+                <a:solidFill>
+                  <a:srgbClr val="8ABEB7"/>
+                </a:solidFill>
+                <a:effectLst/>
+                <a:latin typeface="Menlo" panose="020B0609030804020204" pitchFamily="49" charset="0"/>
+              </a:rPr>
+              <a:t>68</a:t>
+            </a:r>
+            <a:r>
+              <a:rPr lang="en-GB" sz="1400" dirty="0">
+                <a:solidFill>
+                  <a:srgbClr val="C5C8C6"/>
+                </a:solidFill>
+                <a:effectLst/>
+                <a:latin typeface="Menlo" panose="020B0609030804020204" pitchFamily="49" charset="0"/>
+              </a:rPr>
+              <a:t>)</a:t>
+            </a:r>
+            <a:br>
+              <a:rPr lang="en-GB" sz="1400" dirty="0">
+                <a:solidFill>
+                  <a:srgbClr val="C5C8C6"/>
+                </a:solidFill>
+                <a:effectLst/>
+                <a:latin typeface="Menlo" panose="020B0609030804020204" pitchFamily="49" charset="0"/>
+              </a:rPr>
+            </a:br>
+            <a:r>
+              <a:rPr lang="en-GB" sz="1400" dirty="0">
+                <a:solidFill>
+                  <a:srgbClr val="C5C8C6"/>
+                </a:solidFill>
+                <a:effectLst/>
+                <a:latin typeface="Menlo" panose="020B0609030804020204" pitchFamily="49" charset="0"/>
+              </a:rPr>
+              <a:t>                </a:t>
+            </a:r>
+            <a:r>
+              <a:rPr lang="en-GB" sz="1400" dirty="0">
+                <a:solidFill>
+                  <a:srgbClr val="CED1CF"/>
+                </a:solidFill>
+                <a:effectLst/>
+                <a:latin typeface="Menlo" panose="020B0609030804020204" pitchFamily="49" charset="0"/>
+              </a:rPr>
+              <a:t>.</a:t>
+            </a:r>
+            <a:r>
+              <a:rPr lang="en-GB" sz="1400" dirty="0" err="1">
+                <a:solidFill>
+                  <a:srgbClr val="C5C8C6"/>
+                </a:solidFill>
+                <a:effectLst/>
+                <a:latin typeface="Menlo" panose="020B0609030804020204" pitchFamily="49" charset="0"/>
+              </a:rPr>
+              <a:t>withPhoneNumber</a:t>
+            </a:r>
+            <a:r>
+              <a:rPr lang="en-GB" sz="1400" dirty="0">
+                <a:solidFill>
+                  <a:srgbClr val="C5C8C6"/>
+                </a:solidFill>
+                <a:effectLst/>
+                <a:latin typeface="Menlo" panose="020B0609030804020204" pitchFamily="49" charset="0"/>
+              </a:rPr>
+              <a:t>(</a:t>
+            </a:r>
+            <a:r>
+              <a:rPr lang="en-GB" sz="1400" dirty="0">
+                <a:solidFill>
+                  <a:srgbClr val="B5BD68"/>
+                </a:solidFill>
+                <a:effectLst/>
+                <a:latin typeface="Menlo" panose="020B0609030804020204" pitchFamily="49" charset="0"/>
+              </a:rPr>
+              <a:t>"7049653"</a:t>
+            </a:r>
+            <a:r>
+              <a:rPr lang="en-GB" sz="1400" dirty="0">
+                <a:solidFill>
+                  <a:srgbClr val="C5C8C6"/>
+                </a:solidFill>
+                <a:effectLst/>
+                <a:latin typeface="Menlo" panose="020B0609030804020204" pitchFamily="49" charset="0"/>
+              </a:rPr>
+              <a:t>)</a:t>
+            </a:r>
+            <a:br>
+              <a:rPr lang="en-GB" sz="1400" dirty="0">
+                <a:solidFill>
+                  <a:srgbClr val="C5C8C6"/>
+                </a:solidFill>
+                <a:effectLst/>
+                <a:latin typeface="Menlo" panose="020B0609030804020204" pitchFamily="49" charset="0"/>
+              </a:rPr>
+            </a:br>
+            <a:r>
+              <a:rPr lang="en-GB" sz="1400" dirty="0">
+                <a:solidFill>
+                  <a:srgbClr val="C5C8C6"/>
+                </a:solidFill>
+                <a:effectLst/>
+                <a:latin typeface="Menlo" panose="020B0609030804020204" pitchFamily="49" charset="0"/>
+              </a:rPr>
+              <a:t>                </a:t>
+            </a:r>
+            <a:r>
+              <a:rPr lang="en-GB" sz="1400" dirty="0">
+                <a:solidFill>
+                  <a:srgbClr val="CED1CF"/>
+                </a:solidFill>
+                <a:effectLst/>
+                <a:latin typeface="Menlo" panose="020B0609030804020204" pitchFamily="49" charset="0"/>
+              </a:rPr>
+              <a:t>.</a:t>
+            </a:r>
+            <a:r>
+              <a:rPr lang="en-GB" sz="1400" dirty="0" err="1">
+                <a:solidFill>
+                  <a:srgbClr val="C5C8C6"/>
+                </a:solidFill>
+                <a:effectLst/>
+                <a:latin typeface="Menlo" panose="020B0609030804020204" pitchFamily="49" charset="0"/>
+              </a:rPr>
+              <a:t>withSex</a:t>
+            </a:r>
+            <a:r>
+              <a:rPr lang="en-GB" sz="1400" dirty="0">
+                <a:solidFill>
+                  <a:srgbClr val="C5C8C6"/>
+                </a:solidFill>
+                <a:effectLst/>
+                <a:latin typeface="Menlo" panose="020B0609030804020204" pitchFamily="49" charset="0"/>
+              </a:rPr>
+              <a:t>(</a:t>
+            </a:r>
+            <a:r>
+              <a:rPr lang="en-GB" sz="1400" dirty="0" err="1">
+                <a:solidFill>
+                  <a:srgbClr val="F0C674"/>
+                </a:solidFill>
+                <a:effectLst/>
+                <a:latin typeface="Menlo" panose="020B0609030804020204" pitchFamily="49" charset="0"/>
+              </a:rPr>
+              <a:t>Customer</a:t>
+            </a:r>
+            <a:r>
+              <a:rPr lang="en-GB" sz="1400" dirty="0" err="1">
+                <a:solidFill>
+                  <a:srgbClr val="CED1CF"/>
+                </a:solidFill>
+                <a:effectLst/>
+                <a:latin typeface="Menlo" panose="020B0609030804020204" pitchFamily="49" charset="0"/>
+              </a:rPr>
+              <a:t>.</a:t>
+            </a:r>
+            <a:r>
+              <a:rPr lang="en-GB" sz="1400" dirty="0" err="1">
+                <a:solidFill>
+                  <a:srgbClr val="94AE57"/>
+                </a:solidFill>
+                <a:effectLst/>
+                <a:latin typeface="Menlo" panose="020B0609030804020204" pitchFamily="49" charset="0"/>
+              </a:rPr>
+              <a:t>Sex</a:t>
+            </a:r>
+            <a:r>
+              <a:rPr lang="en-GB" sz="1400" dirty="0" err="1">
+                <a:solidFill>
+                  <a:srgbClr val="CED1CF"/>
+                </a:solidFill>
+                <a:effectLst/>
+                <a:latin typeface="Menlo" panose="020B0609030804020204" pitchFamily="49" charset="0"/>
+              </a:rPr>
+              <a:t>.</a:t>
+            </a:r>
+            <a:r>
+              <a:rPr lang="en-GB" sz="1400" b="1" i="1" dirty="0" err="1">
+                <a:solidFill>
+                  <a:srgbClr val="DE935F"/>
+                </a:solidFill>
+                <a:effectLst/>
+                <a:latin typeface="Menlo" panose="020B0609030804020204" pitchFamily="49" charset="0"/>
+              </a:rPr>
+              <a:t>MALE</a:t>
+            </a:r>
+            <a:r>
+              <a:rPr lang="en-GB" sz="1400" dirty="0">
+                <a:solidFill>
+                  <a:srgbClr val="C5C8C6"/>
+                </a:solidFill>
+                <a:effectLst/>
+                <a:latin typeface="Menlo" panose="020B0609030804020204" pitchFamily="49" charset="0"/>
+              </a:rPr>
+              <a:t>)</a:t>
+            </a:r>
+            <a:br>
+              <a:rPr lang="en-GB" sz="1400" dirty="0">
+                <a:solidFill>
+                  <a:srgbClr val="C5C8C6"/>
+                </a:solidFill>
+                <a:effectLst/>
+                <a:latin typeface="Menlo" panose="020B0609030804020204" pitchFamily="49" charset="0"/>
+              </a:rPr>
+            </a:br>
+            <a:r>
+              <a:rPr lang="en-GB" sz="1400" dirty="0">
+                <a:solidFill>
+                  <a:srgbClr val="C5C8C6"/>
+                </a:solidFill>
+                <a:effectLst/>
+                <a:latin typeface="Menlo" panose="020B0609030804020204" pitchFamily="49" charset="0"/>
+              </a:rPr>
+              <a:t>                </a:t>
+            </a:r>
+            <a:r>
+              <a:rPr lang="en-GB" sz="1400" dirty="0">
+                <a:solidFill>
+                  <a:srgbClr val="CED1CF"/>
+                </a:solidFill>
+                <a:effectLst/>
+                <a:latin typeface="Menlo" panose="020B0609030804020204" pitchFamily="49" charset="0"/>
+              </a:rPr>
+              <a:t>.</a:t>
+            </a:r>
+            <a:r>
+              <a:rPr lang="en-GB" sz="1400" dirty="0">
+                <a:solidFill>
+                  <a:srgbClr val="C5C8C6"/>
+                </a:solidFill>
+                <a:effectLst/>
+                <a:latin typeface="Menlo" panose="020B0609030804020204" pitchFamily="49" charset="0"/>
+              </a:rPr>
+              <a:t>build()</a:t>
+            </a:r>
+            <a:r>
+              <a:rPr lang="en-GB" sz="1400" dirty="0">
+                <a:solidFill>
+                  <a:srgbClr val="CED1CF"/>
+                </a:solidFill>
+                <a:effectLst/>
+                <a:latin typeface="Menlo" panose="020B0609030804020204" pitchFamily="49" charset="0"/>
+              </a:rPr>
+              <a:t>;</a:t>
+            </a:r>
+            <a:br>
+              <a:rPr lang="en-GB" sz="1400" dirty="0">
+                <a:solidFill>
+                  <a:srgbClr val="CED1CF"/>
+                </a:solidFill>
+                <a:effectLst/>
+                <a:latin typeface="Menlo" panose="020B0609030804020204" pitchFamily="49" charset="0"/>
+              </a:rPr>
+            </a:br>
+            <a:br>
+              <a:rPr lang="en-GB" sz="1400" dirty="0">
+                <a:solidFill>
+                  <a:srgbClr val="CED1CF"/>
+                </a:solidFill>
+                <a:effectLst/>
+                <a:latin typeface="Menlo" panose="020B0609030804020204" pitchFamily="49" charset="0"/>
+              </a:rPr>
+            </a:br>
+            <a:r>
+              <a:rPr lang="en-GB" sz="1400" dirty="0">
+                <a:solidFill>
+                  <a:srgbClr val="CED1CF"/>
+                </a:solidFill>
+                <a:effectLst/>
+                <a:latin typeface="Menlo" panose="020B0609030804020204" pitchFamily="49" charset="0"/>
+              </a:rPr>
+              <a:t>        </a:t>
+            </a:r>
+            <a:r>
+              <a:rPr lang="en-GB" sz="1400" dirty="0" err="1">
+                <a:solidFill>
+                  <a:srgbClr val="F0C674"/>
+                </a:solidFill>
+                <a:effectLst/>
+                <a:latin typeface="Menlo" panose="020B0609030804020204" pitchFamily="49" charset="0"/>
+              </a:rPr>
+              <a:t>System</a:t>
+            </a:r>
+            <a:r>
+              <a:rPr lang="en-GB" sz="1400" dirty="0" err="1">
+                <a:solidFill>
+                  <a:srgbClr val="CED1CF"/>
+                </a:solidFill>
+                <a:effectLst/>
+                <a:latin typeface="Menlo" panose="020B0609030804020204" pitchFamily="49" charset="0"/>
+              </a:rPr>
+              <a:t>.</a:t>
+            </a:r>
+            <a:r>
+              <a:rPr lang="en-GB" sz="1400" b="1" i="1" dirty="0" err="1">
+                <a:solidFill>
+                  <a:srgbClr val="DE935F"/>
+                </a:solidFill>
+                <a:effectLst/>
+                <a:latin typeface="Menlo" panose="020B0609030804020204" pitchFamily="49" charset="0"/>
+              </a:rPr>
+              <a:t>out</a:t>
+            </a:r>
+            <a:r>
+              <a:rPr lang="en-GB" sz="1400" dirty="0" err="1">
+                <a:solidFill>
+                  <a:srgbClr val="CED1CF"/>
+                </a:solidFill>
+                <a:effectLst/>
+                <a:latin typeface="Menlo" panose="020B0609030804020204" pitchFamily="49" charset="0"/>
+              </a:rPr>
+              <a:t>.</a:t>
+            </a:r>
+            <a:r>
+              <a:rPr lang="en-GB" sz="1400" dirty="0" err="1">
+                <a:solidFill>
+                  <a:srgbClr val="C5C8C6"/>
+                </a:solidFill>
+                <a:effectLst/>
+                <a:latin typeface="Menlo" panose="020B0609030804020204" pitchFamily="49" charset="0"/>
+              </a:rPr>
+              <a:t>println</a:t>
+            </a:r>
+            <a:r>
+              <a:rPr lang="en-GB" sz="1400" dirty="0">
+                <a:solidFill>
+                  <a:srgbClr val="C5C8C6"/>
+                </a:solidFill>
+                <a:effectLst/>
+                <a:latin typeface="Menlo" panose="020B0609030804020204" pitchFamily="49" charset="0"/>
+              </a:rPr>
+              <a:t>(bob)</a:t>
+            </a:r>
+            <a:r>
+              <a:rPr lang="en-GB" sz="1400" dirty="0">
+                <a:solidFill>
+                  <a:srgbClr val="CED1CF"/>
+                </a:solidFill>
+                <a:effectLst/>
+                <a:latin typeface="Menlo" panose="020B0609030804020204" pitchFamily="49" charset="0"/>
+              </a:rPr>
+              <a:t>;</a:t>
+            </a:r>
+            <a:br>
+              <a:rPr lang="en-GB" sz="1400" dirty="0">
+                <a:solidFill>
+                  <a:srgbClr val="CED1CF"/>
+                </a:solidFill>
+                <a:effectLst/>
+                <a:latin typeface="Menlo" panose="020B0609030804020204" pitchFamily="49" charset="0"/>
+              </a:rPr>
+            </a:br>
+            <a:br>
+              <a:rPr lang="en-GB" sz="1400" dirty="0">
+                <a:solidFill>
+                  <a:srgbClr val="CED1CF"/>
+                </a:solidFill>
+                <a:effectLst/>
+                <a:latin typeface="Menlo" panose="020B0609030804020204" pitchFamily="49" charset="0"/>
+              </a:rPr>
+            </a:br>
+            <a:r>
+              <a:rPr lang="en-GB" sz="1400" dirty="0">
+                <a:solidFill>
+                  <a:srgbClr val="CED1CF"/>
+                </a:solidFill>
+                <a:effectLst/>
+                <a:latin typeface="Menlo" panose="020B0609030804020204" pitchFamily="49" charset="0"/>
+              </a:rPr>
+              <a:t>        </a:t>
+            </a:r>
+            <a:r>
+              <a:rPr lang="en-GB" sz="1400" dirty="0">
+                <a:solidFill>
+                  <a:srgbClr val="F0C674"/>
+                </a:solidFill>
+                <a:effectLst/>
+                <a:latin typeface="Menlo" panose="020B0609030804020204" pitchFamily="49" charset="0"/>
+              </a:rPr>
+              <a:t>Patient </a:t>
+            </a:r>
+            <a:r>
+              <a:rPr lang="en-GB" sz="1400" dirty="0" err="1">
+                <a:solidFill>
+                  <a:srgbClr val="C5C8C6"/>
+                </a:solidFill>
+                <a:effectLst/>
+                <a:latin typeface="Menlo" panose="020B0609030804020204" pitchFamily="49" charset="0"/>
+              </a:rPr>
+              <a:t>sam</a:t>
+            </a:r>
+            <a:r>
+              <a:rPr lang="en-GB" sz="1400" dirty="0">
+                <a:solidFill>
+                  <a:srgbClr val="C5C8C6"/>
+                </a:solidFill>
+                <a:effectLst/>
+                <a:latin typeface="Menlo" panose="020B0609030804020204" pitchFamily="49" charset="0"/>
+              </a:rPr>
+              <a:t> </a:t>
+            </a:r>
+            <a:r>
+              <a:rPr lang="en-GB" sz="1400" dirty="0">
+                <a:solidFill>
+                  <a:srgbClr val="CED1CF"/>
+                </a:solidFill>
+                <a:effectLst/>
+                <a:latin typeface="Menlo" panose="020B0609030804020204" pitchFamily="49" charset="0"/>
+              </a:rPr>
+              <a:t>= </a:t>
+            </a:r>
+            <a:r>
+              <a:rPr lang="en-GB" sz="1400" dirty="0" err="1">
+                <a:solidFill>
+                  <a:srgbClr val="F0C674"/>
+                </a:solidFill>
+                <a:effectLst/>
+                <a:latin typeface="Menlo" panose="020B0609030804020204" pitchFamily="49" charset="0"/>
+              </a:rPr>
+              <a:t>Patient</a:t>
+            </a:r>
+            <a:r>
+              <a:rPr lang="en-GB" sz="1400" dirty="0" err="1">
+                <a:solidFill>
+                  <a:srgbClr val="CED1CF"/>
+                </a:solidFill>
+                <a:effectLst/>
+                <a:latin typeface="Menlo" panose="020B0609030804020204" pitchFamily="49" charset="0"/>
+              </a:rPr>
+              <a:t>.</a:t>
+            </a:r>
+            <a:r>
+              <a:rPr lang="en-GB" sz="1400" i="1" dirty="0" err="1">
+                <a:solidFill>
+                  <a:srgbClr val="CC6666"/>
+                </a:solidFill>
+                <a:effectLst/>
+                <a:latin typeface="Menlo" panose="020B0609030804020204" pitchFamily="49" charset="0"/>
+              </a:rPr>
+              <a:t>builderOf</a:t>
+            </a:r>
+            <a:r>
+              <a:rPr lang="en-GB" sz="1400" dirty="0">
+                <a:solidFill>
+                  <a:srgbClr val="C5C8C6"/>
+                </a:solidFill>
+                <a:effectLst/>
+                <a:latin typeface="Menlo" panose="020B0609030804020204" pitchFamily="49" charset="0"/>
+              </a:rPr>
+              <a:t>(</a:t>
+            </a:r>
+            <a:r>
+              <a:rPr lang="en-GB" sz="1400" dirty="0">
+                <a:solidFill>
+                  <a:srgbClr val="B5BD68"/>
+                </a:solidFill>
+                <a:effectLst/>
+                <a:latin typeface="Menlo" panose="020B0609030804020204" pitchFamily="49" charset="0"/>
+              </a:rPr>
+              <a:t>"Sam"</a:t>
+            </a:r>
+            <a:r>
+              <a:rPr lang="en-GB" sz="1400" dirty="0">
+                <a:solidFill>
+                  <a:srgbClr val="CED1CF"/>
+                </a:solidFill>
+                <a:effectLst/>
+                <a:latin typeface="Menlo" panose="020B0609030804020204" pitchFamily="49" charset="0"/>
+              </a:rPr>
+              <a:t>, </a:t>
+            </a:r>
+            <a:r>
+              <a:rPr lang="en-GB" sz="1400" dirty="0">
+                <a:solidFill>
+                  <a:srgbClr val="B5BD68"/>
+                </a:solidFill>
+                <a:effectLst/>
+                <a:latin typeface="Menlo" panose="020B0609030804020204" pitchFamily="49" charset="0"/>
+              </a:rPr>
+              <a:t>"Waldron"</a:t>
+            </a:r>
+            <a:r>
+              <a:rPr lang="en-GB" sz="1400" dirty="0">
+                <a:solidFill>
+                  <a:srgbClr val="C5C8C6"/>
+                </a:solidFill>
+                <a:effectLst/>
+                <a:latin typeface="Menlo" panose="020B0609030804020204" pitchFamily="49" charset="0"/>
+              </a:rPr>
+              <a:t>)</a:t>
+            </a:r>
+            <a:br>
+              <a:rPr lang="en-GB" sz="1400" dirty="0">
+                <a:solidFill>
+                  <a:srgbClr val="C5C8C6"/>
+                </a:solidFill>
+                <a:effectLst/>
+                <a:latin typeface="Menlo" panose="020B0609030804020204" pitchFamily="49" charset="0"/>
+              </a:rPr>
+            </a:br>
+            <a:r>
+              <a:rPr lang="en-GB" sz="1400" dirty="0">
+                <a:solidFill>
+                  <a:srgbClr val="C5C8C6"/>
+                </a:solidFill>
+                <a:effectLst/>
+                <a:latin typeface="Menlo" panose="020B0609030804020204" pitchFamily="49" charset="0"/>
+              </a:rPr>
+              <a:t>                </a:t>
+            </a:r>
+            <a:r>
+              <a:rPr lang="en-GB" sz="1400" dirty="0">
+                <a:solidFill>
+                  <a:srgbClr val="CED1CF"/>
+                </a:solidFill>
+                <a:effectLst/>
+                <a:latin typeface="Menlo" panose="020B0609030804020204" pitchFamily="49" charset="0"/>
+              </a:rPr>
+              <a:t>.</a:t>
+            </a:r>
+            <a:r>
+              <a:rPr lang="en-GB" sz="1400" dirty="0">
+                <a:solidFill>
+                  <a:srgbClr val="C5C8C6"/>
+                </a:solidFill>
+                <a:effectLst/>
+                <a:latin typeface="Menlo" panose="020B0609030804020204" pitchFamily="49" charset="0"/>
+              </a:rPr>
+              <a:t>with(</a:t>
+            </a:r>
+            <a:r>
+              <a:rPr lang="en-GB" sz="1400" dirty="0">
+                <a:solidFill>
+                  <a:srgbClr val="DE935F"/>
+                </a:solidFill>
+                <a:effectLst/>
+                <a:latin typeface="Menlo" panose="020B0609030804020204" pitchFamily="49" charset="0"/>
+              </a:rPr>
+              <a:t>builder </a:t>
+            </a:r>
+            <a:r>
+              <a:rPr lang="en-GB" sz="1400" dirty="0">
+                <a:solidFill>
+                  <a:srgbClr val="C5C8C6"/>
+                </a:solidFill>
+                <a:effectLst/>
+                <a:latin typeface="Menlo" panose="020B0609030804020204" pitchFamily="49" charset="0"/>
+              </a:rPr>
+              <a:t>-&gt; </a:t>
+            </a:r>
+            <a:r>
+              <a:rPr lang="en-GB" sz="1400" dirty="0">
+                <a:solidFill>
+                  <a:srgbClr val="8C01BF"/>
+                </a:solidFill>
+                <a:effectLst/>
+                <a:latin typeface="Menlo" panose="020B0609030804020204" pitchFamily="49" charset="0"/>
+              </a:rPr>
+              <a:t>{</a:t>
+            </a:r>
+            <a:br>
+              <a:rPr lang="en-GB" sz="1400" dirty="0">
+                <a:solidFill>
+                  <a:srgbClr val="8C01BF"/>
+                </a:solidFill>
+                <a:effectLst/>
+                <a:latin typeface="Menlo" panose="020B0609030804020204" pitchFamily="49" charset="0"/>
+              </a:rPr>
+            </a:br>
+            <a:r>
+              <a:rPr lang="en-GB" sz="1400" dirty="0">
+                <a:solidFill>
+                  <a:srgbClr val="8C01BF"/>
+                </a:solidFill>
+                <a:effectLst/>
+                <a:latin typeface="Menlo" panose="020B0609030804020204" pitchFamily="49" charset="0"/>
+              </a:rPr>
+              <a:t>                    </a:t>
+            </a:r>
+            <a:r>
+              <a:rPr lang="en-GB" sz="1400" dirty="0" err="1">
+                <a:solidFill>
+                  <a:srgbClr val="DE935F"/>
+                </a:solidFill>
+                <a:effectLst/>
+                <a:latin typeface="Menlo" panose="020B0609030804020204" pitchFamily="49" charset="0"/>
+              </a:rPr>
+              <a:t>builder</a:t>
+            </a:r>
+            <a:r>
+              <a:rPr lang="en-GB" sz="1400" dirty="0" err="1">
+                <a:solidFill>
+                  <a:srgbClr val="CED1CF"/>
+                </a:solidFill>
+                <a:effectLst/>
+                <a:latin typeface="Menlo" panose="020B0609030804020204" pitchFamily="49" charset="0"/>
+              </a:rPr>
+              <a:t>.</a:t>
+            </a:r>
+            <a:r>
+              <a:rPr lang="en-GB" sz="1400" dirty="0" err="1">
+                <a:solidFill>
+                  <a:srgbClr val="DE935F"/>
+                </a:solidFill>
+                <a:effectLst/>
+                <a:latin typeface="Menlo" panose="020B0609030804020204" pitchFamily="49" charset="0"/>
+              </a:rPr>
+              <a:t>age</a:t>
+            </a:r>
+            <a:r>
+              <a:rPr lang="en-GB" sz="1400" dirty="0">
+                <a:solidFill>
+                  <a:srgbClr val="DE935F"/>
+                </a:solidFill>
+                <a:effectLst/>
+                <a:latin typeface="Menlo" panose="020B0609030804020204" pitchFamily="49" charset="0"/>
+              </a:rPr>
+              <a:t> </a:t>
+            </a:r>
+            <a:r>
+              <a:rPr lang="en-GB" sz="1400" dirty="0">
+                <a:solidFill>
+                  <a:srgbClr val="CED1CF"/>
+                </a:solidFill>
+                <a:effectLst/>
+                <a:latin typeface="Menlo" panose="020B0609030804020204" pitchFamily="49" charset="0"/>
+              </a:rPr>
+              <a:t>= </a:t>
+            </a:r>
+            <a:r>
+              <a:rPr lang="en-GB" sz="1400" dirty="0">
+                <a:solidFill>
+                  <a:srgbClr val="8ABEB7"/>
+                </a:solidFill>
+                <a:effectLst/>
+                <a:latin typeface="Menlo" panose="020B0609030804020204" pitchFamily="49" charset="0"/>
+              </a:rPr>
+              <a:t>33</a:t>
+            </a:r>
+            <a:r>
+              <a:rPr lang="en-GB" sz="1400" dirty="0">
+                <a:solidFill>
+                  <a:srgbClr val="CED1CF"/>
+                </a:solidFill>
+                <a:effectLst/>
+                <a:latin typeface="Menlo" panose="020B0609030804020204" pitchFamily="49" charset="0"/>
+              </a:rPr>
+              <a:t>;</a:t>
+            </a:r>
+            <a:br>
+              <a:rPr lang="en-GB" sz="1400" dirty="0">
+                <a:solidFill>
+                  <a:srgbClr val="CED1CF"/>
+                </a:solidFill>
+                <a:effectLst/>
+                <a:latin typeface="Menlo" panose="020B0609030804020204" pitchFamily="49" charset="0"/>
+              </a:rPr>
+            </a:br>
+            <a:r>
+              <a:rPr lang="en-GB" sz="1400" dirty="0">
+                <a:solidFill>
+                  <a:srgbClr val="CED1CF"/>
+                </a:solidFill>
+                <a:effectLst/>
+                <a:latin typeface="Menlo" panose="020B0609030804020204" pitchFamily="49" charset="0"/>
+              </a:rPr>
+              <a:t>                    </a:t>
+            </a:r>
+            <a:r>
+              <a:rPr lang="en-GB" sz="1400" dirty="0" err="1">
+                <a:solidFill>
+                  <a:srgbClr val="DE935F"/>
+                </a:solidFill>
+                <a:effectLst/>
+                <a:latin typeface="Menlo" panose="020B0609030804020204" pitchFamily="49" charset="0"/>
+              </a:rPr>
+              <a:t>builder</a:t>
+            </a:r>
+            <a:r>
+              <a:rPr lang="en-GB" sz="1400" dirty="0" err="1">
+                <a:solidFill>
+                  <a:srgbClr val="CED1CF"/>
+                </a:solidFill>
+                <a:effectLst/>
+                <a:latin typeface="Menlo" panose="020B0609030804020204" pitchFamily="49" charset="0"/>
+              </a:rPr>
+              <a:t>.</a:t>
+            </a:r>
+            <a:r>
+              <a:rPr lang="en-GB" sz="1400" dirty="0" err="1">
+                <a:solidFill>
+                  <a:srgbClr val="DE935F"/>
+                </a:solidFill>
+                <a:effectLst/>
+                <a:latin typeface="Menlo" panose="020B0609030804020204" pitchFamily="49" charset="0"/>
+              </a:rPr>
+              <a:t>address</a:t>
+            </a:r>
+            <a:r>
+              <a:rPr lang="en-GB" sz="1400" dirty="0">
+                <a:solidFill>
+                  <a:srgbClr val="DE935F"/>
+                </a:solidFill>
+                <a:effectLst/>
+                <a:latin typeface="Menlo" panose="020B0609030804020204" pitchFamily="49" charset="0"/>
+              </a:rPr>
+              <a:t> </a:t>
+            </a:r>
+            <a:r>
+              <a:rPr lang="en-GB" sz="1400" dirty="0">
+                <a:solidFill>
+                  <a:srgbClr val="CED1CF"/>
+                </a:solidFill>
+                <a:effectLst/>
+                <a:latin typeface="Menlo" panose="020B0609030804020204" pitchFamily="49" charset="0"/>
+              </a:rPr>
+              <a:t>= </a:t>
+            </a:r>
+            <a:r>
+              <a:rPr lang="en-GB" sz="1400" dirty="0">
+                <a:solidFill>
+                  <a:srgbClr val="B5BD68"/>
+                </a:solidFill>
+                <a:effectLst/>
+                <a:latin typeface="Menlo" panose="020B0609030804020204" pitchFamily="49" charset="0"/>
+              </a:rPr>
+              <a:t>”59 Barns Lane"</a:t>
+            </a:r>
+            <a:r>
+              <a:rPr lang="en-GB" sz="1400" dirty="0">
+                <a:solidFill>
+                  <a:srgbClr val="CED1CF"/>
+                </a:solidFill>
+                <a:effectLst/>
+                <a:latin typeface="Menlo" panose="020B0609030804020204" pitchFamily="49" charset="0"/>
+              </a:rPr>
+              <a:t>;</a:t>
+            </a:r>
+            <a:br>
+              <a:rPr lang="en-GB" sz="1400" dirty="0">
+                <a:solidFill>
+                  <a:srgbClr val="CED1CF"/>
+                </a:solidFill>
+                <a:effectLst/>
+                <a:latin typeface="Menlo" panose="020B0609030804020204" pitchFamily="49" charset="0"/>
+              </a:rPr>
+            </a:br>
+            <a:r>
+              <a:rPr lang="en-GB" sz="1400" dirty="0">
+                <a:solidFill>
+                  <a:srgbClr val="CED1CF"/>
+                </a:solidFill>
+                <a:effectLst/>
+                <a:latin typeface="Menlo" panose="020B0609030804020204" pitchFamily="49" charset="0"/>
+              </a:rPr>
+              <a:t>                    </a:t>
+            </a:r>
+            <a:r>
+              <a:rPr lang="en-GB" sz="1400" dirty="0" err="1">
+                <a:solidFill>
+                  <a:srgbClr val="DE935F"/>
+                </a:solidFill>
+                <a:effectLst/>
+                <a:latin typeface="Menlo" panose="020B0609030804020204" pitchFamily="49" charset="0"/>
+              </a:rPr>
+              <a:t>builder</a:t>
+            </a:r>
+            <a:r>
+              <a:rPr lang="en-GB" sz="1400" dirty="0" err="1">
+                <a:solidFill>
+                  <a:srgbClr val="CED1CF"/>
+                </a:solidFill>
+                <a:effectLst/>
+                <a:latin typeface="Menlo" panose="020B0609030804020204" pitchFamily="49" charset="0"/>
+              </a:rPr>
+              <a:t>.</a:t>
+            </a:r>
+            <a:r>
+              <a:rPr lang="en-GB" sz="1400" dirty="0" err="1">
+                <a:solidFill>
+                  <a:srgbClr val="DE935F"/>
+                </a:solidFill>
+                <a:effectLst/>
+                <a:latin typeface="Menlo" panose="020B0609030804020204" pitchFamily="49" charset="0"/>
+              </a:rPr>
+              <a:t>phoneNumber</a:t>
+            </a:r>
+            <a:r>
+              <a:rPr lang="en-GB" sz="1400" dirty="0">
+                <a:solidFill>
+                  <a:srgbClr val="DE935F"/>
+                </a:solidFill>
+                <a:effectLst/>
+                <a:latin typeface="Menlo" panose="020B0609030804020204" pitchFamily="49" charset="0"/>
+              </a:rPr>
+              <a:t> </a:t>
+            </a:r>
+            <a:r>
+              <a:rPr lang="en-GB" sz="1400" dirty="0">
+                <a:solidFill>
+                  <a:srgbClr val="CED1CF"/>
+                </a:solidFill>
+                <a:effectLst/>
+                <a:latin typeface="Menlo" panose="020B0609030804020204" pitchFamily="49" charset="0"/>
+              </a:rPr>
+              <a:t>= </a:t>
+            </a:r>
+            <a:r>
+              <a:rPr lang="en-GB" sz="1400" dirty="0">
+                <a:solidFill>
+                  <a:srgbClr val="B5BD68"/>
+                </a:solidFill>
+                <a:effectLst/>
+                <a:latin typeface="Menlo" panose="020B0609030804020204" pitchFamily="49" charset="0"/>
+              </a:rPr>
+              <a:t>"0118996722"</a:t>
+            </a:r>
+            <a:r>
+              <a:rPr lang="en-GB" sz="1400" dirty="0">
+                <a:solidFill>
+                  <a:srgbClr val="CED1CF"/>
+                </a:solidFill>
+                <a:effectLst/>
+                <a:latin typeface="Menlo" panose="020B0609030804020204" pitchFamily="49" charset="0"/>
+              </a:rPr>
+              <a:t>;</a:t>
+            </a:r>
+            <a:br>
+              <a:rPr lang="en-GB" sz="1400" dirty="0">
+                <a:solidFill>
+                  <a:srgbClr val="CED1CF"/>
+                </a:solidFill>
+                <a:effectLst/>
+                <a:latin typeface="Menlo" panose="020B0609030804020204" pitchFamily="49" charset="0"/>
+              </a:rPr>
+            </a:br>
+            <a:r>
+              <a:rPr lang="en-GB" sz="1400" dirty="0">
+                <a:solidFill>
+                  <a:srgbClr val="CED1CF"/>
+                </a:solidFill>
+                <a:effectLst/>
+                <a:latin typeface="Menlo" panose="020B0609030804020204" pitchFamily="49" charset="0"/>
+              </a:rPr>
+              <a:t>                    </a:t>
+            </a:r>
+            <a:r>
+              <a:rPr lang="en-GB" sz="1400" dirty="0" err="1">
+                <a:solidFill>
+                  <a:srgbClr val="DE935F"/>
+                </a:solidFill>
+                <a:effectLst/>
+                <a:latin typeface="Menlo" panose="020B0609030804020204" pitchFamily="49" charset="0"/>
+              </a:rPr>
+              <a:t>builder</a:t>
+            </a:r>
+            <a:r>
+              <a:rPr lang="en-GB" sz="1400" dirty="0" err="1">
+                <a:solidFill>
+                  <a:srgbClr val="CED1CF"/>
+                </a:solidFill>
+                <a:effectLst/>
+                <a:latin typeface="Menlo" panose="020B0609030804020204" pitchFamily="49" charset="0"/>
+              </a:rPr>
+              <a:t>.</a:t>
+            </a:r>
+            <a:r>
+              <a:rPr lang="en-GB" sz="1400" dirty="0" err="1">
+                <a:solidFill>
+                  <a:srgbClr val="DE935F"/>
+                </a:solidFill>
+                <a:effectLst/>
+                <a:latin typeface="Menlo" panose="020B0609030804020204" pitchFamily="49" charset="0"/>
+              </a:rPr>
+              <a:t>sex</a:t>
+            </a:r>
+            <a:r>
+              <a:rPr lang="en-GB" sz="1400" dirty="0">
+                <a:solidFill>
+                  <a:srgbClr val="DE935F"/>
+                </a:solidFill>
+                <a:effectLst/>
+                <a:latin typeface="Menlo" panose="020B0609030804020204" pitchFamily="49" charset="0"/>
+              </a:rPr>
+              <a:t> </a:t>
+            </a:r>
+            <a:r>
+              <a:rPr lang="en-GB" sz="1400" dirty="0">
+                <a:solidFill>
+                  <a:srgbClr val="CED1CF"/>
+                </a:solidFill>
+                <a:effectLst/>
+                <a:latin typeface="Menlo" panose="020B0609030804020204" pitchFamily="49" charset="0"/>
+              </a:rPr>
+              <a:t>= </a:t>
+            </a:r>
+            <a:r>
+              <a:rPr lang="en-GB" sz="1400" dirty="0" err="1">
+                <a:solidFill>
+                  <a:srgbClr val="F0C674"/>
+                </a:solidFill>
+                <a:effectLst/>
+                <a:latin typeface="Menlo" panose="020B0609030804020204" pitchFamily="49" charset="0"/>
+              </a:rPr>
+              <a:t>Patient</a:t>
+            </a:r>
+            <a:r>
+              <a:rPr lang="en-GB" sz="1400" dirty="0" err="1">
+                <a:solidFill>
+                  <a:srgbClr val="CED1CF"/>
+                </a:solidFill>
+                <a:effectLst/>
+                <a:latin typeface="Menlo" panose="020B0609030804020204" pitchFamily="49" charset="0"/>
+              </a:rPr>
+              <a:t>.</a:t>
+            </a:r>
+            <a:r>
+              <a:rPr lang="en-GB" sz="1400" dirty="0" err="1">
+                <a:solidFill>
+                  <a:srgbClr val="94AE57"/>
+                </a:solidFill>
+                <a:effectLst/>
+                <a:latin typeface="Menlo" panose="020B0609030804020204" pitchFamily="49" charset="0"/>
+              </a:rPr>
+              <a:t>Sex</a:t>
+            </a:r>
+            <a:r>
+              <a:rPr lang="en-GB" sz="1400" dirty="0" err="1">
+                <a:solidFill>
+                  <a:srgbClr val="CED1CF"/>
+                </a:solidFill>
+                <a:effectLst/>
+                <a:latin typeface="Menlo" panose="020B0609030804020204" pitchFamily="49" charset="0"/>
+              </a:rPr>
+              <a:t>.</a:t>
+            </a:r>
+            <a:r>
+              <a:rPr lang="en-GB" sz="1400" b="1" i="1" dirty="0" err="1">
+                <a:solidFill>
+                  <a:srgbClr val="DE935F"/>
+                </a:solidFill>
+                <a:effectLst/>
+                <a:latin typeface="Menlo" panose="020B0609030804020204" pitchFamily="49" charset="0"/>
+              </a:rPr>
+              <a:t>FEMALE</a:t>
+            </a:r>
+            <a:r>
+              <a:rPr lang="en-GB" sz="1400" dirty="0">
+                <a:solidFill>
+                  <a:srgbClr val="CED1CF"/>
+                </a:solidFill>
+                <a:effectLst/>
+                <a:latin typeface="Menlo" panose="020B0609030804020204" pitchFamily="49" charset="0"/>
+              </a:rPr>
+              <a:t>;</a:t>
+            </a:r>
+            <a:br>
+              <a:rPr lang="en-GB" sz="1400" dirty="0">
+                <a:solidFill>
+                  <a:srgbClr val="CED1CF"/>
+                </a:solidFill>
+                <a:effectLst/>
+                <a:latin typeface="Menlo" panose="020B0609030804020204" pitchFamily="49" charset="0"/>
+              </a:rPr>
+            </a:br>
+            <a:r>
+              <a:rPr lang="en-GB" sz="1400" dirty="0">
+                <a:solidFill>
+                  <a:srgbClr val="CED1CF"/>
+                </a:solidFill>
+                <a:effectLst/>
+                <a:latin typeface="Menlo" panose="020B0609030804020204" pitchFamily="49" charset="0"/>
+              </a:rPr>
+              <a:t>                </a:t>
+            </a:r>
+            <a:r>
+              <a:rPr lang="en-GB" sz="1400" dirty="0">
+                <a:solidFill>
+                  <a:srgbClr val="8C01BF"/>
+                </a:solidFill>
+                <a:effectLst/>
+                <a:latin typeface="Menlo" panose="020B0609030804020204" pitchFamily="49" charset="0"/>
+              </a:rPr>
+              <a:t>}</a:t>
+            </a:r>
+            <a:r>
+              <a:rPr lang="en-GB" sz="1400" dirty="0">
+                <a:solidFill>
+                  <a:srgbClr val="C5C8C6"/>
+                </a:solidFill>
+                <a:effectLst/>
+                <a:latin typeface="Menlo" panose="020B0609030804020204" pitchFamily="49" charset="0"/>
+              </a:rPr>
+              <a:t>)</a:t>
+            </a:r>
+            <a:r>
+              <a:rPr lang="en-GB" sz="1400" dirty="0">
+                <a:solidFill>
+                  <a:srgbClr val="CED1CF"/>
+                </a:solidFill>
+                <a:effectLst/>
+                <a:latin typeface="Menlo" panose="020B0609030804020204" pitchFamily="49" charset="0"/>
+              </a:rPr>
+              <a:t>.</a:t>
+            </a:r>
+            <a:r>
+              <a:rPr lang="en-GB" sz="1400" dirty="0">
+                <a:solidFill>
+                  <a:srgbClr val="C5C8C6"/>
+                </a:solidFill>
+                <a:effectLst/>
+                <a:latin typeface="Menlo" panose="020B0609030804020204" pitchFamily="49" charset="0"/>
+              </a:rPr>
+              <a:t>build()</a:t>
+            </a:r>
+            <a:r>
+              <a:rPr lang="en-GB" sz="1400" dirty="0">
+                <a:solidFill>
+                  <a:srgbClr val="CED1CF"/>
+                </a:solidFill>
+                <a:effectLst/>
+                <a:latin typeface="Menlo" panose="020B0609030804020204" pitchFamily="49" charset="0"/>
+              </a:rPr>
+              <a:t>;</a:t>
+            </a:r>
+            <a:br>
+              <a:rPr lang="en-GB" sz="1400" dirty="0">
+                <a:solidFill>
+                  <a:srgbClr val="CED1CF"/>
+                </a:solidFill>
+                <a:effectLst/>
+                <a:latin typeface="Menlo" panose="020B0609030804020204" pitchFamily="49" charset="0"/>
+              </a:rPr>
+            </a:br>
+            <a:br>
+              <a:rPr lang="en-GB" sz="1400" dirty="0">
+                <a:solidFill>
+                  <a:srgbClr val="CED1CF"/>
+                </a:solidFill>
+                <a:effectLst/>
+                <a:latin typeface="Menlo" panose="020B0609030804020204" pitchFamily="49" charset="0"/>
+              </a:rPr>
+            </a:br>
+            <a:r>
+              <a:rPr lang="en-GB" sz="1400" dirty="0">
+                <a:solidFill>
+                  <a:srgbClr val="CED1CF"/>
+                </a:solidFill>
+                <a:effectLst/>
+                <a:latin typeface="Menlo" panose="020B0609030804020204" pitchFamily="49" charset="0"/>
+              </a:rPr>
+              <a:t>        </a:t>
+            </a:r>
+            <a:r>
+              <a:rPr lang="en-GB" sz="1400" dirty="0" err="1">
+                <a:solidFill>
+                  <a:srgbClr val="F0C674"/>
+                </a:solidFill>
+                <a:effectLst/>
+                <a:latin typeface="Menlo" panose="020B0609030804020204" pitchFamily="49" charset="0"/>
+              </a:rPr>
+              <a:t>System</a:t>
+            </a:r>
+            <a:r>
+              <a:rPr lang="en-GB" sz="1400" dirty="0" err="1">
+                <a:solidFill>
+                  <a:srgbClr val="CED1CF"/>
+                </a:solidFill>
+                <a:effectLst/>
+                <a:latin typeface="Menlo" panose="020B0609030804020204" pitchFamily="49" charset="0"/>
+              </a:rPr>
+              <a:t>.</a:t>
+            </a:r>
+            <a:r>
+              <a:rPr lang="en-GB" sz="1400" b="1" i="1" dirty="0" err="1">
+                <a:solidFill>
+                  <a:srgbClr val="DE935F"/>
+                </a:solidFill>
+                <a:effectLst/>
+                <a:latin typeface="Menlo" panose="020B0609030804020204" pitchFamily="49" charset="0"/>
+              </a:rPr>
+              <a:t>out</a:t>
+            </a:r>
+            <a:r>
+              <a:rPr lang="en-GB" sz="1400" dirty="0" err="1">
+                <a:solidFill>
+                  <a:srgbClr val="CED1CF"/>
+                </a:solidFill>
+                <a:effectLst/>
+                <a:latin typeface="Menlo" panose="020B0609030804020204" pitchFamily="49" charset="0"/>
+              </a:rPr>
+              <a:t>.</a:t>
+            </a:r>
+            <a:r>
+              <a:rPr lang="en-GB" sz="1400" dirty="0" err="1">
+                <a:solidFill>
+                  <a:srgbClr val="C5C8C6"/>
+                </a:solidFill>
+                <a:effectLst/>
+                <a:latin typeface="Menlo" panose="020B0609030804020204" pitchFamily="49" charset="0"/>
+              </a:rPr>
+              <a:t>println</a:t>
+            </a:r>
+            <a:r>
+              <a:rPr lang="en-GB" sz="1400" dirty="0">
+                <a:solidFill>
+                  <a:srgbClr val="C5C8C6"/>
+                </a:solidFill>
+                <a:effectLst/>
+                <a:latin typeface="Menlo" panose="020B0609030804020204" pitchFamily="49" charset="0"/>
+              </a:rPr>
+              <a:t>(</a:t>
+            </a:r>
+            <a:r>
+              <a:rPr lang="en-GB" sz="1400" dirty="0" err="1">
+                <a:solidFill>
+                  <a:srgbClr val="C5C8C6"/>
+                </a:solidFill>
+                <a:effectLst/>
+                <a:latin typeface="Menlo" panose="020B0609030804020204" pitchFamily="49" charset="0"/>
+              </a:rPr>
+              <a:t>sam</a:t>
+            </a:r>
+            <a:r>
+              <a:rPr lang="en-GB" sz="1400" dirty="0">
+                <a:solidFill>
+                  <a:srgbClr val="C5C8C6"/>
+                </a:solidFill>
+                <a:effectLst/>
+                <a:latin typeface="Menlo" panose="020B0609030804020204" pitchFamily="49" charset="0"/>
+              </a:rPr>
+              <a:t>)</a:t>
+            </a:r>
+            <a:r>
+              <a:rPr lang="en-GB" sz="1400" dirty="0">
+                <a:solidFill>
+                  <a:srgbClr val="CED1CF"/>
+                </a:solidFill>
+                <a:effectLst/>
+                <a:latin typeface="Menlo" panose="020B0609030804020204" pitchFamily="49" charset="0"/>
+              </a:rPr>
+              <a:t>;</a:t>
+            </a:r>
+            <a:br>
+              <a:rPr lang="en-GB" sz="1400" dirty="0">
+                <a:solidFill>
+                  <a:srgbClr val="CED1CF"/>
+                </a:solidFill>
+                <a:effectLst/>
+                <a:latin typeface="Menlo" panose="020B0609030804020204" pitchFamily="49" charset="0"/>
+              </a:rPr>
+            </a:br>
+            <a:r>
+              <a:rPr lang="en-GB" sz="1400" dirty="0">
+                <a:solidFill>
+                  <a:srgbClr val="CED1CF"/>
+                </a:solidFill>
+                <a:effectLst/>
+                <a:latin typeface="Menlo" panose="020B0609030804020204" pitchFamily="49" charset="0"/>
+              </a:rPr>
+              <a:t>    </a:t>
+            </a:r>
+            <a:r>
+              <a:rPr lang="en-GB" sz="1400" dirty="0">
+                <a:solidFill>
+                  <a:srgbClr val="0E7F8E"/>
+                </a:solidFill>
+                <a:effectLst/>
+                <a:latin typeface="Menlo" panose="020B0609030804020204" pitchFamily="49" charset="0"/>
+              </a:rPr>
+              <a:t>}</a:t>
+            </a:r>
+            <a:br>
+              <a:rPr lang="en-GB" sz="1400" dirty="0">
+                <a:solidFill>
+                  <a:srgbClr val="0E7F8E"/>
+                </a:solidFill>
+                <a:effectLst/>
+                <a:latin typeface="Menlo" panose="020B0609030804020204" pitchFamily="49" charset="0"/>
+              </a:rPr>
+            </a:br>
+            <a:r>
+              <a:rPr lang="en-GB" sz="1400" dirty="0">
+                <a:solidFill>
+                  <a:srgbClr val="C5C8C6"/>
+                </a:solidFill>
+                <a:effectLst/>
+                <a:latin typeface="Menlo" panose="020B0609030804020204" pitchFamily="49" charset="0"/>
+              </a:rPr>
+              <a:t>}</a:t>
+            </a:r>
+          </a:p>
+          <a:p>
+            <a:pPr algn="l">
+              <a:lnSpc>
+                <a:spcPct val="90000"/>
+              </a:lnSpc>
+              <a:spcBef>
+                <a:spcPts val="1200"/>
+              </a:spcBef>
+            </a:pPr>
+            <a:endParaRPr lang="en-US" sz="2000" dirty="0">
+              <a:solidFill>
+                <a:schemeClr val="tx2"/>
+              </a:solidFill>
+            </a:endParaRPr>
+          </a:p>
+        </p:txBody>
+      </p:sp>
+      <p:sp>
+        <p:nvSpPr>
+          <p:cNvPr id="4" name="TextBox 3">
+            <a:extLst>
+              <a:ext uri="{FF2B5EF4-FFF2-40B4-BE49-F238E27FC236}">
+                <a16:creationId xmlns:a16="http://schemas.microsoft.com/office/drawing/2014/main" id="{71B0A6D5-D22F-CFD7-CF1E-D62540447A22}"/>
+              </a:ext>
+            </a:extLst>
+          </p:cNvPr>
+          <p:cNvSpPr txBox="1"/>
+          <p:nvPr/>
+        </p:nvSpPr>
+        <p:spPr>
+          <a:xfrm>
+            <a:off x="7743823" y="2141795"/>
+            <a:ext cx="2528641" cy="369332"/>
+          </a:xfrm>
+          <a:prstGeom prst="rect">
+            <a:avLst/>
+          </a:prstGeom>
+          <a:solidFill>
+            <a:schemeClr val="accent2">
+              <a:lumMod val="40000"/>
+              <a:lumOff val="60000"/>
+            </a:schemeClr>
+          </a:solidFill>
+        </p:spPr>
+        <p:txBody>
+          <a:bodyPr wrap="none" rtlCol="0">
+            <a:spAutoFit/>
+          </a:bodyPr>
+          <a:lstStyle/>
+          <a:p>
+            <a:pPr algn="l">
+              <a:lnSpc>
+                <a:spcPct val="90000"/>
+              </a:lnSpc>
+              <a:spcBef>
+                <a:spcPts val="1200"/>
+              </a:spcBef>
+            </a:pPr>
+            <a:r>
+              <a:rPr lang="en-US" sz="2000" dirty="0">
+                <a:solidFill>
+                  <a:schemeClr val="tx2"/>
+                </a:solidFill>
+              </a:rPr>
+              <a:t>Traditional Approach</a:t>
+            </a:r>
+          </a:p>
+        </p:txBody>
+      </p:sp>
+      <p:sp>
+        <p:nvSpPr>
+          <p:cNvPr id="5" name="TextBox 4">
+            <a:extLst>
+              <a:ext uri="{FF2B5EF4-FFF2-40B4-BE49-F238E27FC236}">
+                <a16:creationId xmlns:a16="http://schemas.microsoft.com/office/drawing/2014/main" id="{8F2D1EC1-7630-8003-4AC2-1C692148E2E3}"/>
+              </a:ext>
+            </a:extLst>
+          </p:cNvPr>
+          <p:cNvSpPr txBox="1"/>
+          <p:nvPr/>
+        </p:nvSpPr>
+        <p:spPr>
+          <a:xfrm>
+            <a:off x="8328248" y="4077072"/>
+            <a:ext cx="2978701" cy="369332"/>
+          </a:xfrm>
+          <a:prstGeom prst="rect">
+            <a:avLst/>
+          </a:prstGeom>
+          <a:solidFill>
+            <a:schemeClr val="accent4">
+              <a:lumMod val="20000"/>
+              <a:lumOff val="80000"/>
+            </a:schemeClr>
+          </a:solidFill>
+        </p:spPr>
+        <p:txBody>
+          <a:bodyPr wrap="none" rtlCol="0">
+            <a:spAutoFit/>
+          </a:bodyPr>
+          <a:lstStyle/>
+          <a:p>
+            <a:pPr algn="l">
+              <a:lnSpc>
+                <a:spcPct val="90000"/>
+              </a:lnSpc>
+              <a:spcBef>
+                <a:spcPts val="1200"/>
+              </a:spcBef>
+            </a:pPr>
+            <a:r>
+              <a:rPr lang="en-US" sz="2000" dirty="0">
+                <a:solidFill>
+                  <a:schemeClr val="tx2"/>
+                </a:solidFill>
+              </a:rPr>
+              <a:t>Using Java8 Consumers</a:t>
+            </a:r>
+          </a:p>
+        </p:txBody>
+      </p:sp>
+    </p:spTree>
+    <p:extLst>
+      <p:ext uri="{BB962C8B-B14F-4D97-AF65-F5344CB8AC3E}">
+        <p14:creationId xmlns:p14="http://schemas.microsoft.com/office/powerpoint/2010/main" val="967317659"/>
+      </p:ext>
+    </p:extLst>
+  </p:cSld>
+  <p:clrMapOvr>
+    <a:masterClrMapping/>
+  </p:clrMapOvr>
+  <p:transition>
+    <p:fade/>
+  </p:transition>
+</p:sld>
+</file>
+
+<file path=ppt/slides/slide9.xml><?xml version="1.0" encoding="utf-8"?>
 <p:sld xmlns:a="http://schemas.openxmlformats.org/drawingml/2006/main" xmlns:r="http://schemas.openxmlformats.org/officeDocument/2006/relationships" xmlns:p="http://schemas.openxmlformats.org/presentationml/2006/main">
   <p:cSld>
     <p:spTree>
